--- a/DL_course_1.pptx
+++ b/DL_course_1.pptx
@@ -6,23 +6,24 @@
     <p:sldMasterId id="2147483663" r:id="rId2"/>
   </p:sldMasterIdLst>
   <p:notesMasterIdLst>
-    <p:notesMasterId r:id="rId17"/>
+    <p:notesMasterId r:id="rId18"/>
   </p:notesMasterIdLst>
   <p:sldIdLst>
     <p:sldId id="258" r:id="rId3"/>
-    <p:sldId id="271" r:id="rId4"/>
-    <p:sldId id="277" r:id="rId5"/>
-    <p:sldId id="274" r:id="rId6"/>
-    <p:sldId id="276" r:id="rId7"/>
-    <p:sldId id="298" r:id="rId8"/>
-    <p:sldId id="278" r:id="rId9"/>
-    <p:sldId id="293" r:id="rId10"/>
-    <p:sldId id="294" r:id="rId11"/>
-    <p:sldId id="280" r:id="rId12"/>
-    <p:sldId id="281" r:id="rId13"/>
-    <p:sldId id="283" r:id="rId14"/>
-    <p:sldId id="297" r:id="rId15"/>
-    <p:sldId id="292" r:id="rId16"/>
+    <p:sldId id="299" r:id="rId4"/>
+    <p:sldId id="271" r:id="rId5"/>
+    <p:sldId id="277" r:id="rId6"/>
+    <p:sldId id="274" r:id="rId7"/>
+    <p:sldId id="276" r:id="rId8"/>
+    <p:sldId id="298" r:id="rId9"/>
+    <p:sldId id="278" r:id="rId10"/>
+    <p:sldId id="293" r:id="rId11"/>
+    <p:sldId id="294" r:id="rId12"/>
+    <p:sldId id="280" r:id="rId13"/>
+    <p:sldId id="281" r:id="rId14"/>
+    <p:sldId id="283" r:id="rId15"/>
+    <p:sldId id="297" r:id="rId16"/>
+    <p:sldId id="292" r:id="rId17"/>
   </p:sldIdLst>
   <p:sldSz cx="12192000" cy="6858000"/>
   <p:notesSz cx="6858000" cy="9144000"/>
@@ -849,7 +850,7 @@
           <a:p>
             <a:fld id="{6B3382E4-831A-4D0C-BC58-A8776DD694D1}" type="slidenum">
               <a:rPr lang="en-US" smtClean="0"/>
-              <a:t>6</a:t>
+              <a:t>7</a:t>
             </a:fld>
             <a:endParaRPr lang="en-US"/>
           </a:p>
@@ -6216,7 +6217,7 @@
                 <a:ea typeface="Nokia Pure Text Light" panose="020B0304040602060303" pitchFamily="34" charset="0"/>
                 <a:cs typeface="Nokia Pure Text Light" panose="020B0304040602060303" pitchFamily="34" charset="0"/>
               </a:rPr>
-              <a:t>/34</a:t>
+              <a:t>/15</a:t>
             </a:r>
           </a:p>
         </p:txBody>
@@ -7339,17 +7340,17 @@
           <a:p>
             <a:r>
               <a:rPr lang="en-US" sz="3200" dirty="0"/>
-              <a:t>2. Tensorflow for beginners</a:t>
+              <a:t>1. Introduction to Deep Learning</a:t>
             </a:r>
           </a:p>
         </p:txBody>
       </p:sp>
       <p:sp>
         <p:nvSpPr>
-          <p:cNvPr id="13" name="TextBox 12">
-            <a:extLst>
-              <a:ext uri="{FF2B5EF4-FFF2-40B4-BE49-F238E27FC236}">
-                <a16:creationId xmlns:a16="http://schemas.microsoft.com/office/drawing/2014/main" id="{1F5DFE5C-4663-44DE-8021-C88C9DFD20B9}"/>
+          <p:cNvPr id="7" name="TextBox 6">
+            <a:extLst>
+              <a:ext uri="{FF2B5EF4-FFF2-40B4-BE49-F238E27FC236}">
+                <a16:creationId xmlns:a16="http://schemas.microsoft.com/office/drawing/2014/main" id="{37CC6108-E9D2-4B2A-AB79-97FA8B9CBF5B}"/>
               </a:ext>
             </a:extLst>
           </p:cNvPr>
@@ -7358,8 +7359,8 @@
         </p:nvSpPr>
         <p:spPr>
           <a:xfrm>
-            <a:off x="833718" y="1002229"/>
-            <a:ext cx="6136424" cy="1203089"/>
+            <a:off x="833718" y="985940"/>
+            <a:ext cx="10236359" cy="667549"/>
           </a:xfrm>
           <a:prstGeom prst="rect">
             <a:avLst/>
@@ -7367,7 +7368,7 @@
           <a:noFill/>
         </p:spPr>
         <p:txBody>
-          <a:bodyPr wrap="square" lIns="72000" tIns="72000" rIns="72000" bIns="72000" rtlCol="0">
+          <a:bodyPr wrap="none" lIns="72000" tIns="72000" rIns="72000" bIns="72000" rtlCol="0">
             <a:noAutofit/>
           </a:bodyPr>
           <a:lstStyle/>
@@ -7380,46 +7381,26 @@
             </a:pPr>
             <a:r>
               <a:rPr lang="en-US" sz="2400" dirty="0"/>
-              <a:t>A </a:t>
+              <a:t>Training is done by Stochastic Gradient Descent (</a:t>
             </a:r>
             <a:r>
               <a:rPr lang="en-US" sz="2400" b="1" dirty="0"/>
-              <a:t>Tensor</a:t>
+              <a:t>SGD</a:t>
             </a:r>
             <a:r>
               <a:rPr lang="en-US" sz="2400" dirty="0"/>
-              <a:t> is a N-dimensional Matrix</a:t>
-            </a:r>
-          </a:p>
-          <a:p>
-            <a:pPr algn="l">
-              <a:spcAft>
-                <a:spcPts val="300"/>
-              </a:spcAft>
-              <a:buSzPct val="100000"/>
-            </a:pPr>
-            <a:r>
-              <a:rPr lang="en-US" sz="2400" dirty="0"/>
-              <a:t>The first dimension is usually the batch size</a:t>
-            </a:r>
-          </a:p>
-          <a:p>
-            <a:pPr algn="l">
-              <a:spcAft>
-                <a:spcPts val="300"/>
-              </a:spcAft>
-              <a:buSzPct val="100000"/>
-            </a:pPr>
+              <a:t>) or a variant</a:t>
+            </a:r>
             <a:endParaRPr lang="en-US" sz="2400" b="1" dirty="0"/>
           </a:p>
         </p:txBody>
       </p:sp>
       <p:pic>
         <p:nvPicPr>
-          <p:cNvPr id="2050" name="Picture 2" descr="Fig. 3. Tensor Models">
-            <a:extLst>
-              <a:ext uri="{FF2B5EF4-FFF2-40B4-BE49-F238E27FC236}">
-                <a16:creationId xmlns:a16="http://schemas.microsoft.com/office/drawing/2014/main" id="{DBFFBC74-9382-4231-9D61-4DB2AF5B805F}"/>
+          <p:cNvPr id="4102" name="Picture 6" descr="Résultat de recherche d'images pour &quot;stochastic gradient descent&quot;&quot;">
+            <a:extLst>
+              <a:ext uri="{FF2B5EF4-FFF2-40B4-BE49-F238E27FC236}">
+                <a16:creationId xmlns:a16="http://schemas.microsoft.com/office/drawing/2014/main" id="{8C87160D-2AB5-470B-9C39-935FCAB9D2B4}"/>
               </a:ext>
             </a:extLst>
           </p:cNvPr>
@@ -7436,13 +7417,13 @@
               </a:ext>
             </a:extLst>
           </a:blip>
-          <a:srcRect b="3128"/>
+          <a:srcRect l="5441" t="10261" r="12215" b="1970"/>
           <a:stretch/>
         </p:blipFill>
         <p:spPr bwMode="auto">
           <a:xfrm>
-            <a:off x="612299" y="2317444"/>
-            <a:ext cx="5994395" cy="3835416"/>
+            <a:off x="6699001" y="1830849"/>
+            <a:ext cx="5363296" cy="3022949"/>
           </a:xfrm>
           <a:prstGeom prst="rect">
             <a:avLst/>
@@ -7459,280 +7440,978 @@
           </a:extLst>
         </p:spPr>
       </p:pic>
-      <p:pic>
-        <p:nvPicPr>
-          <p:cNvPr id="2052" name="Picture 4" descr="Résultat de recherche d'images pour &quot;cat&quot;">
-            <a:extLst>
-              <a:ext uri="{FF2B5EF4-FFF2-40B4-BE49-F238E27FC236}">
-                <a16:creationId xmlns:a16="http://schemas.microsoft.com/office/drawing/2014/main" id="{2B97AE08-CFAE-41DF-A086-84D0CCAC4828}"/>
-              </a:ext>
-            </a:extLst>
-          </p:cNvPr>
-          <p:cNvPicPr>
-            <a:picLocks noChangeAspect="1" noChangeArrowheads="1"/>
-          </p:cNvPicPr>
+      <p:sp>
+        <p:nvSpPr>
+          <p:cNvPr id="2" name="TextBox 1">
+            <a:extLst>
+              <a:ext uri="{FF2B5EF4-FFF2-40B4-BE49-F238E27FC236}">
+                <a16:creationId xmlns:a16="http://schemas.microsoft.com/office/drawing/2014/main" id="{E4DCAE6A-65BF-432C-83B1-E8D67D2E256A}"/>
+              </a:ext>
+            </a:extLst>
+          </p:cNvPr>
+          <p:cNvSpPr txBox="1"/>
           <p:nvPr/>
-        </p:nvPicPr>
-        <p:blipFill>
-          <a:blip r:embed="rId3">
-            <a:extLst>
-              <a:ext uri="{28A0092B-C50C-407E-A947-70E740481C1C}">
-                <a14:useLocalDpi xmlns:a14="http://schemas.microsoft.com/office/drawing/2010/main" val="0"/>
-              </a:ext>
-            </a:extLst>
-          </a:blip>
-          <a:srcRect/>
-          <a:stretch>
-            <a:fillRect/>
-          </a:stretch>
-        </p:blipFill>
-        <p:spPr bwMode="auto">
+        </p:nvSpPr>
+        <p:spPr>
           <a:xfrm>
-            <a:off x="8095367" y="2116015"/>
-            <a:ext cx="742804" cy="742804"/>
+            <a:off x="6789905" y="2947149"/>
+            <a:ext cx="515567" cy="790347"/>
+          </a:xfrm>
+          <a:prstGeom prst="rect">
+            <a:avLst/>
+          </a:prstGeom>
+          <a:solidFill>
+            <a:schemeClr val="bg1"/>
+          </a:solidFill>
+        </p:spPr>
+        <p:txBody>
+          <a:bodyPr vert="vert270" wrap="none" lIns="72000" tIns="72000" rIns="72000" bIns="72000" rtlCol="0">
+            <a:noAutofit/>
+          </a:bodyPr>
+          <a:lstStyle/>
+          <a:p>
+            <a:pPr algn="l">
+              <a:spcAft>
+                <a:spcPts val="300"/>
+              </a:spcAft>
+              <a:buSzPct val="100000"/>
+            </a:pPr>
+            <a:r>
+              <a:rPr lang="en-US" sz="2000" dirty="0"/>
+              <a:t>Loss</a:t>
+            </a:r>
+          </a:p>
+        </p:txBody>
+      </p:sp>
+      <mc:AlternateContent xmlns:mc="http://schemas.openxmlformats.org/markup-compatibility/2006" xmlns:a14="http://schemas.microsoft.com/office/drawing/2010/main">
+        <mc:Choice Requires="a14">
+          <p:sp>
+            <p:nvSpPr>
+              <p:cNvPr id="8" name="TextBox 7">
+                <a:extLst>
+                  <a:ext uri="{FF2B5EF4-FFF2-40B4-BE49-F238E27FC236}">
+                    <a16:creationId xmlns:a16="http://schemas.microsoft.com/office/drawing/2014/main" id="{4E4E6276-60F1-49C0-8739-DD0A528B677C}"/>
+                  </a:ext>
+                </a:extLst>
+              </p:cNvPr>
+              <p:cNvSpPr txBox="1"/>
+              <p:nvPr/>
+            </p:nvSpPr>
+            <p:spPr>
+              <a:xfrm>
+                <a:off x="8075710" y="4284730"/>
+                <a:ext cx="656616" cy="457200"/>
+              </a:xfrm>
+              <a:prstGeom prst="rect">
+                <a:avLst/>
+              </a:prstGeom>
+              <a:solidFill>
+                <a:schemeClr val="bg1"/>
+              </a:solidFill>
+            </p:spPr>
+            <p:txBody>
+              <a:bodyPr wrap="none" lIns="0" tIns="0" rIns="0" bIns="0" rtlCol="0">
+                <a:noAutofit/>
+              </a:bodyPr>
+              <a:lstStyle/>
+              <a:p>
+                <a:pPr algn="l">
+                  <a:spcAft>
+                    <a:spcPts val="300"/>
+                  </a:spcAft>
+                  <a:buSzPct val="100000"/>
+                </a:pPr>
+                <a14:m>
+                  <m:oMathPara xmlns:m="http://schemas.openxmlformats.org/officeDocument/2006/math">
+                    <m:oMathParaPr>
+                      <m:jc m:val="centerGroup"/>
+                    </m:oMathParaPr>
+                    <m:oMath xmlns:m="http://schemas.openxmlformats.org/officeDocument/2006/math">
+                      <m:sSub>
+                        <m:sSubPr>
+                          <m:ctrlPr>
+                            <a:rPr lang="en-US" sz="2000" b="0" i="1" smtClean="0">
+                              <a:solidFill>
+                                <a:schemeClr val="tx1"/>
+                              </a:solidFill>
+                              <a:latin typeface="Cambria Math" panose="02040503050406030204" pitchFamily="18" charset="0"/>
+                            </a:rPr>
+                          </m:ctrlPr>
+                        </m:sSubPr>
+                        <m:e>
+                          <m:r>
+                            <a:rPr lang="en-US" sz="2000" b="0" i="1" smtClean="0">
+                              <a:solidFill>
+                                <a:schemeClr val="tx1"/>
+                              </a:solidFill>
+                              <a:latin typeface="Cambria Math" panose="02040503050406030204" pitchFamily="18" charset="0"/>
+                            </a:rPr>
+                            <m:t>𝜃</m:t>
+                          </m:r>
+                        </m:e>
+                        <m:sub>
+                          <m:r>
+                            <a:rPr lang="en-US" sz="2000" b="0" i="1" smtClean="0">
+                              <a:solidFill>
+                                <a:schemeClr val="tx1"/>
+                              </a:solidFill>
+                              <a:latin typeface="Cambria Math" panose="02040503050406030204" pitchFamily="18" charset="0"/>
+                            </a:rPr>
+                            <m:t>1</m:t>
+                          </m:r>
+                        </m:sub>
+                      </m:sSub>
+                    </m:oMath>
+                  </m:oMathPara>
+                </a14:m>
+                <a:endParaRPr lang="en-US" sz="2000" dirty="0">
+                  <a:solidFill>
+                    <a:schemeClr val="tx1"/>
+                  </a:solidFill>
+                </a:endParaRPr>
+              </a:p>
+            </p:txBody>
+          </p:sp>
+        </mc:Choice>
+        <mc:Fallback xmlns="">
+          <p:sp>
+            <p:nvSpPr>
+              <p:cNvPr id="8" name="TextBox 7">
+                <a:extLst>
+                  <a:ext uri="{FF2B5EF4-FFF2-40B4-BE49-F238E27FC236}">
+                    <a16:creationId xmlns:a16="http://schemas.microsoft.com/office/drawing/2014/main" id="{4E4E6276-60F1-49C0-8739-DD0A528B677C}"/>
+                  </a:ext>
+                </a:extLst>
+              </p:cNvPr>
+              <p:cNvSpPr txBox="1">
+                <a:spLocks noRot="1" noChangeAspect="1" noMove="1" noResize="1" noEditPoints="1" noAdjustHandles="1" noChangeArrowheads="1" noChangeShapeType="1" noTextEdit="1"/>
+              </p:cNvSpPr>
+              <p:nvPr/>
+            </p:nvSpPr>
+            <p:spPr>
+              <a:xfrm>
+                <a:off x="8075710" y="4284730"/>
+                <a:ext cx="656616" cy="457200"/>
+              </a:xfrm>
+              <a:prstGeom prst="rect">
+                <a:avLst/>
+              </a:prstGeom>
+              <a:blipFill>
+                <a:blip r:embed="rId3"/>
+                <a:stretch>
+                  <a:fillRect/>
+                </a:stretch>
+              </a:blipFill>
+            </p:spPr>
+            <p:txBody>
+              <a:bodyPr/>
+              <a:lstStyle/>
+              <a:p>
+                <a:r>
+                  <a:rPr lang="en-US">
+                    <a:noFill/>
+                  </a:rPr>
+                  <a:t> </a:t>
+                </a:r>
+              </a:p>
+            </p:txBody>
+          </p:sp>
+        </mc:Fallback>
+      </mc:AlternateContent>
+      <mc:AlternateContent xmlns:mc="http://schemas.openxmlformats.org/markup-compatibility/2006" xmlns:a14="http://schemas.microsoft.com/office/drawing/2010/main">
+        <mc:Choice Requires="a14">
+          <p:sp>
+            <p:nvSpPr>
+              <p:cNvPr id="27" name="TextBox 26">
+                <a:extLst>
+                  <a:ext uri="{FF2B5EF4-FFF2-40B4-BE49-F238E27FC236}">
+                    <a16:creationId xmlns:a16="http://schemas.microsoft.com/office/drawing/2014/main" id="{87335A88-0052-415C-B5FC-0D9B942E8BA0}"/>
+                  </a:ext>
+                </a:extLst>
+              </p:cNvPr>
+              <p:cNvSpPr txBox="1"/>
+              <p:nvPr/>
+            </p:nvSpPr>
+            <p:spPr>
+              <a:xfrm>
+                <a:off x="11068587" y="4145300"/>
+                <a:ext cx="656616" cy="457200"/>
+              </a:xfrm>
+              <a:prstGeom prst="rect">
+                <a:avLst/>
+              </a:prstGeom>
+              <a:solidFill>
+                <a:schemeClr val="bg1"/>
+              </a:solidFill>
+            </p:spPr>
+            <p:txBody>
+              <a:bodyPr wrap="none" lIns="0" tIns="0" rIns="0" bIns="0" rtlCol="0">
+                <a:noAutofit/>
+              </a:bodyPr>
+              <a:lstStyle/>
+              <a:p>
+                <a:pPr algn="l">
+                  <a:spcAft>
+                    <a:spcPts val="300"/>
+                  </a:spcAft>
+                  <a:buSzPct val="100000"/>
+                </a:pPr>
+                <a14:m>
+                  <m:oMathPara xmlns:m="http://schemas.openxmlformats.org/officeDocument/2006/math">
+                    <m:oMathParaPr>
+                      <m:jc m:val="centerGroup"/>
+                    </m:oMathParaPr>
+                    <m:oMath xmlns:m="http://schemas.openxmlformats.org/officeDocument/2006/math">
+                      <m:sSub>
+                        <m:sSubPr>
+                          <m:ctrlPr>
+                            <a:rPr lang="en-US" sz="2000" b="0" i="1" smtClean="0">
+                              <a:solidFill>
+                                <a:schemeClr val="tx1"/>
+                              </a:solidFill>
+                              <a:latin typeface="Cambria Math" panose="02040503050406030204" pitchFamily="18" charset="0"/>
+                            </a:rPr>
+                          </m:ctrlPr>
+                        </m:sSubPr>
+                        <m:e>
+                          <m:r>
+                            <a:rPr lang="en-US" sz="2000" b="0" i="1" smtClean="0">
+                              <a:solidFill>
+                                <a:schemeClr val="tx1"/>
+                              </a:solidFill>
+                              <a:latin typeface="Cambria Math" panose="02040503050406030204" pitchFamily="18" charset="0"/>
+                            </a:rPr>
+                            <m:t>𝜃</m:t>
+                          </m:r>
+                        </m:e>
+                        <m:sub>
+                          <m:r>
+                            <a:rPr lang="en-US" sz="2000" b="0" i="1" smtClean="0">
+                              <a:solidFill>
+                                <a:schemeClr val="tx1"/>
+                              </a:solidFill>
+                              <a:latin typeface="Cambria Math" panose="02040503050406030204" pitchFamily="18" charset="0"/>
+                            </a:rPr>
+                            <m:t>2</m:t>
+                          </m:r>
+                        </m:sub>
+                      </m:sSub>
+                    </m:oMath>
+                  </m:oMathPara>
+                </a14:m>
+                <a:endParaRPr lang="en-US" sz="2000" dirty="0">
+                  <a:solidFill>
+                    <a:schemeClr val="tx1"/>
+                  </a:solidFill>
+                </a:endParaRPr>
+              </a:p>
+            </p:txBody>
+          </p:sp>
+        </mc:Choice>
+        <mc:Fallback xmlns="">
+          <p:sp>
+            <p:nvSpPr>
+              <p:cNvPr id="27" name="TextBox 26">
+                <a:extLst>
+                  <a:ext uri="{FF2B5EF4-FFF2-40B4-BE49-F238E27FC236}">
+                    <a16:creationId xmlns:a16="http://schemas.microsoft.com/office/drawing/2014/main" id="{87335A88-0052-415C-B5FC-0D9B942E8BA0}"/>
+                  </a:ext>
+                </a:extLst>
+              </p:cNvPr>
+              <p:cNvSpPr txBox="1">
+                <a:spLocks noRot="1" noChangeAspect="1" noMove="1" noResize="1" noEditPoints="1" noAdjustHandles="1" noChangeArrowheads="1" noChangeShapeType="1" noTextEdit="1"/>
+              </p:cNvSpPr>
+              <p:nvPr/>
+            </p:nvSpPr>
+            <p:spPr>
+              <a:xfrm>
+                <a:off x="11068587" y="4145300"/>
+                <a:ext cx="656616" cy="457200"/>
+              </a:xfrm>
+              <a:prstGeom prst="rect">
+                <a:avLst/>
+              </a:prstGeom>
+              <a:blipFill>
+                <a:blip r:embed="rId4"/>
+                <a:stretch>
+                  <a:fillRect/>
+                </a:stretch>
+              </a:blipFill>
+            </p:spPr>
+            <p:txBody>
+              <a:bodyPr/>
+              <a:lstStyle/>
+              <a:p>
+                <a:r>
+                  <a:rPr lang="en-US">
+                    <a:noFill/>
+                  </a:rPr>
+                  <a:t> </a:t>
+                </a:r>
+              </a:p>
+            </p:txBody>
+          </p:sp>
+        </mc:Fallback>
+      </mc:AlternateContent>
+      <p:sp>
+        <p:nvSpPr>
+          <p:cNvPr id="9" name="TextBox 8">
+            <a:extLst>
+              <a:ext uri="{FF2B5EF4-FFF2-40B4-BE49-F238E27FC236}">
+                <a16:creationId xmlns:a16="http://schemas.microsoft.com/office/drawing/2014/main" id="{CCBC7777-5A37-4A54-9126-D448A46E4EE8}"/>
+              </a:ext>
+            </a:extLst>
+          </p:cNvPr>
+          <p:cNvSpPr txBox="1"/>
+          <p:nvPr/>
+        </p:nvSpPr>
+        <p:spPr>
+          <a:xfrm>
+            <a:off x="833718" y="1471215"/>
+            <a:ext cx="9367737" cy="476416"/>
           </a:xfrm>
           <a:prstGeom prst="rect">
             <a:avLst/>
           </a:prstGeom>
           <a:noFill/>
-          <a:extLst>
-            <a:ext uri="{909E8E84-426E-40DD-AFC4-6F175D3DCCD1}">
-              <a14:hiddenFill xmlns:a14="http://schemas.microsoft.com/office/drawing/2010/main">
-                <a:solidFill>
-                  <a:srgbClr val="FFFFFF"/>
-                </a:solidFill>
-              </a14:hiddenFill>
-            </a:ext>
-          </a:extLst>
-        </p:spPr>
-      </p:pic>
-      <p:pic>
-        <p:nvPicPr>
-          <p:cNvPr id="2054" name="Picture 6" descr="Résultat de recherche d'images pour &quot;cat&quot;">
-            <a:extLst>
-              <a:ext uri="{FF2B5EF4-FFF2-40B4-BE49-F238E27FC236}">
-                <a16:creationId xmlns:a16="http://schemas.microsoft.com/office/drawing/2014/main" id="{6CA42269-BC65-4F61-A412-0052A4E42DB8}"/>
-              </a:ext>
-            </a:extLst>
-          </p:cNvPr>
-          <p:cNvPicPr>
-            <a:picLocks noChangeAspect="1" noChangeArrowheads="1"/>
-          </p:cNvPicPr>
+        </p:spPr>
+        <p:txBody>
+          <a:bodyPr wrap="square" lIns="72000" tIns="72000" rIns="72000" bIns="72000" rtlCol="0">
+            <a:noAutofit/>
+          </a:bodyPr>
+          <a:lstStyle/>
+          <a:p>
+            <a:pPr algn="l">
+              <a:spcAft>
+                <a:spcPts val="300"/>
+              </a:spcAft>
+              <a:buSzPct val="100000"/>
+            </a:pPr>
+            <a:r>
+              <a:rPr lang="en-US" dirty="0"/>
+              <a:t>(for a batch: compute forward path </a:t>
+            </a:r>
+            <a:r>
+              <a:rPr lang="en-US" dirty="0">
+                <a:sym typeface="Wingdings" panose="05000000000000000000" pitchFamily="2" charset="2"/>
+              </a:rPr>
+              <a:t> </a:t>
+            </a:r>
+            <a:r>
+              <a:rPr lang="en-US" dirty="0"/>
+              <a:t>compute loss &amp; gradients </a:t>
+            </a:r>
+            <a:r>
+              <a:rPr lang="en-US" dirty="0">
+                <a:sym typeface="Wingdings" panose="05000000000000000000" pitchFamily="2" charset="2"/>
+              </a:rPr>
+              <a:t> apply </a:t>
+            </a:r>
+            <a:r>
+              <a:rPr lang="en-US" b="1" dirty="0">
+                <a:sym typeface="Wingdings" panose="05000000000000000000" pitchFamily="2" charset="2"/>
+              </a:rPr>
+              <a:t>optimizer</a:t>
+            </a:r>
+            <a:r>
+              <a:rPr lang="en-US" dirty="0">
+                <a:sym typeface="Wingdings" panose="05000000000000000000" pitchFamily="2" charset="2"/>
+              </a:rPr>
+              <a:t>)</a:t>
+            </a:r>
+            <a:endParaRPr lang="en-US" dirty="0"/>
+          </a:p>
+        </p:txBody>
+      </p:sp>
+      <mc:AlternateContent xmlns:mc="http://schemas.openxmlformats.org/markup-compatibility/2006" xmlns:a14="http://schemas.microsoft.com/office/drawing/2010/main">
+        <mc:Choice Requires="a14">
+          <p:sp>
+            <p:nvSpPr>
+              <p:cNvPr id="10" name="TextBox 9">
+                <a:extLst>
+                  <a:ext uri="{FF2B5EF4-FFF2-40B4-BE49-F238E27FC236}">
+                    <a16:creationId xmlns:a16="http://schemas.microsoft.com/office/drawing/2014/main" id="{D6E9D2CA-0727-4F54-96EE-75DE4C28EC18}"/>
+                  </a:ext>
+                </a:extLst>
+              </p:cNvPr>
+              <p:cNvSpPr txBox="1"/>
+              <p:nvPr/>
+            </p:nvSpPr>
+            <p:spPr>
+              <a:xfrm>
+                <a:off x="982494" y="2996496"/>
+                <a:ext cx="4066162" cy="617919"/>
+              </a:xfrm>
+              <a:prstGeom prst="rect">
+                <a:avLst/>
+              </a:prstGeom>
+              <a:noFill/>
+            </p:spPr>
+            <p:txBody>
+              <a:bodyPr wrap="none" lIns="0" tIns="0" rIns="0" bIns="0" rtlCol="0">
+                <a:noAutofit/>
+              </a:bodyPr>
+              <a:lstStyle/>
+              <a:p>
+                <a:pPr algn="l">
+                  <a:spcAft>
+                    <a:spcPts val="300"/>
+                  </a:spcAft>
+                  <a:buSzPct val="100000"/>
+                </a:pPr>
+                <a14:m>
+                  <m:oMath xmlns:m="http://schemas.openxmlformats.org/officeDocument/2006/math">
+                    <m:sSub>
+                      <m:sSubPr>
+                        <m:ctrlPr>
+                          <a:rPr lang="en-US" sz="2800" b="0" i="1" smtClean="0">
+                            <a:solidFill>
+                              <a:schemeClr val="tx2"/>
+                            </a:solidFill>
+                            <a:latin typeface="Cambria Math" panose="02040503050406030204" pitchFamily="18" charset="0"/>
+                          </a:rPr>
+                        </m:ctrlPr>
+                      </m:sSubPr>
+                      <m:e>
+                        <m:r>
+                          <a:rPr lang="en-US" sz="2800" b="0" i="1" smtClean="0">
+                            <a:solidFill>
+                              <a:schemeClr val="tx2"/>
+                            </a:solidFill>
+                            <a:latin typeface="Cambria Math" panose="02040503050406030204" pitchFamily="18" charset="0"/>
+                          </a:rPr>
+                          <m:t>𝜃</m:t>
+                        </m:r>
+                      </m:e>
+                      <m:sub>
+                        <m:r>
+                          <a:rPr lang="en-US" sz="2800" b="0" i="1" smtClean="0">
+                            <a:solidFill>
+                              <a:schemeClr val="tx2"/>
+                            </a:solidFill>
+                            <a:latin typeface="Cambria Math" panose="02040503050406030204" pitchFamily="18" charset="0"/>
+                          </a:rPr>
+                          <m:t>𝑡</m:t>
+                        </m:r>
+                        <m:r>
+                          <a:rPr lang="en-US" sz="2800" b="0" i="1" smtClean="0">
+                            <a:solidFill>
+                              <a:schemeClr val="tx2"/>
+                            </a:solidFill>
+                            <a:latin typeface="Cambria Math" panose="02040503050406030204" pitchFamily="18" charset="0"/>
+                          </a:rPr>
+                          <m:t>+1</m:t>
+                        </m:r>
+                      </m:sub>
+                    </m:sSub>
+                    <m:r>
+                      <a:rPr lang="en-US" sz="2800" b="0" i="1" smtClean="0">
+                        <a:solidFill>
+                          <a:schemeClr val="tx2"/>
+                        </a:solidFill>
+                        <a:latin typeface="Cambria Math" panose="02040503050406030204" pitchFamily="18" charset="0"/>
+                      </a:rPr>
+                      <m:t>=</m:t>
+                    </m:r>
+                    <m:sSub>
+                      <m:sSubPr>
+                        <m:ctrlPr>
+                          <a:rPr lang="en-US" sz="2800" b="0" i="1" smtClean="0">
+                            <a:solidFill>
+                              <a:schemeClr val="tx2"/>
+                            </a:solidFill>
+                            <a:latin typeface="Cambria Math" panose="02040503050406030204" pitchFamily="18" charset="0"/>
+                          </a:rPr>
+                        </m:ctrlPr>
+                      </m:sSubPr>
+                      <m:e>
+                        <m:r>
+                          <a:rPr lang="en-US" sz="2800" b="0" i="1" smtClean="0">
+                            <a:solidFill>
+                              <a:schemeClr val="tx2"/>
+                            </a:solidFill>
+                            <a:latin typeface="Cambria Math" panose="02040503050406030204" pitchFamily="18" charset="0"/>
+                          </a:rPr>
+                          <m:t>𝜃</m:t>
+                        </m:r>
+                      </m:e>
+                      <m:sub>
+                        <m:r>
+                          <a:rPr lang="en-US" sz="2800" b="0" i="1" smtClean="0">
+                            <a:solidFill>
+                              <a:schemeClr val="tx2"/>
+                            </a:solidFill>
+                            <a:latin typeface="Cambria Math" panose="02040503050406030204" pitchFamily="18" charset="0"/>
+                          </a:rPr>
+                          <m:t>𝑡</m:t>
+                        </m:r>
+                      </m:sub>
+                    </m:sSub>
+                    <m:r>
+                      <a:rPr lang="en-US" sz="2800" b="0" i="1" smtClean="0">
+                        <a:solidFill>
+                          <a:schemeClr val="tx2"/>
+                        </a:solidFill>
+                        <a:latin typeface="Cambria Math" panose="02040503050406030204" pitchFamily="18" charset="0"/>
+                      </a:rPr>
+                      <m:t>−</m:t>
+                    </m:r>
+                    <m:r>
+                      <a:rPr lang="en-US" sz="2800" b="0" i="1" smtClean="0">
+                        <a:solidFill>
+                          <a:schemeClr val="tx2"/>
+                        </a:solidFill>
+                        <a:latin typeface="Cambria Math" panose="02040503050406030204" pitchFamily="18" charset="0"/>
+                      </a:rPr>
+                      <m:t>𝜂</m:t>
+                    </m:r>
+                    <m:r>
+                      <m:rPr>
+                        <m:sty m:val="p"/>
+                      </m:rPr>
+                      <a:rPr lang="en-US" sz="2800" b="0" i="0" smtClean="0">
+                        <a:solidFill>
+                          <a:schemeClr val="tx2"/>
+                        </a:solidFill>
+                        <a:latin typeface="Cambria Math" panose="02040503050406030204" pitchFamily="18" charset="0"/>
+                      </a:rPr>
+                      <m:t>∇</m:t>
+                    </m:r>
+                    <m:r>
+                      <a:rPr lang="en-US" sz="2800" b="0" i="1" smtClean="0">
+                        <a:solidFill>
+                          <a:schemeClr val="tx2"/>
+                        </a:solidFill>
+                        <a:latin typeface="Cambria Math" panose="02040503050406030204" pitchFamily="18" charset="0"/>
+                      </a:rPr>
+                      <m:t>𝐿</m:t>
+                    </m:r>
+                    <m:r>
+                      <a:rPr lang="en-US" sz="2800" b="0" i="1" smtClean="0">
+                        <a:solidFill>
+                          <a:schemeClr val="tx2"/>
+                        </a:solidFill>
+                        <a:latin typeface="Cambria Math" panose="02040503050406030204" pitchFamily="18" charset="0"/>
+                      </a:rPr>
+                      <m:t>(</m:t>
+                    </m:r>
+                    <m:sSub>
+                      <m:sSubPr>
+                        <m:ctrlPr>
+                          <a:rPr lang="en-US" sz="2800" b="0" i="1" smtClean="0">
+                            <a:solidFill>
+                              <a:schemeClr val="tx2"/>
+                            </a:solidFill>
+                            <a:latin typeface="Cambria Math" panose="02040503050406030204" pitchFamily="18" charset="0"/>
+                          </a:rPr>
+                        </m:ctrlPr>
+                      </m:sSubPr>
+                      <m:e>
+                        <m:r>
+                          <a:rPr lang="en-US" sz="2800" b="0" i="1" smtClean="0">
+                            <a:solidFill>
+                              <a:schemeClr val="tx2"/>
+                            </a:solidFill>
+                            <a:latin typeface="Cambria Math" panose="02040503050406030204" pitchFamily="18" charset="0"/>
+                          </a:rPr>
+                          <m:t>𝜃</m:t>
+                        </m:r>
+                      </m:e>
+                      <m:sub>
+                        <m:r>
+                          <a:rPr lang="en-US" sz="2800" b="0" i="1" smtClean="0">
+                            <a:solidFill>
+                              <a:schemeClr val="tx2"/>
+                            </a:solidFill>
+                            <a:latin typeface="Cambria Math" panose="02040503050406030204" pitchFamily="18" charset="0"/>
+                          </a:rPr>
+                          <m:t>𝑡</m:t>
+                        </m:r>
+                      </m:sub>
+                    </m:sSub>
+                    <m:r>
+                      <a:rPr lang="en-US" sz="2800" b="0" i="1" smtClean="0">
+                        <a:solidFill>
+                          <a:schemeClr val="tx2"/>
+                        </a:solidFill>
+                        <a:latin typeface="Cambria Math" panose="02040503050406030204" pitchFamily="18" charset="0"/>
+                      </a:rPr>
+                      <m:t>;</m:t>
+                    </m:r>
+                    <m:acc>
+                      <m:accPr>
+                        <m:chr m:val="̂"/>
+                        <m:ctrlPr>
+                          <a:rPr lang="en-US" sz="2800" b="0" i="1" smtClean="0">
+                            <a:solidFill>
+                              <a:schemeClr val="tx2"/>
+                            </a:solidFill>
+                            <a:latin typeface="Cambria Math" panose="02040503050406030204" pitchFamily="18" charset="0"/>
+                          </a:rPr>
+                        </m:ctrlPr>
+                      </m:accPr>
+                      <m:e>
+                        <m:r>
+                          <a:rPr lang="en-US" sz="2800" b="0" i="1" smtClean="0">
+                            <a:solidFill>
+                              <a:schemeClr val="tx2"/>
+                            </a:solidFill>
+                            <a:latin typeface="Cambria Math" panose="02040503050406030204" pitchFamily="18" charset="0"/>
+                          </a:rPr>
+                          <m:t>𝑦</m:t>
+                        </m:r>
+                      </m:e>
+                    </m:acc>
+                    <m:r>
+                      <a:rPr lang="en-US" sz="2800" b="0" i="1" smtClean="0">
+                        <a:solidFill>
+                          <a:schemeClr val="tx2"/>
+                        </a:solidFill>
+                        <a:latin typeface="Cambria Math" panose="02040503050406030204" pitchFamily="18" charset="0"/>
+                      </a:rPr>
+                      <m:t>, </m:t>
+                    </m:r>
+                    <m:r>
+                      <a:rPr lang="en-US" sz="2800" b="0" i="1" smtClean="0">
+                        <a:solidFill>
+                          <a:schemeClr val="tx2"/>
+                        </a:solidFill>
+                        <a:latin typeface="Cambria Math" panose="02040503050406030204" pitchFamily="18" charset="0"/>
+                      </a:rPr>
+                      <m:t>𝑦</m:t>
+                    </m:r>
+                    <m:r>
+                      <a:rPr lang="en-US" sz="2800" b="0" i="1" smtClean="0">
+                        <a:solidFill>
+                          <a:schemeClr val="tx2"/>
+                        </a:solidFill>
+                        <a:latin typeface="Cambria Math" panose="02040503050406030204" pitchFamily="18" charset="0"/>
+                      </a:rPr>
+                      <m:t>) </m:t>
+                    </m:r>
+                  </m:oMath>
+                </a14:m>
+                <a:r>
+                  <a:rPr lang="en-US" sz="2800" dirty="0">
+                    <a:solidFill>
+                      <a:schemeClr val="tx2"/>
+                    </a:solidFill>
+                  </a:rPr>
+                  <a:t> </a:t>
+                </a:r>
+              </a:p>
+            </p:txBody>
+          </p:sp>
+        </mc:Choice>
+        <mc:Fallback xmlns="">
+          <p:sp>
+            <p:nvSpPr>
+              <p:cNvPr id="10" name="TextBox 9">
+                <a:extLst>
+                  <a:ext uri="{FF2B5EF4-FFF2-40B4-BE49-F238E27FC236}">
+                    <a16:creationId xmlns:a16="http://schemas.microsoft.com/office/drawing/2014/main" id="{D6E9D2CA-0727-4F54-96EE-75DE4C28EC18}"/>
+                  </a:ext>
+                </a:extLst>
+              </p:cNvPr>
+              <p:cNvSpPr txBox="1">
+                <a:spLocks noRot="1" noChangeAspect="1" noMove="1" noResize="1" noEditPoints="1" noAdjustHandles="1" noChangeArrowheads="1" noChangeShapeType="1" noTextEdit="1"/>
+              </p:cNvSpPr>
+              <p:nvPr/>
+            </p:nvSpPr>
+            <p:spPr>
+              <a:xfrm>
+                <a:off x="982494" y="2996496"/>
+                <a:ext cx="4066162" cy="617919"/>
+              </a:xfrm>
+              <a:prstGeom prst="rect">
+                <a:avLst/>
+              </a:prstGeom>
+              <a:blipFill>
+                <a:blip r:embed="rId5"/>
+                <a:stretch>
+                  <a:fillRect/>
+                </a:stretch>
+              </a:blipFill>
+            </p:spPr>
+            <p:txBody>
+              <a:bodyPr/>
+              <a:lstStyle/>
+              <a:p>
+                <a:r>
+                  <a:rPr lang="en-US">
+                    <a:noFill/>
+                  </a:rPr>
+                  <a:t> </a:t>
+                </a:r>
+              </a:p>
+            </p:txBody>
+          </p:sp>
+        </mc:Fallback>
+      </mc:AlternateContent>
+      <p:sp>
+        <p:nvSpPr>
+          <p:cNvPr id="11" name="TextBox 10">
+            <a:extLst>
+              <a:ext uri="{FF2B5EF4-FFF2-40B4-BE49-F238E27FC236}">
+                <a16:creationId xmlns:a16="http://schemas.microsoft.com/office/drawing/2014/main" id="{E8379920-8507-4FCD-937D-D94CA0FCAED0}"/>
+              </a:ext>
+            </a:extLst>
+          </p:cNvPr>
+          <p:cNvSpPr txBox="1"/>
           <p:nvPr/>
-        </p:nvPicPr>
-        <p:blipFill>
-          <a:blip r:embed="rId4">
-            <a:extLst>
-              <a:ext uri="{28A0092B-C50C-407E-A947-70E740481C1C}">
-                <a14:useLocalDpi xmlns:a14="http://schemas.microsoft.com/office/drawing/2010/main" val="0"/>
-              </a:ext>
-            </a:extLst>
-          </a:blip>
-          <a:srcRect/>
-          <a:stretch>
-            <a:fillRect/>
-          </a:stretch>
-        </p:blipFill>
-        <p:spPr bwMode="auto">
+        </p:nvSpPr>
+        <p:spPr>
           <a:xfrm>
-            <a:off x="8095367" y="4689590"/>
-            <a:ext cx="742805" cy="742805"/>
+            <a:off x="833718" y="2157695"/>
+            <a:ext cx="4513635" cy="880353"/>
           </a:xfrm>
           <a:prstGeom prst="rect">
             <a:avLst/>
           </a:prstGeom>
           <a:noFill/>
-          <a:extLst>
-            <a:ext uri="{909E8E84-426E-40DD-AFC4-6F175D3DCCD1}">
-              <a14:hiddenFill xmlns:a14="http://schemas.microsoft.com/office/drawing/2010/main">
-                <a:solidFill>
-                  <a:srgbClr val="FFFFFF"/>
-                </a:solidFill>
-              </a14:hiddenFill>
-            </a:ext>
-          </a:extLst>
-        </p:spPr>
-      </p:pic>
-      <p:pic>
-        <p:nvPicPr>
-          <p:cNvPr id="2056" name="Picture 8" descr="Résultat de recherche d'images pour &quot;dogs&quot;">
-            <a:extLst>
-              <a:ext uri="{FF2B5EF4-FFF2-40B4-BE49-F238E27FC236}">
-                <a16:creationId xmlns:a16="http://schemas.microsoft.com/office/drawing/2014/main" id="{4AC80C21-7215-468A-8DEE-2C4BCB437147}"/>
-              </a:ext>
-            </a:extLst>
-          </p:cNvPr>
-          <p:cNvPicPr>
-            <a:picLocks noChangeAspect="1" noChangeArrowheads="1"/>
-          </p:cNvPicPr>
+        </p:spPr>
+        <p:txBody>
+          <a:bodyPr wrap="none" lIns="72000" tIns="72000" rIns="72000" bIns="72000" rtlCol="0">
+            <a:noAutofit/>
+          </a:bodyPr>
+          <a:lstStyle/>
+          <a:p>
+            <a:pPr algn="l">
+              <a:spcAft>
+                <a:spcPts val="300"/>
+              </a:spcAft>
+              <a:buSzPct val="100000"/>
+            </a:pPr>
+            <a:r>
+              <a:rPr lang="en-US" sz="2000" dirty="0"/>
+              <a:t>SGD updates the weights in the </a:t>
+            </a:r>
+          </a:p>
+          <a:p>
+            <a:pPr algn="l">
+              <a:spcAft>
+                <a:spcPts val="300"/>
+              </a:spcAft>
+              <a:buSzPct val="100000"/>
+            </a:pPr>
+            <a:r>
+              <a:rPr lang="en-US" sz="2000" dirty="0"/>
+              <a:t>negative gradient direction</a:t>
+            </a:r>
+          </a:p>
+        </p:txBody>
+      </p:sp>
+      <p:sp>
+        <p:nvSpPr>
+          <p:cNvPr id="12" name="TextBox 11">
+            <a:extLst>
+              <a:ext uri="{FF2B5EF4-FFF2-40B4-BE49-F238E27FC236}">
+                <a16:creationId xmlns:a16="http://schemas.microsoft.com/office/drawing/2014/main" id="{9444F9CE-9863-442B-B4CD-88F9C997DB9C}"/>
+              </a:ext>
+            </a:extLst>
+          </p:cNvPr>
+          <p:cNvSpPr txBox="1"/>
           <p:nvPr/>
-        </p:nvPicPr>
-        <p:blipFill>
-          <a:blip r:embed="rId5">
-            <a:extLst>
-              <a:ext uri="{28A0092B-C50C-407E-A947-70E740481C1C}">
-                <a14:useLocalDpi xmlns:a14="http://schemas.microsoft.com/office/drawing/2010/main" val="0"/>
-              </a:ext>
-            </a:extLst>
-          </a:blip>
-          <a:srcRect/>
-          <a:stretch>
-            <a:fillRect/>
-          </a:stretch>
-        </p:blipFill>
-        <p:spPr bwMode="auto">
+        </p:nvSpPr>
+        <p:spPr>
           <a:xfrm>
-            <a:off x="8095367" y="5538315"/>
-            <a:ext cx="742805" cy="742805"/>
+            <a:off x="1527243" y="3593825"/>
+            <a:ext cx="1488332" cy="505838"/>
           </a:xfrm>
           <a:prstGeom prst="rect">
             <a:avLst/>
           </a:prstGeom>
           <a:noFill/>
-          <a:extLst>
-            <a:ext uri="{909E8E84-426E-40DD-AFC4-6F175D3DCCD1}">
-              <a14:hiddenFill xmlns:a14="http://schemas.microsoft.com/office/drawing/2010/main">
-                <a:solidFill>
-                  <a:srgbClr val="FFFFFF"/>
-                </a:solidFill>
-              </a14:hiddenFill>
-            </a:ext>
-          </a:extLst>
-        </p:spPr>
-      </p:pic>
-      <p:pic>
-        <p:nvPicPr>
-          <p:cNvPr id="2058" name="Picture 10" descr="Résultat de recherche d'images pour &quot;dogs&quot;">
-            <a:extLst>
-              <a:ext uri="{FF2B5EF4-FFF2-40B4-BE49-F238E27FC236}">
-                <a16:creationId xmlns:a16="http://schemas.microsoft.com/office/drawing/2014/main" id="{5E43DE89-1DCB-451E-8AA9-B4134C99ACF5}"/>
-              </a:ext>
-            </a:extLst>
-          </p:cNvPr>
-          <p:cNvPicPr>
-            <a:picLocks noChangeAspect="1" noChangeArrowheads="1"/>
-          </p:cNvPicPr>
+        </p:spPr>
+        <p:txBody>
+          <a:bodyPr wrap="none" lIns="72000" tIns="72000" rIns="72000" bIns="72000" rtlCol="0">
+            <a:noAutofit/>
+          </a:bodyPr>
+          <a:lstStyle/>
+          <a:p>
+            <a:pPr algn="l">
+              <a:spcAft>
+                <a:spcPts val="300"/>
+              </a:spcAft>
+              <a:buSzPct val="100000"/>
+            </a:pPr>
+            <a:r>
+              <a:rPr lang="en-US" sz="1600" dirty="0"/>
+              <a:t>Learning rate</a:t>
+            </a:r>
+          </a:p>
+        </p:txBody>
+      </p:sp>
+      <p:sp>
+        <p:nvSpPr>
+          <p:cNvPr id="30" name="TextBox 29">
+            <a:extLst>
+              <a:ext uri="{FF2B5EF4-FFF2-40B4-BE49-F238E27FC236}">
+                <a16:creationId xmlns:a16="http://schemas.microsoft.com/office/drawing/2014/main" id="{4A5D6095-DF21-4254-B532-94FEEAD10B8E}"/>
+              </a:ext>
+            </a:extLst>
+          </p:cNvPr>
+          <p:cNvSpPr txBox="1"/>
           <p:nvPr/>
-        </p:nvPicPr>
-        <p:blipFill>
-          <a:blip r:embed="rId6">
-            <a:extLst>
-              <a:ext uri="{28A0092B-C50C-407E-A947-70E740481C1C}">
-                <a14:useLocalDpi xmlns:a14="http://schemas.microsoft.com/office/drawing/2010/main" val="0"/>
-              </a:ext>
-            </a:extLst>
-          </a:blip>
-          <a:srcRect/>
-          <a:stretch>
-            <a:fillRect/>
-          </a:stretch>
-        </p:blipFill>
-        <p:spPr bwMode="auto">
+        </p:nvSpPr>
+        <p:spPr>
           <a:xfrm>
-            <a:off x="8095367" y="3844324"/>
-            <a:ext cx="738598" cy="735315"/>
+            <a:off x="2522204" y="3958121"/>
+            <a:ext cx="1488332" cy="505838"/>
           </a:xfrm>
           <a:prstGeom prst="rect">
             <a:avLst/>
           </a:prstGeom>
           <a:noFill/>
-          <a:extLst>
-            <a:ext uri="{909E8E84-426E-40DD-AFC4-6F175D3DCCD1}">
-              <a14:hiddenFill xmlns:a14="http://schemas.microsoft.com/office/drawing/2010/main">
-                <a:solidFill>
-                  <a:srgbClr val="FFFFFF"/>
-                </a:solidFill>
-              </a14:hiddenFill>
-            </a:ext>
-          </a:extLst>
-        </p:spPr>
-      </p:pic>
-      <p:pic>
-        <p:nvPicPr>
-          <p:cNvPr id="2060" name="Picture 12" descr="Résultat de recherche d'images pour &quot;dogs&quot;">
-            <a:extLst>
-              <a:ext uri="{FF2B5EF4-FFF2-40B4-BE49-F238E27FC236}">
-                <a16:creationId xmlns:a16="http://schemas.microsoft.com/office/drawing/2014/main" id="{D5930430-0EC9-40A5-9F94-E64D45DF4024}"/>
-              </a:ext>
-            </a:extLst>
-          </p:cNvPr>
-          <p:cNvPicPr>
-            <a:picLocks noChangeAspect="1" noChangeArrowheads="1"/>
-          </p:cNvPicPr>
+        </p:spPr>
+        <p:txBody>
+          <a:bodyPr wrap="none" lIns="72000" tIns="72000" rIns="72000" bIns="72000" rtlCol="0">
+            <a:noAutofit/>
+          </a:bodyPr>
+          <a:lstStyle/>
+          <a:p>
+            <a:pPr algn="ctr">
+              <a:spcAft>
+                <a:spcPts val="300"/>
+              </a:spcAft>
+              <a:buSzPct val="100000"/>
+            </a:pPr>
+            <a:r>
+              <a:rPr lang="en-US" sz="1600" dirty="0"/>
+              <a:t>Gradient of the</a:t>
+            </a:r>
+          </a:p>
+          <a:p>
+            <a:pPr algn="ctr">
+              <a:spcAft>
+                <a:spcPts val="300"/>
+              </a:spcAft>
+              <a:buSzPct val="100000"/>
+            </a:pPr>
+            <a:r>
+              <a:rPr lang="en-US" sz="1600" dirty="0"/>
+              <a:t>Loss function</a:t>
+            </a:r>
+          </a:p>
+        </p:txBody>
+      </p:sp>
+      <p:sp>
+        <p:nvSpPr>
+          <p:cNvPr id="37" name="TextBox 36">
+            <a:extLst>
+              <a:ext uri="{FF2B5EF4-FFF2-40B4-BE49-F238E27FC236}">
+                <a16:creationId xmlns:a16="http://schemas.microsoft.com/office/drawing/2014/main" id="{D834B949-CB2E-4F07-BBDE-A10B260D7FD8}"/>
+              </a:ext>
+            </a:extLst>
+          </p:cNvPr>
+          <p:cNvSpPr txBox="1"/>
           <p:nvPr/>
-        </p:nvPicPr>
-        <p:blipFill>
-          <a:blip r:embed="rId7">
-            <a:extLst>
-              <a:ext uri="{28A0092B-C50C-407E-A947-70E740481C1C}">
-                <a14:useLocalDpi xmlns:a14="http://schemas.microsoft.com/office/drawing/2010/main" val="0"/>
-              </a:ext>
-            </a:extLst>
-          </a:blip>
-          <a:srcRect/>
-          <a:stretch>
-            <a:fillRect/>
-          </a:stretch>
-        </p:blipFill>
-        <p:spPr bwMode="auto">
+        </p:nvSpPr>
+        <p:spPr>
           <a:xfrm>
-            <a:off x="8095367" y="2968904"/>
-            <a:ext cx="738599" cy="765335"/>
+            <a:off x="3421316" y="3751854"/>
+            <a:ext cx="1488332" cy="505838"/>
           </a:xfrm>
           <a:prstGeom prst="rect">
             <a:avLst/>
           </a:prstGeom>
           <a:noFill/>
-          <a:extLst>
-            <a:ext uri="{909E8E84-426E-40DD-AFC4-6F175D3DCCD1}">
-              <a14:hiddenFill xmlns:a14="http://schemas.microsoft.com/office/drawing/2010/main">
-                <a:solidFill>
-                  <a:srgbClr val="FFFFFF"/>
-                </a:solidFill>
-              </a14:hiddenFill>
-            </a:ext>
-          </a:extLst>
-        </p:spPr>
-      </p:pic>
+        </p:spPr>
+        <p:txBody>
+          <a:bodyPr wrap="none" lIns="72000" tIns="72000" rIns="72000" bIns="72000" rtlCol="0">
+            <a:noAutofit/>
+          </a:bodyPr>
+          <a:lstStyle/>
+          <a:p>
+            <a:pPr algn="ctr">
+              <a:spcAft>
+                <a:spcPts val="300"/>
+              </a:spcAft>
+              <a:buSzPct val="100000"/>
+            </a:pPr>
+            <a:r>
+              <a:rPr lang="en-US" sz="1600" dirty="0"/>
+              <a:t>Predictions</a:t>
+            </a:r>
+          </a:p>
+        </p:txBody>
+      </p:sp>
+      <p:sp>
+        <p:nvSpPr>
+          <p:cNvPr id="38" name="TextBox 37">
+            <a:extLst>
+              <a:ext uri="{FF2B5EF4-FFF2-40B4-BE49-F238E27FC236}">
+                <a16:creationId xmlns:a16="http://schemas.microsoft.com/office/drawing/2014/main" id="{3B230C07-1796-4A9A-84F9-F14295E75812}"/>
+              </a:ext>
+            </a:extLst>
+          </p:cNvPr>
+          <p:cNvSpPr txBox="1"/>
+          <p:nvPr/>
+        </p:nvSpPr>
+        <p:spPr>
+          <a:xfrm>
+            <a:off x="4133443" y="3573235"/>
+            <a:ext cx="1488332" cy="505838"/>
+          </a:xfrm>
+          <a:prstGeom prst="rect">
+            <a:avLst/>
+          </a:prstGeom>
+          <a:noFill/>
+        </p:spPr>
+        <p:txBody>
+          <a:bodyPr wrap="none" lIns="72000" tIns="72000" rIns="72000" bIns="72000" rtlCol="0">
+            <a:noAutofit/>
+          </a:bodyPr>
+          <a:lstStyle/>
+          <a:p>
+            <a:pPr algn="ctr">
+              <a:spcAft>
+                <a:spcPts val="300"/>
+              </a:spcAft>
+              <a:buSzPct val="100000"/>
+            </a:pPr>
+            <a:r>
+              <a:rPr lang="en-US" sz="1600" dirty="0"/>
+              <a:t>Labels</a:t>
+            </a:r>
+          </a:p>
+        </p:txBody>
+      </p:sp>
       <p:cxnSp>
         <p:nvCxnSpPr>
-          <p:cNvPr id="5" name="Straight Arrow Connector 4">
-            <a:extLst>
-              <a:ext uri="{FF2B5EF4-FFF2-40B4-BE49-F238E27FC236}">
-                <a16:creationId xmlns:a16="http://schemas.microsoft.com/office/drawing/2014/main" id="{559F7063-7CC9-43EB-8143-E3E589D7B4D8}"/>
+          <p:cNvPr id="14" name="Straight Arrow Connector 13">
+            <a:extLst>
+              <a:ext uri="{FF2B5EF4-FFF2-40B4-BE49-F238E27FC236}">
+                <a16:creationId xmlns:a16="http://schemas.microsoft.com/office/drawing/2014/main" id="{78210A86-14B9-4F0C-9D82-6F3D60DCD83C}"/>
               </a:ext>
             </a:extLst>
           </p:cNvPr>
           <p:cNvCxnSpPr>
-            <a:cxnSpLocks/>
+            <a:stCxn id="12" idx="0"/>
           </p:cNvCxnSpPr>
           <p:nvPr/>
         </p:nvCxnSpPr>
         <p:spPr>
-          <a:xfrm>
-            <a:off x="8095367" y="1987922"/>
-            <a:ext cx="738598" cy="0"/>
+          <a:xfrm flipV="1">
+            <a:off x="2271409" y="3350881"/>
+            <a:ext cx="501591" cy="242944"/>
           </a:xfrm>
           <a:prstGeom prst="straightConnector1">
             <a:avLst/>
           </a:prstGeom>
-          <a:ln w="19050">
-            <a:solidFill>
-              <a:schemeClr val="tx1"/>
-            </a:solidFill>
-            <a:headEnd type="triangle"/>
+          <a:ln>
             <a:tailEnd type="triangle"/>
           </a:ln>
         </p:spPr>
         <p:style>
           <a:lnRef idx="1">
-            <a:schemeClr val="accent1"/>
+            <a:schemeClr val="dk1"/>
           </a:lnRef>
           <a:fillRef idx="0">
-            <a:schemeClr val="accent1"/>
+            <a:schemeClr val="dk1"/>
           </a:fillRef>
           <a:effectRef idx="0">
-            <a:schemeClr val="accent1"/>
+            <a:schemeClr val="dk1"/>
           </a:effectRef>
           <a:fontRef idx="minor">
             <a:schemeClr val="tx1"/>
@@ -7741,10 +8420,94 @@
       </p:cxnSp>
       <p:cxnSp>
         <p:nvCxnSpPr>
-          <p:cNvPr id="66" name="Straight Arrow Connector 65">
-            <a:extLst>
-              <a:ext uri="{FF2B5EF4-FFF2-40B4-BE49-F238E27FC236}">
-                <a16:creationId xmlns:a16="http://schemas.microsoft.com/office/drawing/2014/main" id="{F584DF6C-7A69-402D-9255-43512046260F}"/>
+          <p:cNvPr id="39" name="Straight Arrow Connector 38">
+            <a:extLst>
+              <a:ext uri="{FF2B5EF4-FFF2-40B4-BE49-F238E27FC236}">
+                <a16:creationId xmlns:a16="http://schemas.microsoft.com/office/drawing/2014/main" id="{A2668BF0-08FD-4EA9-AF71-6DE536DFF6BC}"/>
+              </a:ext>
+            </a:extLst>
+          </p:cNvPr>
+          <p:cNvCxnSpPr>
+            <a:cxnSpLocks/>
+            <a:stCxn id="30" idx="0"/>
+          </p:cNvCxnSpPr>
+          <p:nvPr/>
+        </p:nvCxnSpPr>
+        <p:spPr>
+          <a:xfrm flipV="1">
+            <a:off x="3266370" y="3433861"/>
+            <a:ext cx="0" cy="524260"/>
+          </a:xfrm>
+          <a:prstGeom prst="straightConnector1">
+            <a:avLst/>
+          </a:prstGeom>
+          <a:ln>
+            <a:tailEnd type="triangle"/>
+          </a:ln>
+        </p:spPr>
+        <p:style>
+          <a:lnRef idx="1">
+            <a:schemeClr val="dk1"/>
+          </a:lnRef>
+          <a:fillRef idx="0">
+            <a:schemeClr val="dk1"/>
+          </a:fillRef>
+          <a:effectRef idx="0">
+            <a:schemeClr val="dk1"/>
+          </a:effectRef>
+          <a:fontRef idx="minor">
+            <a:schemeClr val="tx1"/>
+          </a:fontRef>
+        </p:style>
+      </p:cxnSp>
+      <p:cxnSp>
+        <p:nvCxnSpPr>
+          <p:cNvPr id="40" name="Straight Arrow Connector 39">
+            <a:extLst>
+              <a:ext uri="{FF2B5EF4-FFF2-40B4-BE49-F238E27FC236}">
+                <a16:creationId xmlns:a16="http://schemas.microsoft.com/office/drawing/2014/main" id="{83A1F217-E1A0-4172-991B-A3F57074F873}"/>
+              </a:ext>
+            </a:extLst>
+          </p:cNvPr>
+          <p:cNvCxnSpPr>
+            <a:cxnSpLocks/>
+            <a:stCxn id="37" idx="0"/>
+          </p:cNvCxnSpPr>
+          <p:nvPr/>
+        </p:nvCxnSpPr>
+        <p:spPr>
+          <a:xfrm flipV="1">
+            <a:off x="4165482" y="3459571"/>
+            <a:ext cx="0" cy="292283"/>
+          </a:xfrm>
+          <a:prstGeom prst="straightConnector1">
+            <a:avLst/>
+          </a:prstGeom>
+          <a:ln>
+            <a:tailEnd type="triangle"/>
+          </a:ln>
+        </p:spPr>
+        <p:style>
+          <a:lnRef idx="1">
+            <a:schemeClr val="dk1"/>
+          </a:lnRef>
+          <a:fillRef idx="0">
+            <a:schemeClr val="dk1"/>
+          </a:fillRef>
+          <a:effectRef idx="0">
+            <a:schemeClr val="dk1"/>
+          </a:effectRef>
+          <a:fontRef idx="minor">
+            <a:schemeClr val="tx1"/>
+          </a:fontRef>
+        </p:style>
+      </p:cxnSp>
+      <p:cxnSp>
+        <p:nvCxnSpPr>
+          <p:cNvPr id="41" name="Straight Arrow Connector 40">
+            <a:extLst>
+              <a:ext uri="{FF2B5EF4-FFF2-40B4-BE49-F238E27FC236}">
+                <a16:creationId xmlns:a16="http://schemas.microsoft.com/office/drawing/2014/main" id="{FA8FF257-F740-4BA2-A959-3FAE43B9556D}"/>
               </a:ext>
             </a:extLst>
           </p:cNvPr>
@@ -7754,30 +8517,26 @@
           <p:nvPr/>
         </p:nvCxnSpPr>
         <p:spPr>
-          <a:xfrm flipV="1">
-            <a:off x="8990678" y="2116016"/>
-            <a:ext cx="0" cy="742803"/>
+          <a:xfrm flipH="1" flipV="1">
+            <a:off x="4523117" y="3459571"/>
+            <a:ext cx="207035" cy="175157"/>
           </a:xfrm>
           <a:prstGeom prst="straightConnector1">
             <a:avLst/>
           </a:prstGeom>
-          <a:ln w="19050">
-            <a:solidFill>
-              <a:schemeClr val="tx1"/>
-            </a:solidFill>
-            <a:headEnd type="triangle"/>
+          <a:ln>
             <a:tailEnd type="triangle"/>
           </a:ln>
         </p:spPr>
         <p:style>
           <a:lnRef idx="1">
-            <a:schemeClr val="accent1"/>
+            <a:schemeClr val="dk1"/>
           </a:lnRef>
           <a:fillRef idx="0">
-            <a:schemeClr val="accent1"/>
+            <a:schemeClr val="dk1"/>
           </a:fillRef>
           <a:effectRef idx="0">
-            <a:schemeClr val="accent1"/>
+            <a:schemeClr val="dk1"/>
           </a:effectRef>
           <a:fontRef idx="minor">
             <a:schemeClr val="tx1"/>
@@ -7786,10 +8545,10 @@
       </p:cxnSp>
       <p:sp>
         <p:nvSpPr>
-          <p:cNvPr id="9" name="TextBox 8">
-            <a:extLst>
-              <a:ext uri="{FF2B5EF4-FFF2-40B4-BE49-F238E27FC236}">
-                <a16:creationId xmlns:a16="http://schemas.microsoft.com/office/drawing/2014/main" id="{CDCDF69F-D729-4B35-9B54-A3B8764746C0}"/>
+          <p:cNvPr id="43" name="TextBox 42">
+            <a:extLst>
+              <a:ext uri="{FF2B5EF4-FFF2-40B4-BE49-F238E27FC236}">
+                <a16:creationId xmlns:a16="http://schemas.microsoft.com/office/drawing/2014/main" id="{B01BB230-9F1B-47F3-8B6A-8448252A2000}"/>
               </a:ext>
             </a:extLst>
           </p:cNvPr>
@@ -7798,8 +8557,8 @@
         </p:nvSpPr>
         <p:spPr>
           <a:xfrm>
-            <a:off x="8189439" y="1603773"/>
-            <a:ext cx="738588" cy="512239"/>
+            <a:off x="833718" y="4827913"/>
+            <a:ext cx="9144000" cy="729702"/>
           </a:xfrm>
           <a:prstGeom prst="rect">
             <a:avLst/>
@@ -7820,644 +8579,57 @@
             </a:pPr>
             <a:r>
               <a:rPr lang="en-US" sz="2000" dirty="0"/>
-              <a:t>255</a:t>
-            </a:r>
-          </a:p>
-        </p:txBody>
-      </p:sp>
-      <p:sp>
-        <p:nvSpPr>
-          <p:cNvPr id="67" name="TextBox 66">
-            <a:extLst>
-              <a:ext uri="{FF2B5EF4-FFF2-40B4-BE49-F238E27FC236}">
-                <a16:creationId xmlns:a16="http://schemas.microsoft.com/office/drawing/2014/main" id="{BC089811-E87B-446B-A55A-A39D883A4D6B}"/>
-              </a:ext>
-            </a:extLst>
-          </p:cNvPr>
-          <p:cNvSpPr txBox="1"/>
-          <p:nvPr/>
-        </p:nvSpPr>
-        <p:spPr>
-          <a:xfrm>
-            <a:off x="8958326" y="2275978"/>
-            <a:ext cx="738588" cy="512239"/>
-          </a:xfrm>
-          <a:prstGeom prst="rect">
-            <a:avLst/>
-          </a:prstGeom>
-          <a:noFill/>
-        </p:spPr>
-        <p:txBody>
-          <a:bodyPr vert="vert270" wrap="none" lIns="72000" tIns="72000" rIns="72000" bIns="72000" rtlCol="0">
-            <a:noAutofit/>
-          </a:bodyPr>
-          <a:lstStyle/>
-          <a:p>
-            <a:pPr algn="l">
+              <a:t>The most used variant is </a:t>
+            </a:r>
+            <a:r>
+              <a:rPr lang="en-US" sz="2000" b="1" dirty="0"/>
+              <a:t>Adam</a:t>
+            </a:r>
+            <a:r>
+              <a:rPr lang="en-US" sz="2000" dirty="0"/>
+              <a:t>:</a:t>
+            </a:r>
+          </a:p>
+          <a:p>
+            <a:pPr marL="342900" indent="-342900" algn="l">
               <a:spcAft>
                 <a:spcPts val="300"/>
               </a:spcAft>
               <a:buSzPct val="100000"/>
+              <a:buFontTx/>
+              <a:buChar char="-"/>
             </a:pPr>
             <a:r>
               <a:rPr lang="en-US" sz="2000" dirty="0"/>
-              <a:t>255</a:t>
-            </a:r>
-          </a:p>
-        </p:txBody>
-      </p:sp>
-      <p:pic>
-        <p:nvPicPr>
-          <p:cNvPr id="68" name="Picture 4" descr="Résultat de recherche d'images pour &quot;cat&quot;">
-            <a:extLst>
-              <a:ext uri="{FF2B5EF4-FFF2-40B4-BE49-F238E27FC236}">
-                <a16:creationId xmlns:a16="http://schemas.microsoft.com/office/drawing/2014/main" id="{037C6D5D-7BA2-4751-B441-815EDABBF215}"/>
-              </a:ext>
-            </a:extLst>
-          </p:cNvPr>
-          <p:cNvPicPr>
-            <a:picLocks noChangeAspect="1" noChangeArrowheads="1"/>
-          </p:cNvPicPr>
-          <p:nvPr/>
-        </p:nvPicPr>
-        <p:blipFill>
-          <a:blip r:embed="rId3">
-            <a:extLst>
-              <a:ext uri="{28A0092B-C50C-407E-A947-70E740481C1C}">
-                <a14:useLocalDpi xmlns:a14="http://schemas.microsoft.com/office/drawing/2010/main" val="0"/>
-              </a:ext>
-            </a:extLst>
-          </a:blip>
-          <a:srcRect/>
-          <a:stretch>
-            <a:fillRect/>
-          </a:stretch>
-        </p:blipFill>
-        <p:spPr bwMode="auto">
-          <a:xfrm>
-            <a:off x="10637284" y="3426880"/>
-            <a:ext cx="742804" cy="742804"/>
-          </a:xfrm>
-          <a:prstGeom prst="rect">
-            <a:avLst/>
-          </a:prstGeom>
-          <a:noFill/>
-          <a:extLst>
-            <a:ext uri="{909E8E84-426E-40DD-AFC4-6F175D3DCCD1}">
-              <a14:hiddenFill xmlns:a14="http://schemas.microsoft.com/office/drawing/2010/main">
-                <a:solidFill>
-                  <a:srgbClr val="FFFFFF"/>
-                </a:solidFill>
-              </a14:hiddenFill>
-            </a:ext>
-          </a:extLst>
-        </p:spPr>
-      </p:pic>
-      <p:pic>
-        <p:nvPicPr>
-          <p:cNvPr id="70" name="Picture 12" descr="Résultat de recherche d'images pour &quot;dogs&quot;">
-            <a:extLst>
-              <a:ext uri="{FF2B5EF4-FFF2-40B4-BE49-F238E27FC236}">
-                <a16:creationId xmlns:a16="http://schemas.microsoft.com/office/drawing/2014/main" id="{D7445011-6B8F-4CAE-9FB8-8378DED7E9FE}"/>
-              </a:ext>
-            </a:extLst>
-          </p:cNvPr>
-          <p:cNvPicPr>
-            <a:picLocks noChangeAspect="1" noChangeArrowheads="1"/>
-          </p:cNvPicPr>
-          <p:nvPr/>
-        </p:nvPicPr>
-        <p:blipFill>
-          <a:blip r:embed="rId7">
-            <a:extLst>
-              <a:ext uri="{28A0092B-C50C-407E-A947-70E740481C1C}">
-                <a14:useLocalDpi xmlns:a14="http://schemas.microsoft.com/office/drawing/2010/main" val="0"/>
-              </a:ext>
-            </a:extLst>
-          </a:blip>
-          <a:srcRect/>
-          <a:stretch>
-            <a:fillRect/>
-          </a:stretch>
-        </p:blipFill>
-        <p:spPr bwMode="auto">
-          <a:xfrm>
-            <a:off x="10563960" y="3491835"/>
-            <a:ext cx="738599" cy="765335"/>
-          </a:xfrm>
-          <a:prstGeom prst="rect">
-            <a:avLst/>
-          </a:prstGeom>
-          <a:noFill/>
-          <a:extLst>
-            <a:ext uri="{909E8E84-426E-40DD-AFC4-6F175D3DCCD1}">
-              <a14:hiddenFill xmlns:a14="http://schemas.microsoft.com/office/drawing/2010/main">
-                <a:solidFill>
-                  <a:srgbClr val="FFFFFF"/>
-                </a:solidFill>
-              </a14:hiddenFill>
-            </a:ext>
-          </a:extLst>
-        </p:spPr>
-      </p:pic>
-      <p:pic>
-        <p:nvPicPr>
-          <p:cNvPr id="72" name="Picture 10" descr="Résultat de recherche d'images pour &quot;dogs&quot;">
-            <a:extLst>
-              <a:ext uri="{FF2B5EF4-FFF2-40B4-BE49-F238E27FC236}">
-                <a16:creationId xmlns:a16="http://schemas.microsoft.com/office/drawing/2014/main" id="{A30C6C71-064B-4471-9643-CE407EA87853}"/>
-              </a:ext>
-            </a:extLst>
-          </p:cNvPr>
-          <p:cNvPicPr>
-            <a:picLocks noChangeAspect="1" noChangeArrowheads="1"/>
-          </p:cNvPicPr>
-          <p:nvPr/>
-        </p:nvPicPr>
-        <p:blipFill>
-          <a:blip r:embed="rId6">
-            <a:extLst>
-              <a:ext uri="{28A0092B-C50C-407E-A947-70E740481C1C}">
-                <a14:useLocalDpi xmlns:a14="http://schemas.microsoft.com/office/drawing/2010/main" val="0"/>
-              </a:ext>
-            </a:extLst>
-          </a:blip>
-          <a:srcRect/>
-          <a:stretch>
-            <a:fillRect/>
-          </a:stretch>
-        </p:blipFill>
-        <p:spPr bwMode="auto">
-          <a:xfrm>
-            <a:off x="10486431" y="3577228"/>
-            <a:ext cx="738598" cy="735315"/>
-          </a:xfrm>
-          <a:prstGeom prst="rect">
-            <a:avLst/>
-          </a:prstGeom>
-          <a:noFill/>
-          <a:extLst>
-            <a:ext uri="{909E8E84-426E-40DD-AFC4-6F175D3DCCD1}">
-              <a14:hiddenFill xmlns:a14="http://schemas.microsoft.com/office/drawing/2010/main">
-                <a:solidFill>
-                  <a:srgbClr val="FFFFFF"/>
-                </a:solidFill>
-              </a14:hiddenFill>
-            </a:ext>
-          </a:extLst>
-        </p:spPr>
-      </p:pic>
-      <p:pic>
-        <p:nvPicPr>
-          <p:cNvPr id="74" name="Picture 6" descr="Résultat de recherche d'images pour &quot;cat&quot;">
-            <a:extLst>
-              <a:ext uri="{FF2B5EF4-FFF2-40B4-BE49-F238E27FC236}">
-                <a16:creationId xmlns:a16="http://schemas.microsoft.com/office/drawing/2014/main" id="{882AB0B2-A4B6-404E-A6A3-56BD0ED83A0E}"/>
-              </a:ext>
-            </a:extLst>
-          </p:cNvPr>
-          <p:cNvPicPr>
-            <a:picLocks noChangeAspect="1" noChangeArrowheads="1"/>
-          </p:cNvPicPr>
-          <p:nvPr/>
-        </p:nvPicPr>
-        <p:blipFill>
-          <a:blip r:embed="rId4">
-            <a:extLst>
-              <a:ext uri="{28A0092B-C50C-407E-A947-70E740481C1C}">
-                <a14:useLocalDpi xmlns:a14="http://schemas.microsoft.com/office/drawing/2010/main" val="0"/>
-              </a:ext>
-            </a:extLst>
-          </a:blip>
-          <a:srcRect/>
-          <a:stretch>
-            <a:fillRect/>
-          </a:stretch>
-        </p:blipFill>
-        <p:spPr bwMode="auto">
-          <a:xfrm>
-            <a:off x="10402421" y="3654379"/>
-            <a:ext cx="742805" cy="742805"/>
-          </a:xfrm>
-          <a:prstGeom prst="rect">
-            <a:avLst/>
-          </a:prstGeom>
-          <a:noFill/>
-          <a:extLst>
-            <a:ext uri="{909E8E84-426E-40DD-AFC4-6F175D3DCCD1}">
-              <a14:hiddenFill xmlns:a14="http://schemas.microsoft.com/office/drawing/2010/main">
-                <a:solidFill>
-                  <a:srgbClr val="FFFFFF"/>
-                </a:solidFill>
-              </a14:hiddenFill>
-            </a:ext>
-          </a:extLst>
-        </p:spPr>
-      </p:pic>
-      <p:pic>
-        <p:nvPicPr>
-          <p:cNvPr id="75" name="Picture 8" descr="Résultat de recherche d'images pour &quot;dogs&quot;">
-            <a:extLst>
-              <a:ext uri="{FF2B5EF4-FFF2-40B4-BE49-F238E27FC236}">
-                <a16:creationId xmlns:a16="http://schemas.microsoft.com/office/drawing/2014/main" id="{4DF4E5F3-1468-44A6-95ED-DF8FAFA69336}"/>
-              </a:ext>
-            </a:extLst>
-          </p:cNvPr>
-          <p:cNvPicPr>
-            <a:picLocks noChangeAspect="1" noChangeArrowheads="1"/>
-          </p:cNvPicPr>
-          <p:nvPr/>
-        </p:nvPicPr>
-        <p:blipFill>
-          <a:blip r:embed="rId5">
-            <a:extLst>
-              <a:ext uri="{28A0092B-C50C-407E-A947-70E740481C1C}">
-                <a14:useLocalDpi xmlns:a14="http://schemas.microsoft.com/office/drawing/2010/main" val="0"/>
-              </a:ext>
-            </a:extLst>
-          </a:blip>
-          <a:srcRect/>
-          <a:stretch>
-            <a:fillRect/>
-          </a:stretch>
-        </p:blipFill>
-        <p:spPr bwMode="auto">
-          <a:xfrm>
-            <a:off x="10322618" y="3734239"/>
-            <a:ext cx="742805" cy="742805"/>
-          </a:xfrm>
-          <a:prstGeom prst="rect">
-            <a:avLst/>
-          </a:prstGeom>
-          <a:noFill/>
-          <a:extLst>
-            <a:ext uri="{909E8E84-426E-40DD-AFC4-6F175D3DCCD1}">
-              <a14:hiddenFill xmlns:a14="http://schemas.microsoft.com/office/drawing/2010/main">
-                <a:solidFill>
-                  <a:srgbClr val="FFFFFF"/>
-                </a:solidFill>
-              </a14:hiddenFill>
-            </a:ext>
-          </a:extLst>
-        </p:spPr>
-      </p:pic>
-      <p:cxnSp>
-        <p:nvCxnSpPr>
-          <p:cNvPr id="76" name="Straight Arrow Connector 75">
-            <a:extLst>
-              <a:ext uri="{FF2B5EF4-FFF2-40B4-BE49-F238E27FC236}">
-                <a16:creationId xmlns:a16="http://schemas.microsoft.com/office/drawing/2014/main" id="{EDCC5055-BB09-4FC9-A1B1-5B6A56DFAF8F}"/>
-              </a:ext>
-            </a:extLst>
-          </p:cNvPr>
-          <p:cNvCxnSpPr>
-            <a:cxnSpLocks/>
-          </p:cNvCxnSpPr>
-          <p:nvPr/>
-        </p:nvCxnSpPr>
-        <p:spPr>
-          <a:xfrm>
-            <a:off x="10641490" y="3301462"/>
-            <a:ext cx="738598" cy="0"/>
-          </a:xfrm>
-          <a:prstGeom prst="straightConnector1">
-            <a:avLst/>
-          </a:prstGeom>
-          <a:ln w="19050">
-            <a:solidFill>
-              <a:schemeClr val="tx1"/>
-            </a:solidFill>
-            <a:headEnd type="triangle"/>
-            <a:tailEnd type="triangle"/>
-          </a:ln>
-        </p:spPr>
-        <p:style>
-          <a:lnRef idx="1">
-            <a:schemeClr val="accent1"/>
-          </a:lnRef>
-          <a:fillRef idx="0">
-            <a:schemeClr val="accent1"/>
-          </a:fillRef>
-          <a:effectRef idx="0">
-            <a:schemeClr val="accent1"/>
-          </a:effectRef>
-          <a:fontRef idx="minor">
-            <a:schemeClr val="tx1"/>
-          </a:fontRef>
-        </p:style>
-      </p:cxnSp>
-      <p:cxnSp>
-        <p:nvCxnSpPr>
-          <p:cNvPr id="77" name="Straight Arrow Connector 76">
-            <a:extLst>
-              <a:ext uri="{FF2B5EF4-FFF2-40B4-BE49-F238E27FC236}">
-                <a16:creationId xmlns:a16="http://schemas.microsoft.com/office/drawing/2014/main" id="{97341A26-B248-413C-B6C7-FD08102FDFA6}"/>
-              </a:ext>
-            </a:extLst>
-          </p:cNvPr>
-          <p:cNvCxnSpPr>
-            <a:cxnSpLocks/>
-          </p:cNvCxnSpPr>
-          <p:nvPr/>
-        </p:nvCxnSpPr>
-        <p:spPr>
-          <a:xfrm flipV="1">
-            <a:off x="11500256" y="3426880"/>
-            <a:ext cx="0" cy="742803"/>
-          </a:xfrm>
-          <a:prstGeom prst="straightConnector1">
-            <a:avLst/>
-          </a:prstGeom>
-          <a:ln w="19050">
-            <a:solidFill>
-              <a:schemeClr val="tx1"/>
-            </a:solidFill>
-            <a:headEnd type="triangle"/>
-            <a:tailEnd type="triangle"/>
-          </a:ln>
-        </p:spPr>
-        <p:style>
-          <a:lnRef idx="1">
-            <a:schemeClr val="accent1"/>
-          </a:lnRef>
-          <a:fillRef idx="0">
-            <a:schemeClr val="accent1"/>
-          </a:fillRef>
-          <a:effectRef idx="0">
-            <a:schemeClr val="accent1"/>
-          </a:effectRef>
-          <a:fontRef idx="minor">
-            <a:schemeClr val="tx1"/>
-          </a:fontRef>
-        </p:style>
-      </p:cxnSp>
-      <p:sp>
-        <p:nvSpPr>
-          <p:cNvPr id="78" name="TextBox 77">
-            <a:extLst>
-              <a:ext uri="{FF2B5EF4-FFF2-40B4-BE49-F238E27FC236}">
-                <a16:creationId xmlns:a16="http://schemas.microsoft.com/office/drawing/2014/main" id="{CA89D059-AC3C-4DFB-8827-7B1D9A924E9F}"/>
-              </a:ext>
-            </a:extLst>
-          </p:cNvPr>
-          <p:cNvSpPr txBox="1"/>
-          <p:nvPr/>
-        </p:nvSpPr>
-        <p:spPr>
-          <a:xfrm>
-            <a:off x="10712988" y="2914641"/>
-            <a:ext cx="738588" cy="512239"/>
-          </a:xfrm>
-          <a:prstGeom prst="rect">
-            <a:avLst/>
-          </a:prstGeom>
-          <a:noFill/>
-        </p:spPr>
-        <p:txBody>
-          <a:bodyPr wrap="none" lIns="72000" tIns="72000" rIns="72000" bIns="72000" rtlCol="0">
-            <a:noAutofit/>
-          </a:bodyPr>
-          <a:lstStyle/>
-          <a:p>
-            <a:pPr algn="l">
+              <a:t>Individual adaptive learning rate for each parameters</a:t>
+            </a:r>
+          </a:p>
+          <a:p>
+            <a:pPr marL="342900" indent="-342900" algn="l">
               <a:spcAft>
                 <a:spcPts val="300"/>
               </a:spcAft>
               <a:buSzPct val="100000"/>
+              <a:buFontTx/>
+              <a:buChar char="-"/>
             </a:pPr>
             <a:r>
               <a:rPr lang="en-US" sz="2000" dirty="0"/>
-              <a:t>255</a:t>
-            </a:r>
-          </a:p>
-        </p:txBody>
-      </p:sp>
-      <p:sp>
-        <p:nvSpPr>
-          <p:cNvPr id="79" name="TextBox 78">
-            <a:extLst>
-              <a:ext uri="{FF2B5EF4-FFF2-40B4-BE49-F238E27FC236}">
-                <a16:creationId xmlns:a16="http://schemas.microsoft.com/office/drawing/2014/main" id="{AAEA1146-B5B2-42DB-A919-9C828B572C49}"/>
-              </a:ext>
-            </a:extLst>
-          </p:cNvPr>
-          <p:cNvSpPr txBox="1"/>
-          <p:nvPr/>
-        </p:nvSpPr>
-        <p:spPr>
-          <a:xfrm>
-            <a:off x="11453412" y="3563344"/>
-            <a:ext cx="738588" cy="512239"/>
-          </a:xfrm>
-          <a:prstGeom prst="rect">
-            <a:avLst/>
-          </a:prstGeom>
-          <a:noFill/>
-        </p:spPr>
-        <p:txBody>
-          <a:bodyPr vert="vert270" wrap="none" lIns="72000" tIns="72000" rIns="72000" bIns="72000" rtlCol="0">
-            <a:noAutofit/>
-          </a:bodyPr>
-          <a:lstStyle/>
-          <a:p>
-            <a:pPr algn="l">
+              <a:t>Exponential moving average of gradients</a:t>
+            </a:r>
+          </a:p>
+          <a:p>
+            <a:pPr marL="342900" indent="-342900" algn="l">
               <a:spcAft>
                 <a:spcPts val="300"/>
               </a:spcAft>
               <a:buSzPct val="100000"/>
+              <a:buFontTx/>
+              <a:buChar char="-"/>
             </a:pPr>
             <a:r>
               <a:rPr lang="en-US" sz="2000" dirty="0"/>
-              <a:t>255</a:t>
-            </a:r>
-          </a:p>
-        </p:txBody>
-      </p:sp>
-      <p:sp>
-        <p:nvSpPr>
-          <p:cNvPr id="80" name="TextBox 79">
-            <a:extLst>
-              <a:ext uri="{FF2B5EF4-FFF2-40B4-BE49-F238E27FC236}">
-                <a16:creationId xmlns:a16="http://schemas.microsoft.com/office/drawing/2014/main" id="{7E90D3BD-7F1B-40E8-AC75-454EECBAD08D}"/>
-              </a:ext>
-            </a:extLst>
-          </p:cNvPr>
-          <p:cNvSpPr txBox="1"/>
-          <p:nvPr/>
-        </p:nvSpPr>
-        <p:spPr>
-          <a:xfrm rot="2779646">
-            <a:off x="11185958" y="4338642"/>
-            <a:ext cx="738588" cy="512239"/>
-          </a:xfrm>
-          <a:prstGeom prst="rect">
-            <a:avLst/>
-          </a:prstGeom>
-          <a:noFill/>
-        </p:spPr>
-        <p:txBody>
-          <a:bodyPr vert="vert270" wrap="none" lIns="72000" tIns="72000" rIns="72000" bIns="72000" rtlCol="0">
-            <a:noAutofit/>
-          </a:bodyPr>
-          <a:lstStyle/>
-          <a:p>
-            <a:pPr algn="l">
-              <a:spcAft>
-                <a:spcPts val="300"/>
-              </a:spcAft>
-              <a:buSzPct val="100000"/>
-            </a:pPr>
-            <a:r>
-              <a:rPr lang="en-US" sz="2000" dirty="0"/>
-              <a:t>5</a:t>
-            </a:r>
-          </a:p>
-        </p:txBody>
-      </p:sp>
-      <p:cxnSp>
-        <p:nvCxnSpPr>
-          <p:cNvPr id="81" name="Straight Arrow Connector 80">
-            <a:extLst>
-              <a:ext uri="{FF2B5EF4-FFF2-40B4-BE49-F238E27FC236}">
-                <a16:creationId xmlns:a16="http://schemas.microsoft.com/office/drawing/2014/main" id="{F0EA1F2A-BE4E-40BC-A1C5-B7C65DA73E68}"/>
-              </a:ext>
-            </a:extLst>
-          </p:cNvPr>
-          <p:cNvCxnSpPr>
-            <a:cxnSpLocks/>
-          </p:cNvCxnSpPr>
-          <p:nvPr/>
-        </p:nvCxnSpPr>
-        <p:spPr>
-          <a:xfrm flipV="1">
-            <a:off x="11017847" y="4255077"/>
-            <a:ext cx="422778" cy="371401"/>
-          </a:xfrm>
-          <a:prstGeom prst="straightConnector1">
-            <a:avLst/>
-          </a:prstGeom>
-          <a:ln w="19050">
-            <a:solidFill>
-              <a:schemeClr val="tx1"/>
-            </a:solidFill>
-            <a:headEnd type="triangle"/>
-            <a:tailEnd type="triangle"/>
-          </a:ln>
-        </p:spPr>
-        <p:style>
-          <a:lnRef idx="1">
-            <a:schemeClr val="accent1"/>
-          </a:lnRef>
-          <a:fillRef idx="0">
-            <a:schemeClr val="accent1"/>
-          </a:fillRef>
-          <a:effectRef idx="0">
-            <a:schemeClr val="accent1"/>
-          </a:effectRef>
-          <a:fontRef idx="minor">
-            <a:schemeClr val="tx1"/>
-          </a:fontRef>
-        </p:style>
-      </p:cxnSp>
-      <p:sp>
-        <p:nvSpPr>
-          <p:cNvPr id="17" name="Arrow: Right 16">
-            <a:extLst>
-              <a:ext uri="{FF2B5EF4-FFF2-40B4-BE49-F238E27FC236}">
-                <a16:creationId xmlns:a16="http://schemas.microsoft.com/office/drawing/2014/main" id="{FF6939B4-24FA-444D-8E75-8C0F12F79A19}"/>
-              </a:ext>
-            </a:extLst>
-          </p:cNvPr>
-          <p:cNvSpPr/>
-          <p:nvPr/>
-        </p:nvSpPr>
-        <p:spPr>
-          <a:xfrm>
-            <a:off x="9298948" y="3764464"/>
-            <a:ext cx="642127" cy="632720"/>
-          </a:xfrm>
-          <a:prstGeom prst="rightArrow">
-            <a:avLst/>
-          </a:prstGeom>
-          <a:noFill/>
-          <a:ln w="19050">
-            <a:solidFill>
-              <a:schemeClr val="tx1"/>
-            </a:solidFill>
-          </a:ln>
-        </p:spPr>
-        <p:style>
-          <a:lnRef idx="2">
-            <a:schemeClr val="accent1">
-              <a:shade val="50000"/>
-            </a:schemeClr>
-          </a:lnRef>
-          <a:fillRef idx="1">
-            <a:schemeClr val="accent1"/>
-          </a:fillRef>
-          <a:effectRef idx="0">
-            <a:schemeClr val="accent1"/>
-          </a:effectRef>
-          <a:fontRef idx="minor">
-            <a:schemeClr val="lt1"/>
-          </a:fontRef>
-        </p:style>
-        <p:txBody>
-          <a:bodyPr rot="0" spcFirstLastPara="0" vertOverflow="overflow" horzOverflow="overflow" vert="horz" wrap="square" lIns="72000" tIns="72000" rIns="72000" bIns="72000" numCol="1" spcCol="0" rtlCol="0" fromWordArt="0" anchor="t" anchorCtr="0" forceAA="0" compatLnSpc="1">
-            <a:prstTxWarp prst="textNoShape">
-              <a:avLst/>
-            </a:prstTxWarp>
-            <a:noAutofit/>
-          </a:bodyPr>
-          <a:lstStyle/>
-          <a:p>
-            <a:pPr algn="l">
-              <a:spcAft>
-                <a:spcPts val="300"/>
-              </a:spcAft>
-              <a:buSzPct val="100000"/>
-            </a:pPr>
-            <a:endParaRPr lang="en-US" sz="1200" dirty="0"/>
-          </a:p>
-        </p:txBody>
-      </p:sp>
-      <p:sp>
-        <p:nvSpPr>
-          <p:cNvPr id="83" name="TextBox 82">
-            <a:extLst>
-              <a:ext uri="{FF2B5EF4-FFF2-40B4-BE49-F238E27FC236}">
-                <a16:creationId xmlns:a16="http://schemas.microsoft.com/office/drawing/2014/main" id="{08C6FE2D-8430-45AC-B6FB-82BBEAD291C3}"/>
-              </a:ext>
-            </a:extLst>
-          </p:cNvPr>
-          <p:cNvSpPr txBox="1"/>
-          <p:nvPr/>
-        </p:nvSpPr>
-        <p:spPr>
-          <a:xfrm>
-            <a:off x="9759317" y="4776551"/>
-            <a:ext cx="2711345" cy="512239"/>
-          </a:xfrm>
-          <a:prstGeom prst="rect">
-            <a:avLst/>
-          </a:prstGeom>
-          <a:noFill/>
-        </p:spPr>
-        <p:txBody>
-          <a:bodyPr wrap="none" lIns="72000" tIns="72000" rIns="72000" bIns="72000" rtlCol="0">
-            <a:noAutofit/>
-          </a:bodyPr>
-          <a:lstStyle/>
-          <a:p>
-            <a:pPr algn="l">
-              <a:spcAft>
-                <a:spcPts val="300"/>
-              </a:spcAft>
-              <a:buSzPct val="100000"/>
-            </a:pPr>
-            <a:r>
-              <a:rPr lang="en-US" sz="2000" dirty="0"/>
-              <a:t>dim = [5, 255, 255]</a:t>
+              <a:t>Computationally efficient  </a:t>
             </a:r>
           </a:p>
         </p:txBody>
@@ -8465,7 +8637,7 @@
     </p:spTree>
     <p:extLst>
       <p:ext uri="{BB962C8B-B14F-4D97-AF65-F5344CB8AC3E}">
-        <p14:creationId xmlns:p14="http://schemas.microsoft.com/office/powerpoint/2010/main" val="2843850993"/>
+        <p14:creationId xmlns:p14="http://schemas.microsoft.com/office/powerpoint/2010/main" val="2995992005"/>
       </p:ext>
     </p:extLst>
   </p:cSld>
@@ -8543,7 +8715,7 @@
         <p:spPr>
           <a:xfrm>
             <a:off x="833718" y="1002229"/>
-            <a:ext cx="8390964" cy="1203089"/>
+            <a:ext cx="6136424" cy="1203089"/>
           </a:xfrm>
           <a:prstGeom prst="rect">
             <a:avLst/>
@@ -8564,11 +8736,15 @@
             </a:pPr>
             <a:r>
               <a:rPr lang="en-US" sz="2400" dirty="0"/>
-              <a:t>Tensorflow 2.0 is </a:t>
+              <a:t>A </a:t>
             </a:r>
             <a:r>
               <a:rPr lang="en-US" sz="2400" b="1" dirty="0"/>
-              <a:t>very pythonic</a:t>
+              <a:t>Tensor</a:t>
+            </a:r>
+            <a:r>
+              <a:rPr lang="en-US" sz="2400" dirty="0"/>
+              <a:t> is a N-dimensional Matrix</a:t>
             </a:r>
           </a:p>
           <a:p>
@@ -8580,7 +8756,7 @@
             </a:pPr>
             <a:r>
               <a:rPr lang="en-US" sz="2400" dirty="0"/>
-              <a:t>Lots of equivalent functions between Numpy &amp; Tensorflow</a:t>
+              <a:t>The first dimension is usually the batch size</a:t>
             </a:r>
           </a:p>
           <a:p>
@@ -8594,12 +8770,382 @@
           </a:p>
         </p:txBody>
       </p:sp>
+      <p:pic>
+        <p:nvPicPr>
+          <p:cNvPr id="2050" name="Picture 2" descr="Fig. 3. Tensor Models">
+            <a:extLst>
+              <a:ext uri="{FF2B5EF4-FFF2-40B4-BE49-F238E27FC236}">
+                <a16:creationId xmlns:a16="http://schemas.microsoft.com/office/drawing/2014/main" id="{DBFFBC74-9382-4231-9D61-4DB2AF5B805F}"/>
+              </a:ext>
+            </a:extLst>
+          </p:cNvPr>
+          <p:cNvPicPr>
+            <a:picLocks noChangeAspect="1" noChangeArrowheads="1"/>
+          </p:cNvPicPr>
+          <p:nvPr/>
+        </p:nvPicPr>
+        <p:blipFill rotWithShape="1">
+          <a:blip r:embed="rId2">
+            <a:extLst>
+              <a:ext uri="{28A0092B-C50C-407E-A947-70E740481C1C}">
+                <a14:useLocalDpi xmlns:a14="http://schemas.microsoft.com/office/drawing/2010/main" val="0"/>
+              </a:ext>
+            </a:extLst>
+          </a:blip>
+          <a:srcRect b="3128"/>
+          <a:stretch/>
+        </p:blipFill>
+        <p:spPr bwMode="auto">
+          <a:xfrm>
+            <a:off x="612299" y="2317444"/>
+            <a:ext cx="5994395" cy="3835416"/>
+          </a:xfrm>
+          <a:prstGeom prst="rect">
+            <a:avLst/>
+          </a:prstGeom>
+          <a:noFill/>
+          <a:extLst>
+            <a:ext uri="{909E8E84-426E-40DD-AFC4-6F175D3DCCD1}">
+              <a14:hiddenFill xmlns:a14="http://schemas.microsoft.com/office/drawing/2010/main">
+                <a:solidFill>
+                  <a:srgbClr val="FFFFFF"/>
+                </a:solidFill>
+              </a14:hiddenFill>
+            </a:ext>
+          </a:extLst>
+        </p:spPr>
+      </p:pic>
+      <p:pic>
+        <p:nvPicPr>
+          <p:cNvPr id="2052" name="Picture 4" descr="Résultat de recherche d'images pour &quot;cat&quot;">
+            <a:extLst>
+              <a:ext uri="{FF2B5EF4-FFF2-40B4-BE49-F238E27FC236}">
+                <a16:creationId xmlns:a16="http://schemas.microsoft.com/office/drawing/2014/main" id="{2B97AE08-CFAE-41DF-A086-84D0CCAC4828}"/>
+              </a:ext>
+            </a:extLst>
+          </p:cNvPr>
+          <p:cNvPicPr>
+            <a:picLocks noChangeAspect="1" noChangeArrowheads="1"/>
+          </p:cNvPicPr>
+          <p:nvPr/>
+        </p:nvPicPr>
+        <p:blipFill>
+          <a:blip r:embed="rId3">
+            <a:extLst>
+              <a:ext uri="{28A0092B-C50C-407E-A947-70E740481C1C}">
+                <a14:useLocalDpi xmlns:a14="http://schemas.microsoft.com/office/drawing/2010/main" val="0"/>
+              </a:ext>
+            </a:extLst>
+          </a:blip>
+          <a:srcRect/>
+          <a:stretch>
+            <a:fillRect/>
+          </a:stretch>
+        </p:blipFill>
+        <p:spPr bwMode="auto">
+          <a:xfrm>
+            <a:off x="8095367" y="2116015"/>
+            <a:ext cx="742804" cy="742804"/>
+          </a:xfrm>
+          <a:prstGeom prst="rect">
+            <a:avLst/>
+          </a:prstGeom>
+          <a:noFill/>
+          <a:extLst>
+            <a:ext uri="{909E8E84-426E-40DD-AFC4-6F175D3DCCD1}">
+              <a14:hiddenFill xmlns:a14="http://schemas.microsoft.com/office/drawing/2010/main">
+                <a:solidFill>
+                  <a:srgbClr val="FFFFFF"/>
+                </a:solidFill>
+              </a14:hiddenFill>
+            </a:ext>
+          </a:extLst>
+        </p:spPr>
+      </p:pic>
+      <p:pic>
+        <p:nvPicPr>
+          <p:cNvPr id="2054" name="Picture 6" descr="Résultat de recherche d'images pour &quot;cat&quot;">
+            <a:extLst>
+              <a:ext uri="{FF2B5EF4-FFF2-40B4-BE49-F238E27FC236}">
+                <a16:creationId xmlns:a16="http://schemas.microsoft.com/office/drawing/2014/main" id="{6CA42269-BC65-4F61-A412-0052A4E42DB8}"/>
+              </a:ext>
+            </a:extLst>
+          </p:cNvPr>
+          <p:cNvPicPr>
+            <a:picLocks noChangeAspect="1" noChangeArrowheads="1"/>
+          </p:cNvPicPr>
+          <p:nvPr/>
+        </p:nvPicPr>
+        <p:blipFill>
+          <a:blip r:embed="rId4">
+            <a:extLst>
+              <a:ext uri="{28A0092B-C50C-407E-A947-70E740481C1C}">
+                <a14:useLocalDpi xmlns:a14="http://schemas.microsoft.com/office/drawing/2010/main" val="0"/>
+              </a:ext>
+            </a:extLst>
+          </a:blip>
+          <a:srcRect/>
+          <a:stretch>
+            <a:fillRect/>
+          </a:stretch>
+        </p:blipFill>
+        <p:spPr bwMode="auto">
+          <a:xfrm>
+            <a:off x="8095367" y="4689590"/>
+            <a:ext cx="742805" cy="742805"/>
+          </a:xfrm>
+          <a:prstGeom prst="rect">
+            <a:avLst/>
+          </a:prstGeom>
+          <a:noFill/>
+          <a:extLst>
+            <a:ext uri="{909E8E84-426E-40DD-AFC4-6F175D3DCCD1}">
+              <a14:hiddenFill xmlns:a14="http://schemas.microsoft.com/office/drawing/2010/main">
+                <a:solidFill>
+                  <a:srgbClr val="FFFFFF"/>
+                </a:solidFill>
+              </a14:hiddenFill>
+            </a:ext>
+          </a:extLst>
+        </p:spPr>
+      </p:pic>
+      <p:pic>
+        <p:nvPicPr>
+          <p:cNvPr id="2056" name="Picture 8" descr="Résultat de recherche d'images pour &quot;dogs&quot;">
+            <a:extLst>
+              <a:ext uri="{FF2B5EF4-FFF2-40B4-BE49-F238E27FC236}">
+                <a16:creationId xmlns:a16="http://schemas.microsoft.com/office/drawing/2014/main" id="{4AC80C21-7215-468A-8DEE-2C4BCB437147}"/>
+              </a:ext>
+            </a:extLst>
+          </p:cNvPr>
+          <p:cNvPicPr>
+            <a:picLocks noChangeAspect="1" noChangeArrowheads="1"/>
+          </p:cNvPicPr>
+          <p:nvPr/>
+        </p:nvPicPr>
+        <p:blipFill>
+          <a:blip r:embed="rId5">
+            <a:extLst>
+              <a:ext uri="{28A0092B-C50C-407E-A947-70E740481C1C}">
+                <a14:useLocalDpi xmlns:a14="http://schemas.microsoft.com/office/drawing/2010/main" val="0"/>
+              </a:ext>
+            </a:extLst>
+          </a:blip>
+          <a:srcRect/>
+          <a:stretch>
+            <a:fillRect/>
+          </a:stretch>
+        </p:blipFill>
+        <p:spPr bwMode="auto">
+          <a:xfrm>
+            <a:off x="8095367" y="5538315"/>
+            <a:ext cx="742805" cy="742805"/>
+          </a:xfrm>
+          <a:prstGeom prst="rect">
+            <a:avLst/>
+          </a:prstGeom>
+          <a:noFill/>
+          <a:extLst>
+            <a:ext uri="{909E8E84-426E-40DD-AFC4-6F175D3DCCD1}">
+              <a14:hiddenFill xmlns:a14="http://schemas.microsoft.com/office/drawing/2010/main">
+                <a:solidFill>
+                  <a:srgbClr val="FFFFFF"/>
+                </a:solidFill>
+              </a14:hiddenFill>
+            </a:ext>
+          </a:extLst>
+        </p:spPr>
+      </p:pic>
+      <p:pic>
+        <p:nvPicPr>
+          <p:cNvPr id="2058" name="Picture 10" descr="Résultat de recherche d'images pour &quot;dogs&quot;">
+            <a:extLst>
+              <a:ext uri="{FF2B5EF4-FFF2-40B4-BE49-F238E27FC236}">
+                <a16:creationId xmlns:a16="http://schemas.microsoft.com/office/drawing/2014/main" id="{5E43DE89-1DCB-451E-8AA9-B4134C99ACF5}"/>
+              </a:ext>
+            </a:extLst>
+          </p:cNvPr>
+          <p:cNvPicPr>
+            <a:picLocks noChangeAspect="1" noChangeArrowheads="1"/>
+          </p:cNvPicPr>
+          <p:nvPr/>
+        </p:nvPicPr>
+        <p:blipFill>
+          <a:blip r:embed="rId6">
+            <a:extLst>
+              <a:ext uri="{28A0092B-C50C-407E-A947-70E740481C1C}">
+                <a14:useLocalDpi xmlns:a14="http://schemas.microsoft.com/office/drawing/2010/main" val="0"/>
+              </a:ext>
+            </a:extLst>
+          </a:blip>
+          <a:srcRect/>
+          <a:stretch>
+            <a:fillRect/>
+          </a:stretch>
+        </p:blipFill>
+        <p:spPr bwMode="auto">
+          <a:xfrm>
+            <a:off x="8095367" y="3844324"/>
+            <a:ext cx="738598" cy="735315"/>
+          </a:xfrm>
+          <a:prstGeom prst="rect">
+            <a:avLst/>
+          </a:prstGeom>
+          <a:noFill/>
+          <a:extLst>
+            <a:ext uri="{909E8E84-426E-40DD-AFC4-6F175D3DCCD1}">
+              <a14:hiddenFill xmlns:a14="http://schemas.microsoft.com/office/drawing/2010/main">
+                <a:solidFill>
+                  <a:srgbClr val="FFFFFF"/>
+                </a:solidFill>
+              </a14:hiddenFill>
+            </a:ext>
+          </a:extLst>
+        </p:spPr>
+      </p:pic>
+      <p:pic>
+        <p:nvPicPr>
+          <p:cNvPr id="2060" name="Picture 12" descr="Résultat de recherche d'images pour &quot;dogs&quot;">
+            <a:extLst>
+              <a:ext uri="{FF2B5EF4-FFF2-40B4-BE49-F238E27FC236}">
+                <a16:creationId xmlns:a16="http://schemas.microsoft.com/office/drawing/2014/main" id="{D5930430-0EC9-40A5-9F94-E64D45DF4024}"/>
+              </a:ext>
+            </a:extLst>
+          </p:cNvPr>
+          <p:cNvPicPr>
+            <a:picLocks noChangeAspect="1" noChangeArrowheads="1"/>
+          </p:cNvPicPr>
+          <p:nvPr/>
+        </p:nvPicPr>
+        <p:blipFill>
+          <a:blip r:embed="rId7">
+            <a:extLst>
+              <a:ext uri="{28A0092B-C50C-407E-A947-70E740481C1C}">
+                <a14:useLocalDpi xmlns:a14="http://schemas.microsoft.com/office/drawing/2010/main" val="0"/>
+              </a:ext>
+            </a:extLst>
+          </a:blip>
+          <a:srcRect/>
+          <a:stretch>
+            <a:fillRect/>
+          </a:stretch>
+        </p:blipFill>
+        <p:spPr bwMode="auto">
+          <a:xfrm>
+            <a:off x="8095367" y="2968904"/>
+            <a:ext cx="738599" cy="765335"/>
+          </a:xfrm>
+          <a:prstGeom prst="rect">
+            <a:avLst/>
+          </a:prstGeom>
+          <a:noFill/>
+          <a:extLst>
+            <a:ext uri="{909E8E84-426E-40DD-AFC4-6F175D3DCCD1}">
+              <a14:hiddenFill xmlns:a14="http://schemas.microsoft.com/office/drawing/2010/main">
+                <a:solidFill>
+                  <a:srgbClr val="FFFFFF"/>
+                </a:solidFill>
+              </a14:hiddenFill>
+            </a:ext>
+          </a:extLst>
+        </p:spPr>
+      </p:pic>
+      <p:cxnSp>
+        <p:nvCxnSpPr>
+          <p:cNvPr id="5" name="Straight Arrow Connector 4">
+            <a:extLst>
+              <a:ext uri="{FF2B5EF4-FFF2-40B4-BE49-F238E27FC236}">
+                <a16:creationId xmlns:a16="http://schemas.microsoft.com/office/drawing/2014/main" id="{559F7063-7CC9-43EB-8143-E3E589D7B4D8}"/>
+              </a:ext>
+            </a:extLst>
+          </p:cNvPr>
+          <p:cNvCxnSpPr>
+            <a:cxnSpLocks/>
+          </p:cNvCxnSpPr>
+          <p:nvPr/>
+        </p:nvCxnSpPr>
+        <p:spPr>
+          <a:xfrm>
+            <a:off x="8095367" y="1987922"/>
+            <a:ext cx="738598" cy="0"/>
+          </a:xfrm>
+          <a:prstGeom prst="straightConnector1">
+            <a:avLst/>
+          </a:prstGeom>
+          <a:ln w="19050">
+            <a:solidFill>
+              <a:schemeClr val="tx1"/>
+            </a:solidFill>
+            <a:headEnd type="triangle"/>
+            <a:tailEnd type="triangle"/>
+          </a:ln>
+        </p:spPr>
+        <p:style>
+          <a:lnRef idx="1">
+            <a:schemeClr val="accent1"/>
+          </a:lnRef>
+          <a:fillRef idx="0">
+            <a:schemeClr val="accent1"/>
+          </a:fillRef>
+          <a:effectRef idx="0">
+            <a:schemeClr val="accent1"/>
+          </a:effectRef>
+          <a:fontRef idx="minor">
+            <a:schemeClr val="tx1"/>
+          </a:fontRef>
+        </p:style>
+      </p:cxnSp>
+      <p:cxnSp>
+        <p:nvCxnSpPr>
+          <p:cNvPr id="66" name="Straight Arrow Connector 65">
+            <a:extLst>
+              <a:ext uri="{FF2B5EF4-FFF2-40B4-BE49-F238E27FC236}">
+                <a16:creationId xmlns:a16="http://schemas.microsoft.com/office/drawing/2014/main" id="{F584DF6C-7A69-402D-9255-43512046260F}"/>
+              </a:ext>
+            </a:extLst>
+          </p:cNvPr>
+          <p:cNvCxnSpPr>
+            <a:cxnSpLocks/>
+          </p:cNvCxnSpPr>
+          <p:nvPr/>
+        </p:nvCxnSpPr>
+        <p:spPr>
+          <a:xfrm flipV="1">
+            <a:off x="8990678" y="2116016"/>
+            <a:ext cx="0" cy="742803"/>
+          </a:xfrm>
+          <a:prstGeom prst="straightConnector1">
+            <a:avLst/>
+          </a:prstGeom>
+          <a:ln w="19050">
+            <a:solidFill>
+              <a:schemeClr val="tx1"/>
+            </a:solidFill>
+            <a:headEnd type="triangle"/>
+            <a:tailEnd type="triangle"/>
+          </a:ln>
+        </p:spPr>
+        <p:style>
+          <a:lnRef idx="1">
+            <a:schemeClr val="accent1"/>
+          </a:lnRef>
+          <a:fillRef idx="0">
+            <a:schemeClr val="accent1"/>
+          </a:fillRef>
+          <a:effectRef idx="0">
+            <a:schemeClr val="accent1"/>
+          </a:effectRef>
+          <a:fontRef idx="minor">
+            <a:schemeClr val="tx1"/>
+          </a:fontRef>
+        </p:style>
+      </p:cxnSp>
       <p:sp>
         <p:nvSpPr>
-          <p:cNvPr id="7" name="TextBox 6">
-            <a:extLst>
-              <a:ext uri="{FF2B5EF4-FFF2-40B4-BE49-F238E27FC236}">
-                <a16:creationId xmlns:a16="http://schemas.microsoft.com/office/drawing/2014/main" id="{CA41A8ED-9384-4A0E-9BFC-86F6C095F139}"/>
+          <p:cNvPr id="9" name="TextBox 8">
+            <a:extLst>
+              <a:ext uri="{FF2B5EF4-FFF2-40B4-BE49-F238E27FC236}">
+                <a16:creationId xmlns:a16="http://schemas.microsoft.com/office/drawing/2014/main" id="{CDCDF69F-D729-4B35-9B54-A3B8764746C0}"/>
               </a:ext>
             </a:extLst>
           </p:cNvPr>
@@ -8608,8 +9154,8 @@
         </p:nvSpPr>
         <p:spPr>
           <a:xfrm>
-            <a:off x="2451490" y="2221168"/>
-            <a:ext cx="2372810" cy="555584"/>
+            <a:off x="8189439" y="1603773"/>
+            <a:ext cx="738588" cy="512239"/>
           </a:xfrm>
           <a:prstGeom prst="rect">
             <a:avLst/>
@@ -8630,17 +9176,551 @@
             </a:pPr>
             <a:r>
               <a:rPr lang="en-US" sz="2000" dirty="0"/>
-              <a:t>Numpy</a:t>
+              <a:t>255</a:t>
             </a:r>
           </a:p>
         </p:txBody>
       </p:sp>
       <p:sp>
         <p:nvSpPr>
-          <p:cNvPr id="8" name="Rectangle 7">
-            <a:extLst>
-              <a:ext uri="{FF2B5EF4-FFF2-40B4-BE49-F238E27FC236}">
-                <a16:creationId xmlns:a16="http://schemas.microsoft.com/office/drawing/2014/main" id="{4F40DF30-A430-4716-95F4-4C7C54991F43}"/>
+          <p:cNvPr id="67" name="TextBox 66">
+            <a:extLst>
+              <a:ext uri="{FF2B5EF4-FFF2-40B4-BE49-F238E27FC236}">
+                <a16:creationId xmlns:a16="http://schemas.microsoft.com/office/drawing/2014/main" id="{BC089811-E87B-446B-A55A-A39D883A4D6B}"/>
+              </a:ext>
+            </a:extLst>
+          </p:cNvPr>
+          <p:cNvSpPr txBox="1"/>
+          <p:nvPr/>
+        </p:nvSpPr>
+        <p:spPr>
+          <a:xfrm>
+            <a:off x="8958326" y="2275978"/>
+            <a:ext cx="738588" cy="512239"/>
+          </a:xfrm>
+          <a:prstGeom prst="rect">
+            <a:avLst/>
+          </a:prstGeom>
+          <a:noFill/>
+        </p:spPr>
+        <p:txBody>
+          <a:bodyPr vert="vert270" wrap="none" lIns="72000" tIns="72000" rIns="72000" bIns="72000" rtlCol="0">
+            <a:noAutofit/>
+          </a:bodyPr>
+          <a:lstStyle/>
+          <a:p>
+            <a:pPr algn="l">
+              <a:spcAft>
+                <a:spcPts val="300"/>
+              </a:spcAft>
+              <a:buSzPct val="100000"/>
+            </a:pPr>
+            <a:r>
+              <a:rPr lang="en-US" sz="2000" dirty="0"/>
+              <a:t>255</a:t>
+            </a:r>
+          </a:p>
+        </p:txBody>
+      </p:sp>
+      <p:pic>
+        <p:nvPicPr>
+          <p:cNvPr id="68" name="Picture 4" descr="Résultat de recherche d'images pour &quot;cat&quot;">
+            <a:extLst>
+              <a:ext uri="{FF2B5EF4-FFF2-40B4-BE49-F238E27FC236}">
+                <a16:creationId xmlns:a16="http://schemas.microsoft.com/office/drawing/2014/main" id="{037C6D5D-7BA2-4751-B441-815EDABBF215}"/>
+              </a:ext>
+            </a:extLst>
+          </p:cNvPr>
+          <p:cNvPicPr>
+            <a:picLocks noChangeAspect="1" noChangeArrowheads="1"/>
+          </p:cNvPicPr>
+          <p:nvPr/>
+        </p:nvPicPr>
+        <p:blipFill>
+          <a:blip r:embed="rId3">
+            <a:extLst>
+              <a:ext uri="{28A0092B-C50C-407E-A947-70E740481C1C}">
+                <a14:useLocalDpi xmlns:a14="http://schemas.microsoft.com/office/drawing/2010/main" val="0"/>
+              </a:ext>
+            </a:extLst>
+          </a:blip>
+          <a:srcRect/>
+          <a:stretch>
+            <a:fillRect/>
+          </a:stretch>
+        </p:blipFill>
+        <p:spPr bwMode="auto">
+          <a:xfrm>
+            <a:off x="10637284" y="3426880"/>
+            <a:ext cx="742804" cy="742804"/>
+          </a:xfrm>
+          <a:prstGeom prst="rect">
+            <a:avLst/>
+          </a:prstGeom>
+          <a:noFill/>
+          <a:extLst>
+            <a:ext uri="{909E8E84-426E-40DD-AFC4-6F175D3DCCD1}">
+              <a14:hiddenFill xmlns:a14="http://schemas.microsoft.com/office/drawing/2010/main">
+                <a:solidFill>
+                  <a:srgbClr val="FFFFFF"/>
+                </a:solidFill>
+              </a14:hiddenFill>
+            </a:ext>
+          </a:extLst>
+        </p:spPr>
+      </p:pic>
+      <p:pic>
+        <p:nvPicPr>
+          <p:cNvPr id="70" name="Picture 12" descr="Résultat de recherche d'images pour &quot;dogs&quot;">
+            <a:extLst>
+              <a:ext uri="{FF2B5EF4-FFF2-40B4-BE49-F238E27FC236}">
+                <a16:creationId xmlns:a16="http://schemas.microsoft.com/office/drawing/2014/main" id="{D7445011-6B8F-4CAE-9FB8-8378DED7E9FE}"/>
+              </a:ext>
+            </a:extLst>
+          </p:cNvPr>
+          <p:cNvPicPr>
+            <a:picLocks noChangeAspect="1" noChangeArrowheads="1"/>
+          </p:cNvPicPr>
+          <p:nvPr/>
+        </p:nvPicPr>
+        <p:blipFill>
+          <a:blip r:embed="rId7">
+            <a:extLst>
+              <a:ext uri="{28A0092B-C50C-407E-A947-70E740481C1C}">
+                <a14:useLocalDpi xmlns:a14="http://schemas.microsoft.com/office/drawing/2010/main" val="0"/>
+              </a:ext>
+            </a:extLst>
+          </a:blip>
+          <a:srcRect/>
+          <a:stretch>
+            <a:fillRect/>
+          </a:stretch>
+        </p:blipFill>
+        <p:spPr bwMode="auto">
+          <a:xfrm>
+            <a:off x="10563960" y="3491835"/>
+            <a:ext cx="738599" cy="765335"/>
+          </a:xfrm>
+          <a:prstGeom prst="rect">
+            <a:avLst/>
+          </a:prstGeom>
+          <a:noFill/>
+          <a:extLst>
+            <a:ext uri="{909E8E84-426E-40DD-AFC4-6F175D3DCCD1}">
+              <a14:hiddenFill xmlns:a14="http://schemas.microsoft.com/office/drawing/2010/main">
+                <a:solidFill>
+                  <a:srgbClr val="FFFFFF"/>
+                </a:solidFill>
+              </a14:hiddenFill>
+            </a:ext>
+          </a:extLst>
+        </p:spPr>
+      </p:pic>
+      <p:pic>
+        <p:nvPicPr>
+          <p:cNvPr id="72" name="Picture 10" descr="Résultat de recherche d'images pour &quot;dogs&quot;">
+            <a:extLst>
+              <a:ext uri="{FF2B5EF4-FFF2-40B4-BE49-F238E27FC236}">
+                <a16:creationId xmlns:a16="http://schemas.microsoft.com/office/drawing/2014/main" id="{A30C6C71-064B-4471-9643-CE407EA87853}"/>
+              </a:ext>
+            </a:extLst>
+          </p:cNvPr>
+          <p:cNvPicPr>
+            <a:picLocks noChangeAspect="1" noChangeArrowheads="1"/>
+          </p:cNvPicPr>
+          <p:nvPr/>
+        </p:nvPicPr>
+        <p:blipFill>
+          <a:blip r:embed="rId6">
+            <a:extLst>
+              <a:ext uri="{28A0092B-C50C-407E-A947-70E740481C1C}">
+                <a14:useLocalDpi xmlns:a14="http://schemas.microsoft.com/office/drawing/2010/main" val="0"/>
+              </a:ext>
+            </a:extLst>
+          </a:blip>
+          <a:srcRect/>
+          <a:stretch>
+            <a:fillRect/>
+          </a:stretch>
+        </p:blipFill>
+        <p:spPr bwMode="auto">
+          <a:xfrm>
+            <a:off x="10486431" y="3577228"/>
+            <a:ext cx="738598" cy="735315"/>
+          </a:xfrm>
+          <a:prstGeom prst="rect">
+            <a:avLst/>
+          </a:prstGeom>
+          <a:noFill/>
+          <a:extLst>
+            <a:ext uri="{909E8E84-426E-40DD-AFC4-6F175D3DCCD1}">
+              <a14:hiddenFill xmlns:a14="http://schemas.microsoft.com/office/drawing/2010/main">
+                <a:solidFill>
+                  <a:srgbClr val="FFFFFF"/>
+                </a:solidFill>
+              </a14:hiddenFill>
+            </a:ext>
+          </a:extLst>
+        </p:spPr>
+      </p:pic>
+      <p:pic>
+        <p:nvPicPr>
+          <p:cNvPr id="74" name="Picture 6" descr="Résultat de recherche d'images pour &quot;cat&quot;">
+            <a:extLst>
+              <a:ext uri="{FF2B5EF4-FFF2-40B4-BE49-F238E27FC236}">
+                <a16:creationId xmlns:a16="http://schemas.microsoft.com/office/drawing/2014/main" id="{882AB0B2-A4B6-404E-A6A3-56BD0ED83A0E}"/>
+              </a:ext>
+            </a:extLst>
+          </p:cNvPr>
+          <p:cNvPicPr>
+            <a:picLocks noChangeAspect="1" noChangeArrowheads="1"/>
+          </p:cNvPicPr>
+          <p:nvPr/>
+        </p:nvPicPr>
+        <p:blipFill>
+          <a:blip r:embed="rId4">
+            <a:extLst>
+              <a:ext uri="{28A0092B-C50C-407E-A947-70E740481C1C}">
+                <a14:useLocalDpi xmlns:a14="http://schemas.microsoft.com/office/drawing/2010/main" val="0"/>
+              </a:ext>
+            </a:extLst>
+          </a:blip>
+          <a:srcRect/>
+          <a:stretch>
+            <a:fillRect/>
+          </a:stretch>
+        </p:blipFill>
+        <p:spPr bwMode="auto">
+          <a:xfrm>
+            <a:off x="10402421" y="3654379"/>
+            <a:ext cx="742805" cy="742805"/>
+          </a:xfrm>
+          <a:prstGeom prst="rect">
+            <a:avLst/>
+          </a:prstGeom>
+          <a:noFill/>
+          <a:extLst>
+            <a:ext uri="{909E8E84-426E-40DD-AFC4-6F175D3DCCD1}">
+              <a14:hiddenFill xmlns:a14="http://schemas.microsoft.com/office/drawing/2010/main">
+                <a:solidFill>
+                  <a:srgbClr val="FFFFFF"/>
+                </a:solidFill>
+              </a14:hiddenFill>
+            </a:ext>
+          </a:extLst>
+        </p:spPr>
+      </p:pic>
+      <p:pic>
+        <p:nvPicPr>
+          <p:cNvPr id="75" name="Picture 8" descr="Résultat de recherche d'images pour &quot;dogs&quot;">
+            <a:extLst>
+              <a:ext uri="{FF2B5EF4-FFF2-40B4-BE49-F238E27FC236}">
+                <a16:creationId xmlns:a16="http://schemas.microsoft.com/office/drawing/2014/main" id="{4DF4E5F3-1468-44A6-95ED-DF8FAFA69336}"/>
+              </a:ext>
+            </a:extLst>
+          </p:cNvPr>
+          <p:cNvPicPr>
+            <a:picLocks noChangeAspect="1" noChangeArrowheads="1"/>
+          </p:cNvPicPr>
+          <p:nvPr/>
+        </p:nvPicPr>
+        <p:blipFill>
+          <a:blip r:embed="rId5">
+            <a:extLst>
+              <a:ext uri="{28A0092B-C50C-407E-A947-70E740481C1C}">
+                <a14:useLocalDpi xmlns:a14="http://schemas.microsoft.com/office/drawing/2010/main" val="0"/>
+              </a:ext>
+            </a:extLst>
+          </a:blip>
+          <a:srcRect/>
+          <a:stretch>
+            <a:fillRect/>
+          </a:stretch>
+        </p:blipFill>
+        <p:spPr bwMode="auto">
+          <a:xfrm>
+            <a:off x="10322618" y="3734239"/>
+            <a:ext cx="742805" cy="742805"/>
+          </a:xfrm>
+          <a:prstGeom prst="rect">
+            <a:avLst/>
+          </a:prstGeom>
+          <a:noFill/>
+          <a:extLst>
+            <a:ext uri="{909E8E84-426E-40DD-AFC4-6F175D3DCCD1}">
+              <a14:hiddenFill xmlns:a14="http://schemas.microsoft.com/office/drawing/2010/main">
+                <a:solidFill>
+                  <a:srgbClr val="FFFFFF"/>
+                </a:solidFill>
+              </a14:hiddenFill>
+            </a:ext>
+          </a:extLst>
+        </p:spPr>
+      </p:pic>
+      <p:cxnSp>
+        <p:nvCxnSpPr>
+          <p:cNvPr id="76" name="Straight Arrow Connector 75">
+            <a:extLst>
+              <a:ext uri="{FF2B5EF4-FFF2-40B4-BE49-F238E27FC236}">
+                <a16:creationId xmlns:a16="http://schemas.microsoft.com/office/drawing/2014/main" id="{EDCC5055-BB09-4FC9-A1B1-5B6A56DFAF8F}"/>
+              </a:ext>
+            </a:extLst>
+          </p:cNvPr>
+          <p:cNvCxnSpPr>
+            <a:cxnSpLocks/>
+          </p:cNvCxnSpPr>
+          <p:nvPr/>
+        </p:nvCxnSpPr>
+        <p:spPr>
+          <a:xfrm>
+            <a:off x="10641490" y="3301462"/>
+            <a:ext cx="738598" cy="0"/>
+          </a:xfrm>
+          <a:prstGeom prst="straightConnector1">
+            <a:avLst/>
+          </a:prstGeom>
+          <a:ln w="19050">
+            <a:solidFill>
+              <a:schemeClr val="tx1"/>
+            </a:solidFill>
+            <a:headEnd type="triangle"/>
+            <a:tailEnd type="triangle"/>
+          </a:ln>
+        </p:spPr>
+        <p:style>
+          <a:lnRef idx="1">
+            <a:schemeClr val="accent1"/>
+          </a:lnRef>
+          <a:fillRef idx="0">
+            <a:schemeClr val="accent1"/>
+          </a:fillRef>
+          <a:effectRef idx="0">
+            <a:schemeClr val="accent1"/>
+          </a:effectRef>
+          <a:fontRef idx="minor">
+            <a:schemeClr val="tx1"/>
+          </a:fontRef>
+        </p:style>
+      </p:cxnSp>
+      <p:cxnSp>
+        <p:nvCxnSpPr>
+          <p:cNvPr id="77" name="Straight Arrow Connector 76">
+            <a:extLst>
+              <a:ext uri="{FF2B5EF4-FFF2-40B4-BE49-F238E27FC236}">
+                <a16:creationId xmlns:a16="http://schemas.microsoft.com/office/drawing/2014/main" id="{97341A26-B248-413C-B6C7-FD08102FDFA6}"/>
+              </a:ext>
+            </a:extLst>
+          </p:cNvPr>
+          <p:cNvCxnSpPr>
+            <a:cxnSpLocks/>
+          </p:cNvCxnSpPr>
+          <p:nvPr/>
+        </p:nvCxnSpPr>
+        <p:spPr>
+          <a:xfrm flipV="1">
+            <a:off x="11500256" y="3426880"/>
+            <a:ext cx="0" cy="742803"/>
+          </a:xfrm>
+          <a:prstGeom prst="straightConnector1">
+            <a:avLst/>
+          </a:prstGeom>
+          <a:ln w="19050">
+            <a:solidFill>
+              <a:schemeClr val="tx1"/>
+            </a:solidFill>
+            <a:headEnd type="triangle"/>
+            <a:tailEnd type="triangle"/>
+          </a:ln>
+        </p:spPr>
+        <p:style>
+          <a:lnRef idx="1">
+            <a:schemeClr val="accent1"/>
+          </a:lnRef>
+          <a:fillRef idx="0">
+            <a:schemeClr val="accent1"/>
+          </a:fillRef>
+          <a:effectRef idx="0">
+            <a:schemeClr val="accent1"/>
+          </a:effectRef>
+          <a:fontRef idx="minor">
+            <a:schemeClr val="tx1"/>
+          </a:fontRef>
+        </p:style>
+      </p:cxnSp>
+      <p:sp>
+        <p:nvSpPr>
+          <p:cNvPr id="78" name="TextBox 77">
+            <a:extLst>
+              <a:ext uri="{FF2B5EF4-FFF2-40B4-BE49-F238E27FC236}">
+                <a16:creationId xmlns:a16="http://schemas.microsoft.com/office/drawing/2014/main" id="{CA89D059-AC3C-4DFB-8827-7B1D9A924E9F}"/>
+              </a:ext>
+            </a:extLst>
+          </p:cNvPr>
+          <p:cNvSpPr txBox="1"/>
+          <p:nvPr/>
+        </p:nvSpPr>
+        <p:spPr>
+          <a:xfrm>
+            <a:off x="10712988" y="2914641"/>
+            <a:ext cx="738588" cy="512239"/>
+          </a:xfrm>
+          <a:prstGeom prst="rect">
+            <a:avLst/>
+          </a:prstGeom>
+          <a:noFill/>
+        </p:spPr>
+        <p:txBody>
+          <a:bodyPr wrap="none" lIns="72000" tIns="72000" rIns="72000" bIns="72000" rtlCol="0">
+            <a:noAutofit/>
+          </a:bodyPr>
+          <a:lstStyle/>
+          <a:p>
+            <a:pPr algn="l">
+              <a:spcAft>
+                <a:spcPts val="300"/>
+              </a:spcAft>
+              <a:buSzPct val="100000"/>
+            </a:pPr>
+            <a:r>
+              <a:rPr lang="en-US" sz="2000" dirty="0"/>
+              <a:t>255</a:t>
+            </a:r>
+          </a:p>
+        </p:txBody>
+      </p:sp>
+      <p:sp>
+        <p:nvSpPr>
+          <p:cNvPr id="79" name="TextBox 78">
+            <a:extLst>
+              <a:ext uri="{FF2B5EF4-FFF2-40B4-BE49-F238E27FC236}">
+                <a16:creationId xmlns:a16="http://schemas.microsoft.com/office/drawing/2014/main" id="{AAEA1146-B5B2-42DB-A919-9C828B572C49}"/>
+              </a:ext>
+            </a:extLst>
+          </p:cNvPr>
+          <p:cNvSpPr txBox="1"/>
+          <p:nvPr/>
+        </p:nvSpPr>
+        <p:spPr>
+          <a:xfrm>
+            <a:off x="11453412" y="3563344"/>
+            <a:ext cx="738588" cy="512239"/>
+          </a:xfrm>
+          <a:prstGeom prst="rect">
+            <a:avLst/>
+          </a:prstGeom>
+          <a:noFill/>
+        </p:spPr>
+        <p:txBody>
+          <a:bodyPr vert="vert270" wrap="none" lIns="72000" tIns="72000" rIns="72000" bIns="72000" rtlCol="0">
+            <a:noAutofit/>
+          </a:bodyPr>
+          <a:lstStyle/>
+          <a:p>
+            <a:pPr algn="l">
+              <a:spcAft>
+                <a:spcPts val="300"/>
+              </a:spcAft>
+              <a:buSzPct val="100000"/>
+            </a:pPr>
+            <a:r>
+              <a:rPr lang="en-US" sz="2000" dirty="0"/>
+              <a:t>255</a:t>
+            </a:r>
+          </a:p>
+        </p:txBody>
+      </p:sp>
+      <p:sp>
+        <p:nvSpPr>
+          <p:cNvPr id="80" name="TextBox 79">
+            <a:extLst>
+              <a:ext uri="{FF2B5EF4-FFF2-40B4-BE49-F238E27FC236}">
+                <a16:creationId xmlns:a16="http://schemas.microsoft.com/office/drawing/2014/main" id="{7E90D3BD-7F1B-40E8-AC75-454EECBAD08D}"/>
+              </a:ext>
+            </a:extLst>
+          </p:cNvPr>
+          <p:cNvSpPr txBox="1"/>
+          <p:nvPr/>
+        </p:nvSpPr>
+        <p:spPr>
+          <a:xfrm rot="2779646">
+            <a:off x="11185958" y="4338642"/>
+            <a:ext cx="738588" cy="512239"/>
+          </a:xfrm>
+          <a:prstGeom prst="rect">
+            <a:avLst/>
+          </a:prstGeom>
+          <a:noFill/>
+        </p:spPr>
+        <p:txBody>
+          <a:bodyPr vert="vert270" wrap="none" lIns="72000" tIns="72000" rIns="72000" bIns="72000" rtlCol="0">
+            <a:noAutofit/>
+          </a:bodyPr>
+          <a:lstStyle/>
+          <a:p>
+            <a:pPr algn="l">
+              <a:spcAft>
+                <a:spcPts val="300"/>
+              </a:spcAft>
+              <a:buSzPct val="100000"/>
+            </a:pPr>
+            <a:r>
+              <a:rPr lang="en-US" sz="2000" dirty="0"/>
+              <a:t>5</a:t>
+            </a:r>
+          </a:p>
+        </p:txBody>
+      </p:sp>
+      <p:cxnSp>
+        <p:nvCxnSpPr>
+          <p:cNvPr id="81" name="Straight Arrow Connector 80">
+            <a:extLst>
+              <a:ext uri="{FF2B5EF4-FFF2-40B4-BE49-F238E27FC236}">
+                <a16:creationId xmlns:a16="http://schemas.microsoft.com/office/drawing/2014/main" id="{F0EA1F2A-BE4E-40BC-A1C5-B7C65DA73E68}"/>
+              </a:ext>
+            </a:extLst>
+          </p:cNvPr>
+          <p:cNvCxnSpPr>
+            <a:cxnSpLocks/>
+          </p:cNvCxnSpPr>
+          <p:nvPr/>
+        </p:nvCxnSpPr>
+        <p:spPr>
+          <a:xfrm flipV="1">
+            <a:off x="11017847" y="4255077"/>
+            <a:ext cx="422778" cy="371401"/>
+          </a:xfrm>
+          <a:prstGeom prst="straightConnector1">
+            <a:avLst/>
+          </a:prstGeom>
+          <a:ln w="19050">
+            <a:solidFill>
+              <a:schemeClr val="tx1"/>
+            </a:solidFill>
+            <a:headEnd type="triangle"/>
+            <a:tailEnd type="triangle"/>
+          </a:ln>
+        </p:spPr>
+        <p:style>
+          <a:lnRef idx="1">
+            <a:schemeClr val="accent1"/>
+          </a:lnRef>
+          <a:fillRef idx="0">
+            <a:schemeClr val="accent1"/>
+          </a:fillRef>
+          <a:effectRef idx="0">
+            <a:schemeClr val="accent1"/>
+          </a:effectRef>
+          <a:fontRef idx="minor">
+            <a:schemeClr val="tx1"/>
+          </a:fontRef>
+        </p:style>
+      </p:cxnSp>
+      <p:sp>
+        <p:nvSpPr>
+          <p:cNvPr id="17" name="Arrow: Right 16">
+            <a:extLst>
+              <a:ext uri="{FF2B5EF4-FFF2-40B4-BE49-F238E27FC236}">
+                <a16:creationId xmlns:a16="http://schemas.microsoft.com/office/drawing/2014/main" id="{FF6939B4-24FA-444D-8E75-8C0F12F79A19}"/>
               </a:ext>
             </a:extLst>
           </p:cNvPr>
@@ -8649,98 +9729,60 @@
         </p:nvSpPr>
         <p:spPr>
           <a:xfrm>
-            <a:off x="8420388" y="2221168"/>
-            <a:ext cx="1452642" cy="400110"/>
-          </a:xfrm>
-          <a:prstGeom prst="rect">
+            <a:off x="9298948" y="3764464"/>
+            <a:ext cx="642127" cy="632720"/>
+          </a:xfrm>
+          <a:prstGeom prst="rightArrow">
             <a:avLst/>
           </a:prstGeom>
-        </p:spPr>
+          <a:noFill/>
+          <a:ln w="19050">
+            <a:solidFill>
+              <a:schemeClr val="tx1"/>
+            </a:solidFill>
+          </a:ln>
+        </p:spPr>
+        <p:style>
+          <a:lnRef idx="2">
+            <a:schemeClr val="accent1">
+              <a:shade val="50000"/>
+            </a:schemeClr>
+          </a:lnRef>
+          <a:fillRef idx="1">
+            <a:schemeClr val="accent1"/>
+          </a:fillRef>
+          <a:effectRef idx="0">
+            <a:schemeClr val="accent1"/>
+          </a:effectRef>
+          <a:fontRef idx="minor">
+            <a:schemeClr val="lt1"/>
+          </a:fontRef>
+        </p:style>
         <p:txBody>
-          <a:bodyPr wrap="none">
-            <a:spAutoFit/>
+          <a:bodyPr rot="0" spcFirstLastPara="0" vertOverflow="overflow" horzOverflow="overflow" vert="horz" wrap="square" lIns="72000" tIns="72000" rIns="72000" bIns="72000" numCol="1" spcCol="0" rtlCol="0" fromWordArt="0" anchor="t" anchorCtr="0" forceAA="0" compatLnSpc="1">
+            <a:prstTxWarp prst="textNoShape">
+              <a:avLst/>
+            </a:prstTxWarp>
+            <a:noAutofit/>
           </a:bodyPr>
           <a:lstStyle/>
           <a:p>
-            <a:pPr>
+            <a:pPr algn="l">
               <a:spcAft>
                 <a:spcPts val="300"/>
               </a:spcAft>
               <a:buSzPct val="100000"/>
             </a:pPr>
-            <a:r>
-              <a:rPr lang="en-US" sz="2000" dirty="0"/>
-              <a:t>Tensorflow</a:t>
-            </a:r>
+            <a:endParaRPr lang="en-US" sz="1200" dirty="0"/>
           </a:p>
         </p:txBody>
       </p:sp>
-      <p:pic>
-        <p:nvPicPr>
-          <p:cNvPr id="2" name="Picture 1">
-            <a:extLst>
-              <a:ext uri="{FF2B5EF4-FFF2-40B4-BE49-F238E27FC236}">
-                <a16:creationId xmlns:a16="http://schemas.microsoft.com/office/drawing/2014/main" id="{2A181824-84EC-4863-B867-01C50EE57F91}"/>
-              </a:ext>
-            </a:extLst>
-          </p:cNvPr>
-          <p:cNvPicPr>
-            <a:picLocks noChangeAspect="1"/>
-          </p:cNvPicPr>
-          <p:nvPr/>
-        </p:nvPicPr>
-        <p:blipFill>
-          <a:blip r:embed="rId2"/>
-          <a:stretch>
-            <a:fillRect/>
-          </a:stretch>
-        </p:blipFill>
-        <p:spPr>
-          <a:xfrm>
-            <a:off x="6375812" y="2776752"/>
-            <a:ext cx="5620798" cy="2633646"/>
-          </a:xfrm>
-          <a:prstGeom prst="rect">
-            <a:avLst/>
-          </a:prstGeom>
-        </p:spPr>
-      </p:pic>
-      <p:pic>
-        <p:nvPicPr>
-          <p:cNvPr id="4" name="Picture 3">
-            <a:extLst>
-              <a:ext uri="{FF2B5EF4-FFF2-40B4-BE49-F238E27FC236}">
-                <a16:creationId xmlns:a16="http://schemas.microsoft.com/office/drawing/2014/main" id="{A2C7A274-E9B1-443A-985F-E62D1A45C3C4}"/>
-              </a:ext>
-            </a:extLst>
-          </p:cNvPr>
-          <p:cNvPicPr>
-            <a:picLocks noChangeAspect="1"/>
-          </p:cNvPicPr>
-          <p:nvPr/>
-        </p:nvPicPr>
-        <p:blipFill>
-          <a:blip r:embed="rId3"/>
-          <a:stretch>
-            <a:fillRect/>
-          </a:stretch>
-        </p:blipFill>
-        <p:spPr>
-          <a:xfrm>
-            <a:off x="358011" y="2776752"/>
-            <a:ext cx="5590698" cy="2288176"/>
-          </a:xfrm>
-          <a:prstGeom prst="rect">
-            <a:avLst/>
-          </a:prstGeom>
-        </p:spPr>
-      </p:pic>
       <p:sp>
         <p:nvSpPr>
-          <p:cNvPr id="5" name="TextBox 4">
-            <a:extLst>
-              <a:ext uri="{FF2B5EF4-FFF2-40B4-BE49-F238E27FC236}">
-                <a16:creationId xmlns:a16="http://schemas.microsoft.com/office/drawing/2014/main" id="{59A42C3E-EE57-460E-B4EA-A9C5245279AC}"/>
+          <p:cNvPr id="83" name="TextBox 82">
+            <a:extLst>
+              <a:ext uri="{FF2B5EF4-FFF2-40B4-BE49-F238E27FC236}">
+                <a16:creationId xmlns:a16="http://schemas.microsoft.com/office/drawing/2014/main" id="{08C6FE2D-8430-45AC-B6FB-82BBEAD291C3}"/>
               </a:ext>
             </a:extLst>
           </p:cNvPr>
@@ -8749,8 +9791,8 @@
         </p:nvSpPr>
         <p:spPr>
           <a:xfrm>
-            <a:off x="636103" y="5632174"/>
-            <a:ext cx="11360507" cy="914400"/>
+            <a:off x="9759317" y="4776551"/>
+            <a:ext cx="2711345" cy="512239"/>
           </a:xfrm>
           <a:prstGeom prst="rect">
             <a:avLst/>
@@ -8771,7 +9813,7 @@
             </a:pPr>
             <a:r>
               <a:rPr lang="en-US" sz="2000" dirty="0"/>
-              <a:t>Supported TF data types : bool, string, int8/16/32/64, float32/64, complex64/128, etc.  </a:t>
+              <a:t>dim = [5, 255, 255]</a:t>
             </a:r>
           </a:p>
         </p:txBody>
@@ -8779,7 +9821,7 @@
     </p:spTree>
     <p:extLst>
       <p:ext uri="{BB962C8B-B14F-4D97-AF65-F5344CB8AC3E}">
-        <p14:creationId xmlns:p14="http://schemas.microsoft.com/office/powerpoint/2010/main" val="1685491845"/>
+        <p14:creationId xmlns:p14="http://schemas.microsoft.com/office/powerpoint/2010/main" val="2843850993"/>
       </p:ext>
     </p:extLst>
   </p:cSld>
@@ -8857,7 +9899,7 @@
         <p:spPr>
           <a:xfrm>
             <a:off x="833718" y="1002229"/>
-            <a:ext cx="8390964" cy="567779"/>
+            <a:ext cx="8390964" cy="1203089"/>
           </a:xfrm>
           <a:prstGeom prst="rect">
             <a:avLst/>
@@ -8878,11 +9920,113 @@
             </a:pPr>
             <a:r>
               <a:rPr lang="en-US" sz="2400" dirty="0"/>
-              <a:t>The parameters of a NN are created as </a:t>
+              <a:t>Tensorflow 2.0 is </a:t>
             </a:r>
             <a:r>
               <a:rPr lang="en-US" sz="2400" b="1" dirty="0"/>
-              <a:t>Variables</a:t>
+              <a:t>very pythonic</a:t>
+            </a:r>
+          </a:p>
+          <a:p>
+            <a:pPr algn="l">
+              <a:spcAft>
+                <a:spcPts val="300"/>
+              </a:spcAft>
+              <a:buSzPct val="100000"/>
+            </a:pPr>
+            <a:r>
+              <a:rPr lang="en-US" sz="2400" dirty="0"/>
+              <a:t>Lots of equivalent functions between Numpy &amp; Tensorflow</a:t>
+            </a:r>
+          </a:p>
+          <a:p>
+            <a:pPr algn="l">
+              <a:spcAft>
+                <a:spcPts val="300"/>
+              </a:spcAft>
+              <a:buSzPct val="100000"/>
+            </a:pPr>
+            <a:endParaRPr lang="en-US" sz="2400" b="1" dirty="0"/>
+          </a:p>
+        </p:txBody>
+      </p:sp>
+      <p:sp>
+        <p:nvSpPr>
+          <p:cNvPr id="7" name="TextBox 6">
+            <a:extLst>
+              <a:ext uri="{FF2B5EF4-FFF2-40B4-BE49-F238E27FC236}">
+                <a16:creationId xmlns:a16="http://schemas.microsoft.com/office/drawing/2014/main" id="{CA41A8ED-9384-4A0E-9BFC-86F6C095F139}"/>
+              </a:ext>
+            </a:extLst>
+          </p:cNvPr>
+          <p:cNvSpPr txBox="1"/>
+          <p:nvPr/>
+        </p:nvSpPr>
+        <p:spPr>
+          <a:xfrm>
+            <a:off x="2451490" y="2221168"/>
+            <a:ext cx="2372810" cy="555584"/>
+          </a:xfrm>
+          <a:prstGeom prst="rect">
+            <a:avLst/>
+          </a:prstGeom>
+          <a:noFill/>
+        </p:spPr>
+        <p:txBody>
+          <a:bodyPr wrap="none" lIns="72000" tIns="72000" rIns="72000" bIns="72000" rtlCol="0">
+            <a:noAutofit/>
+          </a:bodyPr>
+          <a:lstStyle/>
+          <a:p>
+            <a:pPr algn="l">
+              <a:spcAft>
+                <a:spcPts val="300"/>
+              </a:spcAft>
+              <a:buSzPct val="100000"/>
+            </a:pPr>
+            <a:r>
+              <a:rPr lang="en-US" sz="2000" dirty="0"/>
+              <a:t>Numpy</a:t>
+            </a:r>
+          </a:p>
+        </p:txBody>
+      </p:sp>
+      <p:sp>
+        <p:nvSpPr>
+          <p:cNvPr id="8" name="Rectangle 7">
+            <a:extLst>
+              <a:ext uri="{FF2B5EF4-FFF2-40B4-BE49-F238E27FC236}">
+                <a16:creationId xmlns:a16="http://schemas.microsoft.com/office/drawing/2014/main" id="{4F40DF30-A430-4716-95F4-4C7C54991F43}"/>
+              </a:ext>
+            </a:extLst>
+          </p:cNvPr>
+          <p:cNvSpPr/>
+          <p:nvPr/>
+        </p:nvSpPr>
+        <p:spPr>
+          <a:xfrm>
+            <a:off x="8420388" y="2221168"/>
+            <a:ext cx="1452642" cy="400110"/>
+          </a:xfrm>
+          <a:prstGeom prst="rect">
+            <a:avLst/>
+          </a:prstGeom>
+        </p:spPr>
+        <p:txBody>
+          <a:bodyPr wrap="none">
+            <a:spAutoFit/>
+          </a:bodyPr>
+          <a:lstStyle/>
+          <a:p>
+            <a:pPr>
+              <a:spcAft>
+                <a:spcPts val="300"/>
+              </a:spcAft>
+              <a:buSzPct val="100000"/>
+            </a:pPr>
+            <a:r>
+              <a:rPr lang="en-US" sz="2000" dirty="0"/>
+              <a:t>Tensorflow</a:t>
             </a:r>
           </a:p>
         </p:txBody>
@@ -8892,7 +10036,7 @@
           <p:cNvPr id="2" name="Picture 1">
             <a:extLst>
               <a:ext uri="{FF2B5EF4-FFF2-40B4-BE49-F238E27FC236}">
-                <a16:creationId xmlns:a16="http://schemas.microsoft.com/office/drawing/2014/main" id="{278E1441-2A3F-4781-AB78-154CE773DFE9}"/>
+                <a16:creationId xmlns:a16="http://schemas.microsoft.com/office/drawing/2014/main" id="{2A181824-84EC-4863-B867-01C50EE57F91}"/>
               </a:ext>
             </a:extLst>
           </p:cNvPr>
@@ -8909,62 +10053,68 @@
         </p:blipFill>
         <p:spPr>
           <a:xfrm>
-            <a:off x="833718" y="1940267"/>
-            <a:ext cx="10435478" cy="3915504"/>
+            <a:off x="6375812" y="2776752"/>
+            <a:ext cx="5620798" cy="2633646"/>
           </a:xfrm>
           <a:prstGeom prst="rect">
             <a:avLst/>
           </a:prstGeom>
         </p:spPr>
       </p:pic>
+      <p:pic>
+        <p:nvPicPr>
+          <p:cNvPr id="4" name="Picture 3">
+            <a:extLst>
+              <a:ext uri="{FF2B5EF4-FFF2-40B4-BE49-F238E27FC236}">
+                <a16:creationId xmlns:a16="http://schemas.microsoft.com/office/drawing/2014/main" id="{A2C7A274-E9B1-443A-985F-E62D1A45C3C4}"/>
+              </a:ext>
+            </a:extLst>
+          </p:cNvPr>
+          <p:cNvPicPr>
+            <a:picLocks noChangeAspect="1"/>
+          </p:cNvPicPr>
+          <p:nvPr/>
+        </p:nvPicPr>
+        <p:blipFill>
+          <a:blip r:embed="rId3"/>
+          <a:stretch>
+            <a:fillRect/>
+          </a:stretch>
+        </p:blipFill>
+        <p:spPr>
+          <a:xfrm>
+            <a:off x="358011" y="2776752"/>
+            <a:ext cx="5590698" cy="2288176"/>
+          </a:xfrm>
+          <a:prstGeom prst="rect">
+            <a:avLst/>
+          </a:prstGeom>
+        </p:spPr>
+      </p:pic>
       <p:sp>
         <p:nvSpPr>
-          <p:cNvPr id="4" name="Rectangle 3">
-            <a:extLst>
-              <a:ext uri="{FF2B5EF4-FFF2-40B4-BE49-F238E27FC236}">
-                <a16:creationId xmlns:a16="http://schemas.microsoft.com/office/drawing/2014/main" id="{8F50973A-F92D-494F-891E-45D120D73099}"/>
-              </a:ext>
-            </a:extLst>
-          </p:cNvPr>
-          <p:cNvSpPr/>
+          <p:cNvPr id="5" name="TextBox 4">
+            <a:extLst>
+              <a:ext uri="{FF2B5EF4-FFF2-40B4-BE49-F238E27FC236}">
+                <a16:creationId xmlns:a16="http://schemas.microsoft.com/office/drawing/2014/main" id="{59A42C3E-EE57-460E-B4EA-A9C5245279AC}"/>
+              </a:ext>
+            </a:extLst>
+          </p:cNvPr>
+          <p:cNvSpPr txBox="1"/>
           <p:nvPr/>
         </p:nvSpPr>
         <p:spPr>
           <a:xfrm>
-            <a:off x="922804" y="3729804"/>
-            <a:ext cx="1883656" cy="261351"/>
+            <a:off x="636103" y="5632174"/>
+            <a:ext cx="11360507" cy="914400"/>
           </a:xfrm>
           <a:prstGeom prst="rect">
             <a:avLst/>
           </a:prstGeom>
           <a:noFill/>
-          <a:ln w="12700">
-            <a:solidFill>
-              <a:schemeClr val="accent4"/>
-            </a:solidFill>
-          </a:ln>
-        </p:spPr>
-        <p:style>
-          <a:lnRef idx="2">
-            <a:schemeClr val="accent1">
-              <a:shade val="50000"/>
-            </a:schemeClr>
-          </a:lnRef>
-          <a:fillRef idx="1">
-            <a:schemeClr val="accent1"/>
-          </a:fillRef>
-          <a:effectRef idx="0">
-            <a:schemeClr val="accent1"/>
-          </a:effectRef>
-          <a:fontRef idx="minor">
-            <a:schemeClr val="lt1"/>
-          </a:fontRef>
-        </p:style>
+        </p:spPr>
         <p:txBody>
-          <a:bodyPr rot="0" spcFirstLastPara="0" vertOverflow="overflow" horzOverflow="overflow" vert="horz" wrap="square" lIns="72000" tIns="72000" rIns="72000" bIns="72000" numCol="1" spcCol="0" rtlCol="0" fromWordArt="0" anchor="t" anchorCtr="0" forceAA="0" compatLnSpc="1">
-            <a:prstTxWarp prst="textNoShape">
-              <a:avLst/>
-            </a:prstTxWarp>
+          <a:bodyPr wrap="none" lIns="72000" tIns="72000" rIns="72000" bIns="72000" rtlCol="0">
             <a:noAutofit/>
           </a:bodyPr>
           <a:lstStyle/>
@@ -8975,76 +10125,17 @@
               </a:spcAft>
               <a:buSzPct val="100000"/>
             </a:pPr>
-            <a:endParaRPr lang="en-US" sz="1200" dirty="0"/>
-          </a:p>
-        </p:txBody>
-      </p:sp>
-      <p:sp>
-        <p:nvSpPr>
-          <p:cNvPr id="10" name="Rectangle 9">
-            <a:extLst>
-              <a:ext uri="{FF2B5EF4-FFF2-40B4-BE49-F238E27FC236}">
-                <a16:creationId xmlns:a16="http://schemas.microsoft.com/office/drawing/2014/main" id="{8987328B-AD11-4FB5-B7D6-DFDEBFA6BD73}"/>
-              </a:ext>
-            </a:extLst>
-          </p:cNvPr>
-          <p:cNvSpPr/>
-          <p:nvPr/>
-        </p:nvSpPr>
-        <p:spPr>
-          <a:xfrm>
-            <a:off x="922804" y="4842294"/>
-            <a:ext cx="2337981" cy="261351"/>
-          </a:xfrm>
-          <a:prstGeom prst="rect">
-            <a:avLst/>
-          </a:prstGeom>
-          <a:noFill/>
-          <a:ln w="12700">
-            <a:solidFill>
-              <a:schemeClr val="accent4"/>
-            </a:solidFill>
-          </a:ln>
-        </p:spPr>
-        <p:style>
-          <a:lnRef idx="2">
-            <a:schemeClr val="accent1">
-              <a:shade val="50000"/>
-            </a:schemeClr>
-          </a:lnRef>
-          <a:fillRef idx="1">
-            <a:schemeClr val="accent1"/>
-          </a:fillRef>
-          <a:effectRef idx="0">
-            <a:schemeClr val="accent1"/>
-          </a:effectRef>
-          <a:fontRef idx="minor">
-            <a:schemeClr val="lt1"/>
-          </a:fontRef>
-        </p:style>
-        <p:txBody>
-          <a:bodyPr rot="0" spcFirstLastPara="0" vertOverflow="overflow" horzOverflow="overflow" vert="horz" wrap="square" lIns="72000" tIns="72000" rIns="72000" bIns="72000" numCol="1" spcCol="0" rtlCol="0" fromWordArt="0" anchor="t" anchorCtr="0" forceAA="0" compatLnSpc="1">
-            <a:prstTxWarp prst="textNoShape">
-              <a:avLst/>
-            </a:prstTxWarp>
-            <a:noAutofit/>
-          </a:bodyPr>
-          <a:lstStyle/>
-          <a:p>
-            <a:pPr algn="l">
-              <a:spcAft>
-                <a:spcPts val="300"/>
-              </a:spcAft>
-              <a:buSzPct val="100000"/>
-            </a:pPr>
-            <a:endParaRPr lang="en-US" sz="1200" dirty="0"/>
+            <a:r>
+              <a:rPr lang="en-US" sz="2000" dirty="0"/>
+              <a:t>Supported TF data types : bool, string, int8/16/32/64, float32/64, complex64/128, etc.  </a:t>
+            </a:r>
           </a:p>
         </p:txBody>
       </p:sp>
     </p:spTree>
     <p:extLst>
       <p:ext uri="{BB962C8B-B14F-4D97-AF65-F5344CB8AC3E}">
-        <p14:creationId xmlns:p14="http://schemas.microsoft.com/office/powerpoint/2010/main" val="2273831205"/>
+        <p14:creationId xmlns:p14="http://schemas.microsoft.com/office/powerpoint/2010/main" val="1685491845"/>
       </p:ext>
     </p:extLst>
   </p:cSld>
@@ -9122,7 +10213,7 @@
         <p:spPr>
           <a:xfrm>
             <a:off x="833718" y="1002229"/>
-            <a:ext cx="8390964" cy="1032759"/>
+            <a:ext cx="8390964" cy="567779"/>
           </a:xfrm>
           <a:prstGeom prst="rect">
             <a:avLst/>
@@ -9135,41 +10226,29 @@
           </a:bodyPr>
           <a:lstStyle/>
           <a:p>
-            <a:pPr>
+            <a:pPr algn="l">
               <a:spcAft>
                 <a:spcPts val="300"/>
               </a:spcAft>
               <a:buSzPct val="100000"/>
             </a:pPr>
             <a:r>
+              <a:rPr lang="en-US" sz="2400" dirty="0"/>
+              <a:t>The parameters of a NN are created as </a:t>
+            </a:r>
+            <a:r>
               <a:rPr lang="en-US" sz="2400" b="1" dirty="0"/>
-              <a:t>Keras</a:t>
-            </a:r>
-            <a:r>
-              <a:rPr lang="en-US" sz="2400" dirty="0"/>
-              <a:t> is a high-level neural networks API</a:t>
-            </a:r>
-          </a:p>
-          <a:p>
-            <a:pPr>
-              <a:spcAft>
-                <a:spcPts val="300"/>
-              </a:spcAft>
-              <a:buSzPct val="100000"/>
-            </a:pPr>
-            <a:r>
-              <a:rPr lang="en-US" sz="2400" dirty="0"/>
-              <a:t>Give access to pre-made Layers</a:t>
+              <a:t>Variables</a:t>
             </a:r>
           </a:p>
         </p:txBody>
       </p:sp>
       <p:pic>
         <p:nvPicPr>
-          <p:cNvPr id="5" name="Picture 4">
-            <a:extLst>
-              <a:ext uri="{FF2B5EF4-FFF2-40B4-BE49-F238E27FC236}">
-                <a16:creationId xmlns:a16="http://schemas.microsoft.com/office/drawing/2014/main" id="{3A39F12A-0452-47C7-93F0-2B09B2E3E76B}"/>
+          <p:cNvPr id="2" name="Picture 1">
+            <a:extLst>
+              <a:ext uri="{FF2B5EF4-FFF2-40B4-BE49-F238E27FC236}">
+                <a16:creationId xmlns:a16="http://schemas.microsoft.com/office/drawing/2014/main" id="{278E1441-2A3F-4781-AB78-154CE773DFE9}"/>
               </a:ext>
             </a:extLst>
           </p:cNvPr>
@@ -9186,48 +10265,142 @@
         </p:blipFill>
         <p:spPr>
           <a:xfrm>
-            <a:off x="4464057" y="4462757"/>
-            <a:ext cx="2722709" cy="1393014"/>
+            <a:off x="833718" y="1940267"/>
+            <a:ext cx="10435478" cy="3915504"/>
           </a:xfrm>
           <a:prstGeom prst="rect">
             <a:avLst/>
           </a:prstGeom>
         </p:spPr>
       </p:pic>
-      <p:pic>
-        <p:nvPicPr>
-          <p:cNvPr id="4" name="Picture 3">
-            <a:extLst>
-              <a:ext uri="{FF2B5EF4-FFF2-40B4-BE49-F238E27FC236}">
-                <a16:creationId xmlns:a16="http://schemas.microsoft.com/office/drawing/2014/main" id="{4979F24B-47C7-4CB5-9C9B-50CC288DA04E}"/>
-              </a:ext>
-            </a:extLst>
-          </p:cNvPr>
-          <p:cNvPicPr>
-            <a:picLocks noChangeAspect="1"/>
-          </p:cNvPicPr>
+      <p:sp>
+        <p:nvSpPr>
+          <p:cNvPr id="4" name="Rectangle 3">
+            <a:extLst>
+              <a:ext uri="{FF2B5EF4-FFF2-40B4-BE49-F238E27FC236}">
+                <a16:creationId xmlns:a16="http://schemas.microsoft.com/office/drawing/2014/main" id="{8F50973A-F92D-494F-891E-45D120D73099}"/>
+              </a:ext>
+            </a:extLst>
+          </p:cNvPr>
+          <p:cNvSpPr/>
           <p:nvPr/>
-        </p:nvPicPr>
-        <p:blipFill>
-          <a:blip r:embed="rId3"/>
-          <a:stretch>
-            <a:fillRect/>
-          </a:stretch>
-        </p:blipFill>
+        </p:nvSpPr>
         <p:spPr>
           <a:xfrm>
-            <a:off x="578235" y="2828982"/>
-            <a:ext cx="11035530" cy="1032759"/>
+            <a:off x="922804" y="3729804"/>
+            <a:ext cx="1883656" cy="261351"/>
           </a:xfrm>
           <a:prstGeom prst="rect">
             <a:avLst/>
           </a:prstGeom>
-        </p:spPr>
-      </p:pic>
+          <a:noFill/>
+          <a:ln w="12700">
+            <a:solidFill>
+              <a:schemeClr val="accent4"/>
+            </a:solidFill>
+          </a:ln>
+        </p:spPr>
+        <p:style>
+          <a:lnRef idx="2">
+            <a:schemeClr val="accent1">
+              <a:shade val="50000"/>
+            </a:schemeClr>
+          </a:lnRef>
+          <a:fillRef idx="1">
+            <a:schemeClr val="accent1"/>
+          </a:fillRef>
+          <a:effectRef idx="0">
+            <a:schemeClr val="accent1"/>
+          </a:effectRef>
+          <a:fontRef idx="minor">
+            <a:schemeClr val="lt1"/>
+          </a:fontRef>
+        </p:style>
+        <p:txBody>
+          <a:bodyPr rot="0" spcFirstLastPara="0" vertOverflow="overflow" horzOverflow="overflow" vert="horz" wrap="square" lIns="72000" tIns="72000" rIns="72000" bIns="72000" numCol="1" spcCol="0" rtlCol="0" fromWordArt="0" anchor="t" anchorCtr="0" forceAA="0" compatLnSpc="1">
+            <a:prstTxWarp prst="textNoShape">
+              <a:avLst/>
+            </a:prstTxWarp>
+            <a:noAutofit/>
+          </a:bodyPr>
+          <a:lstStyle/>
+          <a:p>
+            <a:pPr algn="l">
+              <a:spcAft>
+                <a:spcPts val="300"/>
+              </a:spcAft>
+              <a:buSzPct val="100000"/>
+            </a:pPr>
+            <a:endParaRPr lang="en-US" sz="1200" dirty="0"/>
+          </a:p>
+        </p:txBody>
+      </p:sp>
+      <p:sp>
+        <p:nvSpPr>
+          <p:cNvPr id="10" name="Rectangle 9">
+            <a:extLst>
+              <a:ext uri="{FF2B5EF4-FFF2-40B4-BE49-F238E27FC236}">
+                <a16:creationId xmlns:a16="http://schemas.microsoft.com/office/drawing/2014/main" id="{8987328B-AD11-4FB5-B7D6-DFDEBFA6BD73}"/>
+              </a:ext>
+            </a:extLst>
+          </p:cNvPr>
+          <p:cNvSpPr/>
+          <p:nvPr/>
+        </p:nvSpPr>
+        <p:spPr>
+          <a:xfrm>
+            <a:off x="922804" y="4842294"/>
+            <a:ext cx="2337981" cy="261351"/>
+          </a:xfrm>
+          <a:prstGeom prst="rect">
+            <a:avLst/>
+          </a:prstGeom>
+          <a:noFill/>
+          <a:ln w="12700">
+            <a:solidFill>
+              <a:schemeClr val="accent4"/>
+            </a:solidFill>
+          </a:ln>
+        </p:spPr>
+        <p:style>
+          <a:lnRef idx="2">
+            <a:schemeClr val="accent1">
+              <a:shade val="50000"/>
+            </a:schemeClr>
+          </a:lnRef>
+          <a:fillRef idx="1">
+            <a:schemeClr val="accent1"/>
+          </a:fillRef>
+          <a:effectRef idx="0">
+            <a:schemeClr val="accent1"/>
+          </a:effectRef>
+          <a:fontRef idx="minor">
+            <a:schemeClr val="lt1"/>
+          </a:fontRef>
+        </p:style>
+        <p:txBody>
+          <a:bodyPr rot="0" spcFirstLastPara="0" vertOverflow="overflow" horzOverflow="overflow" vert="horz" wrap="square" lIns="72000" tIns="72000" rIns="72000" bIns="72000" numCol="1" spcCol="0" rtlCol="0" fromWordArt="0" anchor="t" anchorCtr="0" forceAA="0" compatLnSpc="1">
+            <a:prstTxWarp prst="textNoShape">
+              <a:avLst/>
+            </a:prstTxWarp>
+            <a:noAutofit/>
+          </a:bodyPr>
+          <a:lstStyle/>
+          <a:p>
+            <a:pPr algn="l">
+              <a:spcAft>
+                <a:spcPts val="300"/>
+              </a:spcAft>
+              <a:buSzPct val="100000"/>
+            </a:pPr>
+            <a:endParaRPr lang="en-US" sz="1200" dirty="0"/>
+          </a:p>
+        </p:txBody>
+      </p:sp>
     </p:spTree>
     <p:extLst>
       <p:ext uri="{BB962C8B-B14F-4D97-AF65-F5344CB8AC3E}">
-        <p14:creationId xmlns:p14="http://schemas.microsoft.com/office/powerpoint/2010/main" val="2349986979"/>
+        <p14:creationId xmlns:p14="http://schemas.microsoft.com/office/powerpoint/2010/main" val="2273831205"/>
       </p:ext>
     </p:extLst>
   </p:cSld>
@@ -9256,6 +10429,189 @@
       </p:grpSpPr>
       <p:sp>
         <p:nvSpPr>
+          <p:cNvPr id="3" name="Text Placeholder 2">
+            <a:extLst>
+              <a:ext uri="{FF2B5EF4-FFF2-40B4-BE49-F238E27FC236}">
+                <a16:creationId xmlns:a16="http://schemas.microsoft.com/office/drawing/2014/main" id="{3A02FC7B-89F4-47A4-82F7-23AE74151938}"/>
+              </a:ext>
+            </a:extLst>
+          </p:cNvPr>
+          <p:cNvSpPr>
+            <a:spLocks noGrp="1"/>
+          </p:cNvSpPr>
+          <p:nvPr>
+            <p:ph type="body" sz="quarter" idx="12"/>
+          </p:nvPr>
+        </p:nvSpPr>
+        <p:spPr>
+          <a:xfrm>
+            <a:off x="833718" y="507916"/>
+            <a:ext cx="6743693" cy="300664"/>
+          </a:xfrm>
+          <a:prstGeom prst="rect">
+            <a:avLst/>
+          </a:prstGeom>
+        </p:spPr>
+        <p:txBody>
+          <a:bodyPr/>
+          <a:lstStyle/>
+          <a:p>
+            <a:r>
+              <a:rPr lang="en-US" sz="3200" dirty="0"/>
+              <a:t>2. Tensorflow for beginners</a:t>
+            </a:r>
+          </a:p>
+        </p:txBody>
+      </p:sp>
+      <p:sp>
+        <p:nvSpPr>
+          <p:cNvPr id="13" name="TextBox 12">
+            <a:extLst>
+              <a:ext uri="{FF2B5EF4-FFF2-40B4-BE49-F238E27FC236}">
+                <a16:creationId xmlns:a16="http://schemas.microsoft.com/office/drawing/2014/main" id="{1F5DFE5C-4663-44DE-8021-C88C9DFD20B9}"/>
+              </a:ext>
+            </a:extLst>
+          </p:cNvPr>
+          <p:cNvSpPr txBox="1"/>
+          <p:nvPr/>
+        </p:nvSpPr>
+        <p:spPr>
+          <a:xfrm>
+            <a:off x="833718" y="1002229"/>
+            <a:ext cx="8390964" cy="1032759"/>
+          </a:xfrm>
+          <a:prstGeom prst="rect">
+            <a:avLst/>
+          </a:prstGeom>
+          <a:noFill/>
+        </p:spPr>
+        <p:txBody>
+          <a:bodyPr wrap="square" lIns="72000" tIns="72000" rIns="72000" bIns="72000" rtlCol="0">
+            <a:noAutofit/>
+          </a:bodyPr>
+          <a:lstStyle/>
+          <a:p>
+            <a:pPr>
+              <a:spcAft>
+                <a:spcPts val="300"/>
+              </a:spcAft>
+              <a:buSzPct val="100000"/>
+            </a:pPr>
+            <a:r>
+              <a:rPr lang="en-US" sz="2400" b="1" dirty="0"/>
+              <a:t>Keras</a:t>
+            </a:r>
+            <a:r>
+              <a:rPr lang="en-US" sz="2400" dirty="0"/>
+              <a:t> is a high-level neural networks API</a:t>
+            </a:r>
+          </a:p>
+          <a:p>
+            <a:pPr>
+              <a:spcAft>
+                <a:spcPts val="300"/>
+              </a:spcAft>
+              <a:buSzPct val="100000"/>
+            </a:pPr>
+            <a:r>
+              <a:rPr lang="en-US" sz="2400" dirty="0"/>
+              <a:t>Give access to pre-made Layers</a:t>
+            </a:r>
+          </a:p>
+        </p:txBody>
+      </p:sp>
+      <p:pic>
+        <p:nvPicPr>
+          <p:cNvPr id="5" name="Picture 4">
+            <a:extLst>
+              <a:ext uri="{FF2B5EF4-FFF2-40B4-BE49-F238E27FC236}">
+                <a16:creationId xmlns:a16="http://schemas.microsoft.com/office/drawing/2014/main" id="{3A39F12A-0452-47C7-93F0-2B09B2E3E76B}"/>
+              </a:ext>
+            </a:extLst>
+          </p:cNvPr>
+          <p:cNvPicPr>
+            <a:picLocks noChangeAspect="1"/>
+          </p:cNvPicPr>
+          <p:nvPr/>
+        </p:nvPicPr>
+        <p:blipFill>
+          <a:blip r:embed="rId2"/>
+          <a:stretch>
+            <a:fillRect/>
+          </a:stretch>
+        </p:blipFill>
+        <p:spPr>
+          <a:xfrm>
+            <a:off x="4464057" y="4462757"/>
+            <a:ext cx="2722709" cy="1393014"/>
+          </a:xfrm>
+          <a:prstGeom prst="rect">
+            <a:avLst/>
+          </a:prstGeom>
+        </p:spPr>
+      </p:pic>
+      <p:pic>
+        <p:nvPicPr>
+          <p:cNvPr id="4" name="Picture 3">
+            <a:extLst>
+              <a:ext uri="{FF2B5EF4-FFF2-40B4-BE49-F238E27FC236}">
+                <a16:creationId xmlns:a16="http://schemas.microsoft.com/office/drawing/2014/main" id="{4979F24B-47C7-4CB5-9C9B-50CC288DA04E}"/>
+              </a:ext>
+            </a:extLst>
+          </p:cNvPr>
+          <p:cNvPicPr>
+            <a:picLocks noChangeAspect="1"/>
+          </p:cNvPicPr>
+          <p:nvPr/>
+        </p:nvPicPr>
+        <p:blipFill>
+          <a:blip r:embed="rId3"/>
+          <a:stretch>
+            <a:fillRect/>
+          </a:stretch>
+        </p:blipFill>
+        <p:spPr>
+          <a:xfrm>
+            <a:off x="578235" y="2828982"/>
+            <a:ext cx="11035530" cy="1032759"/>
+          </a:xfrm>
+          <a:prstGeom prst="rect">
+            <a:avLst/>
+          </a:prstGeom>
+        </p:spPr>
+      </p:pic>
+    </p:spTree>
+    <p:extLst>
+      <p:ext uri="{BB962C8B-B14F-4D97-AF65-F5344CB8AC3E}">
+        <p14:creationId xmlns:p14="http://schemas.microsoft.com/office/powerpoint/2010/main" val="2349986979"/>
+      </p:ext>
+    </p:extLst>
+  </p:cSld>
+  <p:clrMapOvr>
+    <a:masterClrMapping/>
+  </p:clrMapOvr>
+</p:sld>
+</file>
+
+<file path=ppt/slides/slide15.xml><?xml version="1.0" encoding="utf-8"?>
+<p:sld xmlns:a="http://schemas.openxmlformats.org/drawingml/2006/main" xmlns:r="http://schemas.openxmlformats.org/officeDocument/2006/relationships" xmlns:p="http://schemas.openxmlformats.org/presentationml/2006/main">
+  <p:cSld>
+    <p:spTree>
+      <p:nvGrpSpPr>
+        <p:cNvPr id="1" name=""/>
+        <p:cNvGrpSpPr/>
+        <p:nvPr/>
+      </p:nvGrpSpPr>
+      <p:grpSpPr>
+        <a:xfrm>
+          <a:off x="0" y="0"/>
+          <a:ext cx="0" cy="0"/>
+          <a:chOff x="0" y="0"/>
+          <a:chExt cx="0" cy="0"/>
+        </a:xfrm>
+      </p:grpSpPr>
+      <p:sp>
+        <p:nvSpPr>
           <p:cNvPr id="9" name="Text Placeholder 1">
             <a:extLst>
               <a:ext uri="{FF2B5EF4-FFF2-40B4-BE49-F238E27FC236}">
@@ -9272,8 +10628,8 @@
         </p:nvSpPr>
         <p:spPr>
           <a:xfrm>
-            <a:off x="370390" y="2335398"/>
-            <a:ext cx="11298410" cy="2721710"/>
+            <a:off x="305075" y="2251902"/>
+            <a:ext cx="11298410" cy="986300"/>
           </a:xfrm>
         </p:spPr>
         <p:txBody>
@@ -9290,88 +10646,98 @@
               <a:defRPr/>
             </a:pPr>
             <a:r>
-              <a:rPr lang="en-US" sz="6600" dirty="0">
+              <a:rPr lang="en-US" sz="4800" dirty="0">
                 <a:solidFill>
                   <a:srgbClr val="FFFFFF"/>
                 </a:solidFill>
-                <a:latin typeface="Nokia Pure Headline" panose="020B0504040602060303" pitchFamily="34" charset="0"/>
+                <a:latin typeface="Nokia Pure Text Light" panose="020B0304040602060303" pitchFamily="34" charset="0"/>
+                <a:ea typeface="Nokia Pure Text Light" panose="020B0304040602060303" pitchFamily="34" charset="0"/>
+                <a:cs typeface="Nokia Pure Text Light" panose="020B0304040602060303" pitchFamily="34" charset="0"/>
               </a:rPr>
-              <a:t>Thank you</a:t>
-            </a:r>
-          </a:p>
-          <a:p>
-            <a:pPr lvl="0" algn="ctr" defTabSz="914400">
-              <a:spcBef>
-                <a:spcPts val="1000"/>
-              </a:spcBef>
-              <a:spcAft>
-                <a:spcPts val="0"/>
-              </a:spcAft>
-              <a:defRPr/>
-            </a:pPr>
-            <a:endParaRPr lang="en-US" sz="1400" dirty="0">
-              <a:solidFill>
-                <a:srgbClr val="FFFFFF"/>
-              </a:solidFill>
-              <a:latin typeface="Calibri Light" panose="020F0302020204030204"/>
-            </a:endParaRPr>
-          </a:p>
-          <a:p>
-            <a:pPr lvl="0" algn="ctr" defTabSz="914400">
-              <a:spcBef>
-                <a:spcPts val="1000"/>
-              </a:spcBef>
-              <a:spcAft>
-                <a:spcPts val="0"/>
-              </a:spcAft>
-              <a:defRPr/>
-            </a:pPr>
-            <a:r>
-              <a:rPr lang="en-US" sz="4800" dirty="0">
-                <a:solidFill>
-                  <a:srgbClr val="FFFFFF"/>
-                </a:solidFill>
-                <a:latin typeface="Calibri Light" panose="020F0302020204030204"/>
-              </a:rPr>
-              <a:t>Everything is available on </a:t>
-            </a:r>
-          </a:p>
-          <a:p>
-            <a:pPr lvl="0" algn="ctr" defTabSz="914400">
-              <a:lnSpc>
-                <a:spcPct val="100000"/>
-              </a:lnSpc>
-              <a:spcAft>
-                <a:spcPts val="0"/>
-              </a:spcAft>
-              <a:defRPr/>
-            </a:pPr>
-            <a:r>
-              <a:rPr lang="en-US" sz="4800" dirty="0">
-                <a:solidFill>
-                  <a:schemeClr val="bg1">
-                    <a:lumMod val="95000"/>
-                  </a:schemeClr>
-                </a:solidFill>
-                <a:latin typeface="Calibri Light" panose="020F0302020204030204"/>
-                <a:hlinkClick r:id="rId2">
-                  <a:extLst>
-                    <a:ext uri="{A12FA001-AC4F-418D-AE19-62706E023703}">
-                      <ahyp:hlinkClr xmlns:ahyp="http://schemas.microsoft.com/office/drawing/2018/hyperlinkcolor" val="tx"/>
-                    </a:ext>
-                  </a:extLst>
-                </a:hlinkClick>
-              </a:rPr>
-              <a:t>mgoutay.github.io</a:t>
-            </a:r>
-            <a:endParaRPr lang="en-US" sz="4800" dirty="0">
-              <a:solidFill>
-                <a:schemeClr val="bg1">
-                  <a:lumMod val="95000"/>
-                </a:schemeClr>
-              </a:solidFill>
-              <a:latin typeface="Calibri Light" panose="020F0302020204030204"/>
-            </a:endParaRPr>
+              <a:t>For the following :</a:t>
+            </a:r>
+          </a:p>
+        </p:txBody>
+      </p:sp>
+      <p:pic>
+        <p:nvPicPr>
+          <p:cNvPr id="3" name="Picture 2">
+            <a:extLst>
+              <a:ext uri="{FF2B5EF4-FFF2-40B4-BE49-F238E27FC236}">
+                <a16:creationId xmlns:a16="http://schemas.microsoft.com/office/drawing/2014/main" id="{E5238AAC-59FF-4048-A1C3-080DD21248BF}"/>
+              </a:ext>
+            </a:extLst>
+          </p:cNvPr>
+          <p:cNvPicPr>
+            <a:picLocks noChangeAspect="1"/>
+          </p:cNvPicPr>
+          <p:nvPr/>
+        </p:nvPicPr>
+        <p:blipFill>
+          <a:blip r:embed="rId2"/>
+          <a:stretch>
+            <a:fillRect/>
+          </a:stretch>
+        </p:blipFill>
+        <p:spPr>
+          <a:xfrm>
+            <a:off x="1956318" y="3429000"/>
+            <a:ext cx="8487061" cy="1717793"/>
+          </a:xfrm>
+          <a:prstGeom prst="rect">
+            <a:avLst/>
+          </a:prstGeom>
+        </p:spPr>
+      </p:pic>
+      <p:sp>
+        <p:nvSpPr>
+          <p:cNvPr id="4" name="Rectangle 3">
+            <a:extLst>
+              <a:ext uri="{FF2B5EF4-FFF2-40B4-BE49-F238E27FC236}">
+                <a16:creationId xmlns:a16="http://schemas.microsoft.com/office/drawing/2014/main" id="{8252416A-B158-4A68-8D66-86774E5FE50D}"/>
+              </a:ext>
+            </a:extLst>
+          </p:cNvPr>
+          <p:cNvSpPr/>
+          <p:nvPr/>
+        </p:nvSpPr>
+        <p:spPr>
+          <a:xfrm>
+            <a:off x="9731829" y="4711959"/>
+            <a:ext cx="503853" cy="289249"/>
+          </a:xfrm>
+          <a:prstGeom prst="rect">
+            <a:avLst/>
+          </a:prstGeom>
+          <a:noFill/>
+          <a:ln w="38100">
+            <a:solidFill>
+              <a:schemeClr val="accent4"/>
+            </a:solidFill>
+          </a:ln>
+        </p:spPr>
+        <p:style>
+          <a:lnRef idx="2">
+            <a:schemeClr val="accent1">
+              <a:shade val="50000"/>
+            </a:schemeClr>
+          </a:lnRef>
+          <a:fillRef idx="1">
+            <a:schemeClr val="accent1"/>
+          </a:fillRef>
+          <a:effectRef idx="0">
+            <a:schemeClr val="accent1"/>
+          </a:effectRef>
+          <a:fontRef idx="minor">
+            <a:schemeClr val="lt1"/>
+          </a:fontRef>
+        </p:style>
+        <p:txBody>
+          <a:bodyPr rtlCol="0" anchor="ctr"/>
+          <a:lstStyle/>
+          <a:p>
+            <a:pPr algn="ctr"/>
+            <a:endParaRPr lang="en-US"/>
           </a:p>
         </p:txBody>
       </p:sp>
@@ -9407,10 +10773,10 @@
       </p:grpSpPr>
       <p:sp>
         <p:nvSpPr>
-          <p:cNvPr id="3" name="Text Placeholder 2">
-            <a:extLst>
-              <a:ext uri="{FF2B5EF4-FFF2-40B4-BE49-F238E27FC236}">
-                <a16:creationId xmlns:a16="http://schemas.microsoft.com/office/drawing/2014/main" id="{3A02FC7B-89F4-47A4-82F7-23AE74151938}"/>
+          <p:cNvPr id="9" name="Text Placeholder 1">
+            <a:extLst>
+              <a:ext uri="{FF2B5EF4-FFF2-40B4-BE49-F238E27FC236}">
+                <a16:creationId xmlns:a16="http://schemas.microsoft.com/office/drawing/2014/main" id="{07FEF8E6-CD16-4C23-A69C-998A029F08E3}"/>
               </a:ext>
             </a:extLst>
           </p:cNvPr>
@@ -9418,35 +10784,96 @@
             <a:spLocks noGrp="1"/>
           </p:cNvSpPr>
           <p:nvPr>
-            <p:ph type="body" sz="quarter" idx="12"/>
+            <p:ph type="body" sz="quarter" idx="11"/>
           </p:nvPr>
         </p:nvSpPr>
         <p:spPr>
           <a:xfrm>
-            <a:off x="833718" y="507916"/>
-            <a:ext cx="6743693" cy="300664"/>
+            <a:off x="523200" y="1747043"/>
+            <a:ext cx="11145600" cy="2640000"/>
+          </a:xfrm>
+        </p:spPr>
+        <p:txBody>
+          <a:bodyPr/>
+          <a:lstStyle/>
+          <a:p>
+            <a:pPr algn="ctr"/>
+            <a:r>
+              <a:rPr lang="en-US" sz="3600" dirty="0"/>
+              <a:t>Follow the course at</a:t>
+            </a:r>
+          </a:p>
+          <a:p>
+            <a:pPr algn="ctr"/>
+            <a:endParaRPr lang="en-US" sz="900" dirty="0"/>
+          </a:p>
+          <a:p>
+            <a:pPr algn="ctr"/>
+            <a:r>
+              <a:rPr lang="en-US" sz="4000" dirty="0">
+                <a:hlinkClick r:id="rId2">
+                  <a:extLst>
+                    <a:ext uri="{A12FA001-AC4F-418D-AE19-62706E023703}">
+                      <ahyp:hlinkClr xmlns:ahyp="http://schemas.microsoft.com/office/drawing/2018/hyperlinkcolor" val="tx"/>
+                    </a:ext>
+                  </a:extLst>
+                </a:hlinkClick>
+              </a:rPr>
+              <a:t>mgoutay.github.io</a:t>
+            </a:r>
+            <a:r>
+              <a:rPr lang="en-US" sz="4000" dirty="0"/>
+              <a:t> </a:t>
+            </a:r>
+          </a:p>
+          <a:p>
+            <a:pPr algn="ctr"/>
+            <a:r>
+              <a:rPr lang="en-US" sz="2400" dirty="0">
+                <a:sym typeface="Wingdings" panose="05000000000000000000" pitchFamily="2" charset="2"/>
+              </a:rPr>
+              <a:t>Blog  Machine Learning Course</a:t>
+            </a:r>
+            <a:endParaRPr lang="en-US" sz="2400" dirty="0"/>
+          </a:p>
+        </p:txBody>
+      </p:sp>
+      <p:pic>
+        <p:nvPicPr>
+          <p:cNvPr id="4" name="Picture 3">
+            <a:extLst>
+              <a:ext uri="{FF2B5EF4-FFF2-40B4-BE49-F238E27FC236}">
+                <a16:creationId xmlns:a16="http://schemas.microsoft.com/office/drawing/2014/main" id="{FBAE0D4B-71C5-4C56-84CE-41F5EDDEA690}"/>
+              </a:ext>
+            </a:extLst>
+          </p:cNvPr>
+          <p:cNvPicPr>
+            <a:picLocks noChangeAspect="1"/>
+          </p:cNvPicPr>
+          <p:nvPr/>
+        </p:nvPicPr>
+        <p:blipFill>
+          <a:blip r:embed="rId3"/>
+          <a:stretch>
+            <a:fillRect/>
+          </a:stretch>
+        </p:blipFill>
+        <p:spPr>
+          <a:xfrm>
+            <a:off x="1956318" y="3925009"/>
+            <a:ext cx="8487061" cy="1717793"/>
           </a:xfrm>
           <a:prstGeom prst="rect">
             <a:avLst/>
           </a:prstGeom>
         </p:spPr>
-        <p:txBody>
-          <a:bodyPr/>
-          <a:lstStyle/>
-          <a:p>
-            <a:r>
-              <a:rPr lang="en-US" sz="3200" dirty="0"/>
-              <a:t>1. Introduction to Deep Learning</a:t>
-            </a:r>
-          </a:p>
-        </p:txBody>
-      </p:sp>
+      </p:pic>
       <p:sp>
         <p:nvSpPr>
-          <p:cNvPr id="2" name="Oval 1">
-            <a:extLst>
-              <a:ext uri="{FF2B5EF4-FFF2-40B4-BE49-F238E27FC236}">
-                <a16:creationId xmlns:a16="http://schemas.microsoft.com/office/drawing/2014/main" id="{7772588C-23AD-40BF-AF93-770150C1FFF9}"/>
+          <p:cNvPr id="5" name="Rectangle 4">
+            <a:extLst>
+              <a:ext uri="{FF2B5EF4-FFF2-40B4-BE49-F238E27FC236}">
+                <a16:creationId xmlns:a16="http://schemas.microsoft.com/office/drawing/2014/main" id="{619A53B9-F27C-4011-942D-0DBEBEE5DB4A}"/>
               </a:ext>
             </a:extLst>
           </p:cNvPr>
@@ -9455,20 +10882,17 @@
         </p:nvSpPr>
         <p:spPr>
           <a:xfrm>
-            <a:off x="529203" y="1326776"/>
-            <a:ext cx="11133593" cy="4630272"/>
-          </a:xfrm>
-          <a:prstGeom prst="ellipse">
+            <a:off x="7697756" y="4991877"/>
+            <a:ext cx="503853" cy="289249"/>
+          </a:xfrm>
+          <a:prstGeom prst="rect">
             <a:avLst/>
           </a:prstGeom>
-          <a:solidFill>
-            <a:schemeClr val="tx1">
-              <a:lumMod val="20000"/>
-              <a:lumOff val="80000"/>
-            </a:schemeClr>
-          </a:solidFill>
-          <a:ln>
-            <a:noFill/>
+          <a:noFill/>
+          <a:ln w="38100">
+            <a:solidFill>
+              <a:schemeClr val="accent4"/>
+            </a:solidFill>
           </a:ln>
         </p:spPr>
         <p:style>
@@ -9488,580 +10912,18 @@
           </a:fontRef>
         </p:style>
         <p:txBody>
-          <a:bodyPr rot="0" spcFirstLastPara="0" vertOverflow="overflow" horzOverflow="overflow" vert="horz" wrap="square" lIns="72000" tIns="72000" rIns="72000" bIns="72000" numCol="1" spcCol="0" rtlCol="0" fromWordArt="0" anchor="t" anchorCtr="0" forceAA="0" compatLnSpc="1">
-            <a:prstTxWarp prst="textNoShape">
-              <a:avLst/>
-            </a:prstTxWarp>
-            <a:noAutofit/>
-          </a:bodyPr>
+          <a:bodyPr rtlCol="0" anchor="ctr"/>
           <a:lstStyle/>
           <a:p>
-            <a:pPr algn="l">
-              <a:spcAft>
-                <a:spcPts val="300"/>
-              </a:spcAft>
-              <a:buSzPct val="100000"/>
-            </a:pPr>
-            <a:endParaRPr lang="en-US" sz="1200" dirty="0"/>
-          </a:p>
-        </p:txBody>
-      </p:sp>
-      <p:sp>
-        <p:nvSpPr>
-          <p:cNvPr id="5" name="Oval 4">
-            <a:extLst>
-              <a:ext uri="{FF2B5EF4-FFF2-40B4-BE49-F238E27FC236}">
-                <a16:creationId xmlns:a16="http://schemas.microsoft.com/office/drawing/2014/main" id="{19FBC9E2-33D5-43B1-9C8C-7338C267598E}"/>
-              </a:ext>
-            </a:extLst>
-          </p:cNvPr>
-          <p:cNvSpPr/>
-          <p:nvPr/>
-        </p:nvSpPr>
-        <p:spPr>
-          <a:xfrm>
-            <a:off x="640090" y="1718471"/>
-            <a:ext cx="8937075" cy="3846880"/>
-          </a:xfrm>
-          <a:prstGeom prst="ellipse">
-            <a:avLst/>
-          </a:prstGeom>
-          <a:solidFill>
-            <a:schemeClr val="tx1">
-              <a:lumMod val="40000"/>
-              <a:lumOff val="60000"/>
-            </a:schemeClr>
-          </a:solidFill>
-          <a:ln>
-            <a:noFill/>
-          </a:ln>
-        </p:spPr>
-        <p:style>
-          <a:lnRef idx="2">
-            <a:schemeClr val="accent1">
-              <a:shade val="50000"/>
-            </a:schemeClr>
-          </a:lnRef>
-          <a:fillRef idx="1">
-            <a:schemeClr val="accent1"/>
-          </a:fillRef>
-          <a:effectRef idx="0">
-            <a:schemeClr val="accent1"/>
-          </a:effectRef>
-          <a:fontRef idx="minor">
-            <a:schemeClr val="lt1"/>
-          </a:fontRef>
-        </p:style>
-        <p:txBody>
-          <a:bodyPr rot="0" spcFirstLastPara="0" vertOverflow="overflow" horzOverflow="overflow" vert="horz" wrap="square" lIns="72000" tIns="72000" rIns="72000" bIns="72000" numCol="1" spcCol="0" rtlCol="0" fromWordArt="0" anchor="t" anchorCtr="0" forceAA="0" compatLnSpc="1">
-            <a:prstTxWarp prst="textNoShape">
-              <a:avLst/>
-            </a:prstTxWarp>
-            <a:noAutofit/>
-          </a:bodyPr>
-          <a:lstStyle/>
-          <a:p>
-            <a:pPr algn="l">
-              <a:spcAft>
-                <a:spcPts val="300"/>
-              </a:spcAft>
-              <a:buSzPct val="100000"/>
-            </a:pPr>
-            <a:endParaRPr lang="en-US" sz="1200" dirty="0"/>
-          </a:p>
-        </p:txBody>
-      </p:sp>
-      <p:sp>
-        <p:nvSpPr>
-          <p:cNvPr id="6" name="Oval 5">
-            <a:extLst>
-              <a:ext uri="{FF2B5EF4-FFF2-40B4-BE49-F238E27FC236}">
-                <a16:creationId xmlns:a16="http://schemas.microsoft.com/office/drawing/2014/main" id="{F84A2481-6E7D-454F-8F4B-9F9E1378087E}"/>
-              </a:ext>
-            </a:extLst>
-          </p:cNvPr>
-          <p:cNvSpPr/>
-          <p:nvPr/>
-        </p:nvSpPr>
-        <p:spPr>
-          <a:xfrm>
-            <a:off x="795636" y="2110167"/>
-            <a:ext cx="6593230" cy="3063488"/>
-          </a:xfrm>
-          <a:prstGeom prst="ellipse">
-            <a:avLst/>
-          </a:prstGeom>
-          <a:solidFill>
-            <a:schemeClr val="tx1">
-              <a:lumMod val="60000"/>
-              <a:lumOff val="40000"/>
-            </a:schemeClr>
-          </a:solidFill>
-          <a:ln>
-            <a:noFill/>
-          </a:ln>
-        </p:spPr>
-        <p:style>
-          <a:lnRef idx="2">
-            <a:schemeClr val="accent1">
-              <a:shade val="50000"/>
-            </a:schemeClr>
-          </a:lnRef>
-          <a:fillRef idx="1">
-            <a:schemeClr val="accent1"/>
-          </a:fillRef>
-          <a:effectRef idx="0">
-            <a:schemeClr val="accent1"/>
-          </a:effectRef>
-          <a:fontRef idx="minor">
-            <a:schemeClr val="lt1"/>
-          </a:fontRef>
-        </p:style>
-        <p:txBody>
-          <a:bodyPr rot="0" spcFirstLastPara="0" vertOverflow="overflow" horzOverflow="overflow" vert="horz" wrap="square" lIns="72000" tIns="72000" rIns="72000" bIns="72000" numCol="1" spcCol="0" rtlCol="0" fromWordArt="0" anchor="t" anchorCtr="0" forceAA="0" compatLnSpc="1">
-            <a:prstTxWarp prst="textNoShape">
-              <a:avLst/>
-            </a:prstTxWarp>
-            <a:noAutofit/>
-          </a:bodyPr>
-          <a:lstStyle/>
-          <a:p>
-            <a:pPr algn="l">
-              <a:spcAft>
-                <a:spcPts val="300"/>
-              </a:spcAft>
-              <a:buSzPct val="100000"/>
-            </a:pPr>
-            <a:endParaRPr lang="en-US" sz="1200" dirty="0"/>
-          </a:p>
-        </p:txBody>
-      </p:sp>
-      <p:sp>
-        <p:nvSpPr>
-          <p:cNvPr id="7" name="Oval 6">
-            <a:extLst>
-              <a:ext uri="{FF2B5EF4-FFF2-40B4-BE49-F238E27FC236}">
-                <a16:creationId xmlns:a16="http://schemas.microsoft.com/office/drawing/2014/main" id="{135699C6-7BCC-4BBB-9C55-020E29641B88}"/>
-              </a:ext>
-            </a:extLst>
-          </p:cNvPr>
-          <p:cNvSpPr/>
-          <p:nvPr/>
-        </p:nvSpPr>
-        <p:spPr>
-          <a:xfrm>
-            <a:off x="994955" y="2407034"/>
-            <a:ext cx="3827771" cy="2469754"/>
-          </a:xfrm>
-          <a:prstGeom prst="ellipse">
-            <a:avLst/>
-          </a:prstGeom>
-          <a:solidFill>
-            <a:schemeClr val="tx1"/>
-          </a:solidFill>
-          <a:ln>
-            <a:noFill/>
-          </a:ln>
-        </p:spPr>
-        <p:style>
-          <a:lnRef idx="2">
-            <a:schemeClr val="accent1">
-              <a:shade val="50000"/>
-            </a:schemeClr>
-          </a:lnRef>
-          <a:fillRef idx="1">
-            <a:schemeClr val="accent1"/>
-          </a:fillRef>
-          <a:effectRef idx="0">
-            <a:schemeClr val="accent1"/>
-          </a:effectRef>
-          <a:fontRef idx="minor">
-            <a:schemeClr val="lt1"/>
-          </a:fontRef>
-        </p:style>
-        <p:txBody>
-          <a:bodyPr rot="0" spcFirstLastPara="0" vertOverflow="overflow" horzOverflow="overflow" vert="horz" wrap="square" lIns="72000" tIns="72000" rIns="72000" bIns="72000" numCol="1" spcCol="0" rtlCol="0" fromWordArt="0" anchor="ctr" anchorCtr="0" forceAA="0" compatLnSpc="1">
-            <a:prstTxWarp prst="textNoShape">
-              <a:avLst/>
-            </a:prstTxWarp>
-            <a:noAutofit/>
-          </a:bodyPr>
-          <a:lstStyle/>
-          <a:p>
-            <a:pPr algn="ctr">
-              <a:spcAft>
-                <a:spcPts val="300"/>
-              </a:spcAft>
-              <a:buSzPct val="100000"/>
-            </a:pPr>
-            <a:endParaRPr lang="en-US" sz="2000" b="1" dirty="0"/>
-          </a:p>
-        </p:txBody>
-      </p:sp>
-      <p:sp>
-        <p:nvSpPr>
-          <p:cNvPr id="4" name="TextBox 3">
-            <a:extLst>
-              <a:ext uri="{FF2B5EF4-FFF2-40B4-BE49-F238E27FC236}">
-                <a16:creationId xmlns:a16="http://schemas.microsoft.com/office/drawing/2014/main" id="{16B4EF32-8161-41F7-B852-2F77429C78FB}"/>
-              </a:ext>
-            </a:extLst>
-          </p:cNvPr>
-          <p:cNvSpPr txBox="1"/>
-          <p:nvPr/>
-        </p:nvSpPr>
-        <p:spPr>
-          <a:xfrm>
-            <a:off x="1371313" y="3131801"/>
-            <a:ext cx="2752165" cy="1020220"/>
-          </a:xfrm>
-          <a:prstGeom prst="rect">
-            <a:avLst/>
-          </a:prstGeom>
-          <a:noFill/>
-        </p:spPr>
-        <p:txBody>
-          <a:bodyPr wrap="none" lIns="72000" tIns="72000" rIns="72000" bIns="72000" rtlCol="0">
-            <a:noAutofit/>
-          </a:bodyPr>
-          <a:lstStyle/>
-          <a:p>
-            <a:pPr algn="ctr">
-              <a:spcAft>
-                <a:spcPts val="300"/>
-              </a:spcAft>
-              <a:buSzPct val="100000"/>
-            </a:pPr>
-            <a:r>
-              <a:rPr lang="en-US" sz="2400" dirty="0">
-                <a:solidFill>
-                  <a:schemeClr val="bg1"/>
-                </a:solidFill>
-              </a:rPr>
-              <a:t>Deep learning</a:t>
-            </a:r>
-          </a:p>
-          <a:p>
-            <a:pPr algn="ctr">
-              <a:spcAft>
-                <a:spcPts val="300"/>
-              </a:spcAft>
-              <a:buSzPct val="100000"/>
-            </a:pPr>
-            <a:endParaRPr lang="en-US" sz="800" dirty="0">
-              <a:solidFill>
-                <a:schemeClr val="bg1"/>
-              </a:solidFill>
-            </a:endParaRPr>
-          </a:p>
-          <a:p>
-            <a:pPr algn="ctr">
-              <a:spcAft>
-                <a:spcPts val="300"/>
-              </a:spcAft>
-              <a:buSzPct val="100000"/>
-            </a:pPr>
-            <a:r>
-              <a:rPr lang="en-US" sz="2000" dirty="0">
-                <a:solidFill>
-                  <a:schemeClr val="bg1"/>
-                </a:solidFill>
-              </a:rPr>
-              <a:t>Ex : MLPs</a:t>
-            </a:r>
-          </a:p>
-        </p:txBody>
-      </p:sp>
-      <p:sp>
-        <p:nvSpPr>
-          <p:cNvPr id="9" name="TextBox 8">
-            <a:extLst>
-              <a:ext uri="{FF2B5EF4-FFF2-40B4-BE49-F238E27FC236}">
-                <a16:creationId xmlns:a16="http://schemas.microsoft.com/office/drawing/2014/main" id="{7A401619-96D4-41F8-B65B-B5B1D2A4CABE}"/>
-              </a:ext>
-            </a:extLst>
-          </p:cNvPr>
-          <p:cNvSpPr txBox="1"/>
-          <p:nvPr/>
-        </p:nvSpPr>
-        <p:spPr>
-          <a:xfrm>
-            <a:off x="4447781" y="2759780"/>
-            <a:ext cx="2752165" cy="1764262"/>
-          </a:xfrm>
-          <a:prstGeom prst="rect">
-            <a:avLst/>
-          </a:prstGeom>
-          <a:noFill/>
-        </p:spPr>
-        <p:txBody>
-          <a:bodyPr wrap="none" lIns="72000" tIns="72000" rIns="72000" bIns="72000" rtlCol="0">
-            <a:noAutofit/>
-          </a:bodyPr>
-          <a:lstStyle/>
-          <a:p>
-            <a:pPr algn="ctr">
-              <a:spcAft>
-                <a:spcPts val="300"/>
-              </a:spcAft>
-              <a:buSzPct val="100000"/>
-            </a:pPr>
-            <a:r>
-              <a:rPr lang="en-US" sz="2400" dirty="0">
-                <a:solidFill>
-                  <a:schemeClr val="bg1"/>
-                </a:solidFill>
-              </a:rPr>
-              <a:t>Representation </a:t>
-            </a:r>
-          </a:p>
-          <a:p>
-            <a:pPr algn="ctr">
-              <a:spcAft>
-                <a:spcPts val="300"/>
-              </a:spcAft>
-              <a:buSzPct val="100000"/>
-            </a:pPr>
-            <a:r>
-              <a:rPr lang="en-US" sz="2400" dirty="0">
-                <a:solidFill>
-                  <a:schemeClr val="bg1"/>
-                </a:solidFill>
-              </a:rPr>
-              <a:t>learning</a:t>
-            </a:r>
-          </a:p>
-          <a:p>
-            <a:pPr algn="ctr">
-              <a:spcAft>
-                <a:spcPts val="300"/>
-              </a:spcAft>
-              <a:buSzPct val="100000"/>
-            </a:pPr>
-            <a:endParaRPr lang="en-US" sz="800" dirty="0">
-              <a:solidFill>
-                <a:schemeClr val="bg1"/>
-              </a:solidFill>
-            </a:endParaRPr>
-          </a:p>
-          <a:p>
-            <a:pPr algn="ctr">
-              <a:spcAft>
-                <a:spcPts val="300"/>
-              </a:spcAft>
-              <a:buSzPct val="100000"/>
-            </a:pPr>
-            <a:r>
-              <a:rPr lang="en-US" sz="2000" dirty="0">
-                <a:solidFill>
-                  <a:schemeClr val="bg1"/>
-                </a:solidFill>
-              </a:rPr>
-              <a:t>Ex : Shallow </a:t>
-            </a:r>
-          </a:p>
-          <a:p>
-            <a:pPr algn="ctr">
-              <a:spcAft>
-                <a:spcPts val="300"/>
-              </a:spcAft>
-              <a:buSzPct val="100000"/>
-            </a:pPr>
-            <a:r>
-              <a:rPr lang="en-US" sz="2000" dirty="0">
-                <a:solidFill>
-                  <a:schemeClr val="bg1"/>
-                </a:solidFill>
-              </a:rPr>
-              <a:t>autoencoder</a:t>
-            </a:r>
-          </a:p>
-        </p:txBody>
-      </p:sp>
-      <p:sp>
-        <p:nvSpPr>
-          <p:cNvPr id="10" name="TextBox 9">
-            <a:extLst>
-              <a:ext uri="{FF2B5EF4-FFF2-40B4-BE49-F238E27FC236}">
-                <a16:creationId xmlns:a16="http://schemas.microsoft.com/office/drawing/2014/main" id="{A2A202CE-DDD3-4547-B66D-3FE880B4C767}"/>
-              </a:ext>
-            </a:extLst>
-          </p:cNvPr>
-          <p:cNvSpPr txBox="1"/>
-          <p:nvPr/>
-        </p:nvSpPr>
-        <p:spPr>
-          <a:xfrm>
-            <a:off x="6825000" y="2723110"/>
-            <a:ext cx="2752165" cy="1764262"/>
-          </a:xfrm>
-          <a:prstGeom prst="rect">
-            <a:avLst/>
-          </a:prstGeom>
-          <a:noFill/>
-        </p:spPr>
-        <p:txBody>
-          <a:bodyPr wrap="none" lIns="72000" tIns="72000" rIns="72000" bIns="72000" rtlCol="0">
-            <a:noAutofit/>
-          </a:bodyPr>
-          <a:lstStyle/>
-          <a:p>
-            <a:pPr algn="ctr">
-              <a:spcAft>
-                <a:spcPts val="300"/>
-              </a:spcAft>
-              <a:buSzPct val="100000"/>
-            </a:pPr>
-            <a:r>
-              <a:rPr lang="en-US" sz="2400" dirty="0">
-                <a:solidFill>
-                  <a:schemeClr val="bg1"/>
-                </a:solidFill>
-              </a:rPr>
-              <a:t>Machine</a:t>
-            </a:r>
-          </a:p>
-          <a:p>
-            <a:pPr algn="ctr">
-              <a:spcAft>
-                <a:spcPts val="300"/>
-              </a:spcAft>
-              <a:buSzPct val="100000"/>
-            </a:pPr>
-            <a:r>
-              <a:rPr lang="en-US" sz="2400" dirty="0">
-                <a:solidFill>
-                  <a:schemeClr val="bg1"/>
-                </a:solidFill>
-              </a:rPr>
-              <a:t>learning</a:t>
-            </a:r>
-          </a:p>
-          <a:p>
-            <a:pPr algn="ctr">
-              <a:spcAft>
-                <a:spcPts val="300"/>
-              </a:spcAft>
-              <a:buSzPct val="100000"/>
-            </a:pPr>
-            <a:endParaRPr lang="en-US" sz="800" dirty="0">
-              <a:solidFill>
-                <a:schemeClr val="bg1"/>
-              </a:solidFill>
-            </a:endParaRPr>
-          </a:p>
-          <a:p>
-            <a:pPr algn="ctr">
-              <a:spcAft>
-                <a:spcPts val="300"/>
-              </a:spcAft>
-              <a:buSzPct val="100000"/>
-            </a:pPr>
-            <a:r>
-              <a:rPr lang="en-US" sz="2000" dirty="0">
-                <a:solidFill>
-                  <a:schemeClr val="bg1"/>
-                </a:solidFill>
-              </a:rPr>
-              <a:t>Ex : Logistic</a:t>
-            </a:r>
-          </a:p>
-          <a:p>
-            <a:pPr algn="ctr">
-              <a:spcAft>
-                <a:spcPts val="300"/>
-              </a:spcAft>
-              <a:buSzPct val="100000"/>
-            </a:pPr>
-            <a:r>
-              <a:rPr lang="en-US" sz="2000" dirty="0">
-                <a:solidFill>
-                  <a:schemeClr val="bg1"/>
-                </a:solidFill>
-              </a:rPr>
-              <a:t>Regression</a:t>
-            </a:r>
-          </a:p>
-        </p:txBody>
-      </p:sp>
-      <p:sp>
-        <p:nvSpPr>
-          <p:cNvPr id="11" name="TextBox 10">
-            <a:extLst>
-              <a:ext uri="{FF2B5EF4-FFF2-40B4-BE49-F238E27FC236}">
-                <a16:creationId xmlns:a16="http://schemas.microsoft.com/office/drawing/2014/main" id="{F037D26D-2125-478B-9AF6-E8361277409C}"/>
-              </a:ext>
-            </a:extLst>
-          </p:cNvPr>
-          <p:cNvSpPr txBox="1"/>
-          <p:nvPr/>
-        </p:nvSpPr>
-        <p:spPr>
-          <a:xfrm>
-            <a:off x="9251290" y="2951687"/>
-            <a:ext cx="2752165" cy="1764262"/>
-          </a:xfrm>
-          <a:prstGeom prst="rect">
-            <a:avLst/>
-          </a:prstGeom>
-          <a:noFill/>
-        </p:spPr>
-        <p:txBody>
-          <a:bodyPr wrap="none" lIns="72000" tIns="72000" rIns="72000" bIns="72000" rtlCol="0">
-            <a:noAutofit/>
-          </a:bodyPr>
-          <a:lstStyle/>
-          <a:p>
-            <a:pPr algn="ctr">
-              <a:spcAft>
-                <a:spcPts val="300"/>
-              </a:spcAft>
-              <a:buSzPct val="100000"/>
-            </a:pPr>
-            <a:r>
-              <a:rPr lang="en-US" sz="2400" dirty="0"/>
-              <a:t>AI</a:t>
-            </a:r>
-          </a:p>
-          <a:p>
-            <a:pPr algn="ctr">
-              <a:spcAft>
-                <a:spcPts val="300"/>
-              </a:spcAft>
-              <a:buSzPct val="100000"/>
-            </a:pPr>
-            <a:endParaRPr lang="en-US" sz="800" dirty="0"/>
-          </a:p>
-          <a:p>
-            <a:pPr algn="ctr">
-              <a:spcAft>
-                <a:spcPts val="300"/>
-              </a:spcAft>
-              <a:buSzPct val="100000"/>
-            </a:pPr>
-            <a:r>
-              <a:rPr lang="en-US" sz="2000" dirty="0"/>
-              <a:t>Ex : Knowledge</a:t>
-            </a:r>
-          </a:p>
-          <a:p>
-            <a:pPr algn="ctr">
-              <a:spcAft>
-                <a:spcPts val="300"/>
-              </a:spcAft>
-              <a:buSzPct val="100000"/>
-            </a:pPr>
-            <a:r>
-              <a:rPr lang="en-US" sz="2000" dirty="0"/>
-              <a:t>base</a:t>
-            </a:r>
+            <a:pPr algn="ctr"/>
+            <a:endParaRPr lang="en-US"/>
           </a:p>
         </p:txBody>
       </p:sp>
     </p:spTree>
     <p:extLst>
       <p:ext uri="{BB962C8B-B14F-4D97-AF65-F5344CB8AC3E}">
-        <p14:creationId xmlns:p14="http://schemas.microsoft.com/office/powerpoint/2010/main" val="1130529890"/>
+        <p14:creationId xmlns:p14="http://schemas.microsoft.com/office/powerpoint/2010/main" val="3871367454"/>
       </p:ext>
     </p:extLst>
   </p:cSld>
@@ -10124,6 +10986,689 @@
           </a:p>
         </p:txBody>
       </p:sp>
+      <p:sp>
+        <p:nvSpPr>
+          <p:cNvPr id="2" name="Oval 1">
+            <a:extLst>
+              <a:ext uri="{FF2B5EF4-FFF2-40B4-BE49-F238E27FC236}">
+                <a16:creationId xmlns:a16="http://schemas.microsoft.com/office/drawing/2014/main" id="{7772588C-23AD-40BF-AF93-770150C1FFF9}"/>
+              </a:ext>
+            </a:extLst>
+          </p:cNvPr>
+          <p:cNvSpPr/>
+          <p:nvPr/>
+        </p:nvSpPr>
+        <p:spPr>
+          <a:xfrm>
+            <a:off x="529203" y="1326776"/>
+            <a:ext cx="11133593" cy="4630272"/>
+          </a:xfrm>
+          <a:prstGeom prst="ellipse">
+            <a:avLst/>
+          </a:prstGeom>
+          <a:solidFill>
+            <a:schemeClr val="tx1">
+              <a:lumMod val="20000"/>
+              <a:lumOff val="80000"/>
+            </a:schemeClr>
+          </a:solidFill>
+          <a:ln>
+            <a:noFill/>
+          </a:ln>
+        </p:spPr>
+        <p:style>
+          <a:lnRef idx="2">
+            <a:schemeClr val="accent1">
+              <a:shade val="50000"/>
+            </a:schemeClr>
+          </a:lnRef>
+          <a:fillRef idx="1">
+            <a:schemeClr val="accent1"/>
+          </a:fillRef>
+          <a:effectRef idx="0">
+            <a:schemeClr val="accent1"/>
+          </a:effectRef>
+          <a:fontRef idx="minor">
+            <a:schemeClr val="lt1"/>
+          </a:fontRef>
+        </p:style>
+        <p:txBody>
+          <a:bodyPr rot="0" spcFirstLastPara="0" vertOverflow="overflow" horzOverflow="overflow" vert="horz" wrap="square" lIns="72000" tIns="72000" rIns="72000" bIns="72000" numCol="1" spcCol="0" rtlCol="0" fromWordArt="0" anchor="t" anchorCtr="0" forceAA="0" compatLnSpc="1">
+            <a:prstTxWarp prst="textNoShape">
+              <a:avLst/>
+            </a:prstTxWarp>
+            <a:noAutofit/>
+          </a:bodyPr>
+          <a:lstStyle/>
+          <a:p>
+            <a:pPr algn="l">
+              <a:spcAft>
+                <a:spcPts val="300"/>
+              </a:spcAft>
+              <a:buSzPct val="100000"/>
+            </a:pPr>
+            <a:endParaRPr lang="en-US" sz="1200" dirty="0"/>
+          </a:p>
+        </p:txBody>
+      </p:sp>
+      <p:sp>
+        <p:nvSpPr>
+          <p:cNvPr id="5" name="Oval 4">
+            <a:extLst>
+              <a:ext uri="{FF2B5EF4-FFF2-40B4-BE49-F238E27FC236}">
+                <a16:creationId xmlns:a16="http://schemas.microsoft.com/office/drawing/2014/main" id="{19FBC9E2-33D5-43B1-9C8C-7338C267598E}"/>
+              </a:ext>
+            </a:extLst>
+          </p:cNvPr>
+          <p:cNvSpPr/>
+          <p:nvPr/>
+        </p:nvSpPr>
+        <p:spPr>
+          <a:xfrm>
+            <a:off x="640090" y="1718471"/>
+            <a:ext cx="8937075" cy="3846880"/>
+          </a:xfrm>
+          <a:prstGeom prst="ellipse">
+            <a:avLst/>
+          </a:prstGeom>
+          <a:solidFill>
+            <a:schemeClr val="tx1">
+              <a:lumMod val="40000"/>
+              <a:lumOff val="60000"/>
+            </a:schemeClr>
+          </a:solidFill>
+          <a:ln>
+            <a:noFill/>
+          </a:ln>
+        </p:spPr>
+        <p:style>
+          <a:lnRef idx="2">
+            <a:schemeClr val="accent1">
+              <a:shade val="50000"/>
+            </a:schemeClr>
+          </a:lnRef>
+          <a:fillRef idx="1">
+            <a:schemeClr val="accent1"/>
+          </a:fillRef>
+          <a:effectRef idx="0">
+            <a:schemeClr val="accent1"/>
+          </a:effectRef>
+          <a:fontRef idx="minor">
+            <a:schemeClr val="lt1"/>
+          </a:fontRef>
+        </p:style>
+        <p:txBody>
+          <a:bodyPr rot="0" spcFirstLastPara="0" vertOverflow="overflow" horzOverflow="overflow" vert="horz" wrap="square" lIns="72000" tIns="72000" rIns="72000" bIns="72000" numCol="1" spcCol="0" rtlCol="0" fromWordArt="0" anchor="t" anchorCtr="0" forceAA="0" compatLnSpc="1">
+            <a:prstTxWarp prst="textNoShape">
+              <a:avLst/>
+            </a:prstTxWarp>
+            <a:noAutofit/>
+          </a:bodyPr>
+          <a:lstStyle/>
+          <a:p>
+            <a:pPr algn="l">
+              <a:spcAft>
+                <a:spcPts val="300"/>
+              </a:spcAft>
+              <a:buSzPct val="100000"/>
+            </a:pPr>
+            <a:endParaRPr lang="en-US" sz="1200" dirty="0"/>
+          </a:p>
+        </p:txBody>
+      </p:sp>
+      <p:sp>
+        <p:nvSpPr>
+          <p:cNvPr id="6" name="Oval 5">
+            <a:extLst>
+              <a:ext uri="{FF2B5EF4-FFF2-40B4-BE49-F238E27FC236}">
+                <a16:creationId xmlns:a16="http://schemas.microsoft.com/office/drawing/2014/main" id="{F84A2481-6E7D-454F-8F4B-9F9E1378087E}"/>
+              </a:ext>
+            </a:extLst>
+          </p:cNvPr>
+          <p:cNvSpPr/>
+          <p:nvPr/>
+        </p:nvSpPr>
+        <p:spPr>
+          <a:xfrm>
+            <a:off x="795636" y="2110167"/>
+            <a:ext cx="6593230" cy="3063488"/>
+          </a:xfrm>
+          <a:prstGeom prst="ellipse">
+            <a:avLst/>
+          </a:prstGeom>
+          <a:solidFill>
+            <a:schemeClr val="tx1">
+              <a:lumMod val="60000"/>
+              <a:lumOff val="40000"/>
+            </a:schemeClr>
+          </a:solidFill>
+          <a:ln>
+            <a:noFill/>
+          </a:ln>
+        </p:spPr>
+        <p:style>
+          <a:lnRef idx="2">
+            <a:schemeClr val="accent1">
+              <a:shade val="50000"/>
+            </a:schemeClr>
+          </a:lnRef>
+          <a:fillRef idx="1">
+            <a:schemeClr val="accent1"/>
+          </a:fillRef>
+          <a:effectRef idx="0">
+            <a:schemeClr val="accent1"/>
+          </a:effectRef>
+          <a:fontRef idx="minor">
+            <a:schemeClr val="lt1"/>
+          </a:fontRef>
+        </p:style>
+        <p:txBody>
+          <a:bodyPr rot="0" spcFirstLastPara="0" vertOverflow="overflow" horzOverflow="overflow" vert="horz" wrap="square" lIns="72000" tIns="72000" rIns="72000" bIns="72000" numCol="1" spcCol="0" rtlCol="0" fromWordArt="0" anchor="t" anchorCtr="0" forceAA="0" compatLnSpc="1">
+            <a:prstTxWarp prst="textNoShape">
+              <a:avLst/>
+            </a:prstTxWarp>
+            <a:noAutofit/>
+          </a:bodyPr>
+          <a:lstStyle/>
+          <a:p>
+            <a:pPr algn="l">
+              <a:spcAft>
+                <a:spcPts val="300"/>
+              </a:spcAft>
+              <a:buSzPct val="100000"/>
+            </a:pPr>
+            <a:endParaRPr lang="en-US" sz="1200" dirty="0"/>
+          </a:p>
+        </p:txBody>
+      </p:sp>
+      <p:sp>
+        <p:nvSpPr>
+          <p:cNvPr id="7" name="Oval 6">
+            <a:extLst>
+              <a:ext uri="{FF2B5EF4-FFF2-40B4-BE49-F238E27FC236}">
+                <a16:creationId xmlns:a16="http://schemas.microsoft.com/office/drawing/2014/main" id="{135699C6-7BCC-4BBB-9C55-020E29641B88}"/>
+              </a:ext>
+            </a:extLst>
+          </p:cNvPr>
+          <p:cNvSpPr/>
+          <p:nvPr/>
+        </p:nvSpPr>
+        <p:spPr>
+          <a:xfrm>
+            <a:off x="994955" y="2407034"/>
+            <a:ext cx="3827771" cy="2469754"/>
+          </a:xfrm>
+          <a:prstGeom prst="ellipse">
+            <a:avLst/>
+          </a:prstGeom>
+          <a:solidFill>
+            <a:schemeClr val="tx1"/>
+          </a:solidFill>
+          <a:ln>
+            <a:noFill/>
+          </a:ln>
+        </p:spPr>
+        <p:style>
+          <a:lnRef idx="2">
+            <a:schemeClr val="accent1">
+              <a:shade val="50000"/>
+            </a:schemeClr>
+          </a:lnRef>
+          <a:fillRef idx="1">
+            <a:schemeClr val="accent1"/>
+          </a:fillRef>
+          <a:effectRef idx="0">
+            <a:schemeClr val="accent1"/>
+          </a:effectRef>
+          <a:fontRef idx="minor">
+            <a:schemeClr val="lt1"/>
+          </a:fontRef>
+        </p:style>
+        <p:txBody>
+          <a:bodyPr rot="0" spcFirstLastPara="0" vertOverflow="overflow" horzOverflow="overflow" vert="horz" wrap="square" lIns="72000" tIns="72000" rIns="72000" bIns="72000" numCol="1" spcCol="0" rtlCol="0" fromWordArt="0" anchor="ctr" anchorCtr="0" forceAA="0" compatLnSpc="1">
+            <a:prstTxWarp prst="textNoShape">
+              <a:avLst/>
+            </a:prstTxWarp>
+            <a:noAutofit/>
+          </a:bodyPr>
+          <a:lstStyle/>
+          <a:p>
+            <a:pPr algn="ctr">
+              <a:spcAft>
+                <a:spcPts val="300"/>
+              </a:spcAft>
+              <a:buSzPct val="100000"/>
+            </a:pPr>
+            <a:endParaRPr lang="en-US" sz="2000" b="1" dirty="0"/>
+          </a:p>
+        </p:txBody>
+      </p:sp>
+      <p:sp>
+        <p:nvSpPr>
+          <p:cNvPr id="4" name="TextBox 3">
+            <a:extLst>
+              <a:ext uri="{FF2B5EF4-FFF2-40B4-BE49-F238E27FC236}">
+                <a16:creationId xmlns:a16="http://schemas.microsoft.com/office/drawing/2014/main" id="{16B4EF32-8161-41F7-B852-2F77429C78FB}"/>
+              </a:ext>
+            </a:extLst>
+          </p:cNvPr>
+          <p:cNvSpPr txBox="1"/>
+          <p:nvPr/>
+        </p:nvSpPr>
+        <p:spPr>
+          <a:xfrm>
+            <a:off x="1371313" y="3131801"/>
+            <a:ext cx="2752165" cy="1020220"/>
+          </a:xfrm>
+          <a:prstGeom prst="rect">
+            <a:avLst/>
+          </a:prstGeom>
+          <a:noFill/>
+        </p:spPr>
+        <p:txBody>
+          <a:bodyPr wrap="none" lIns="72000" tIns="72000" rIns="72000" bIns="72000" rtlCol="0">
+            <a:noAutofit/>
+          </a:bodyPr>
+          <a:lstStyle/>
+          <a:p>
+            <a:pPr algn="ctr">
+              <a:spcAft>
+                <a:spcPts val="300"/>
+              </a:spcAft>
+              <a:buSzPct val="100000"/>
+            </a:pPr>
+            <a:r>
+              <a:rPr lang="en-US" sz="2400" dirty="0">
+                <a:solidFill>
+                  <a:schemeClr val="bg1"/>
+                </a:solidFill>
+              </a:rPr>
+              <a:t>Deep learning</a:t>
+            </a:r>
+          </a:p>
+          <a:p>
+            <a:pPr algn="ctr">
+              <a:spcAft>
+                <a:spcPts val="300"/>
+              </a:spcAft>
+              <a:buSzPct val="100000"/>
+            </a:pPr>
+            <a:endParaRPr lang="en-US" sz="800" dirty="0">
+              <a:solidFill>
+                <a:schemeClr val="bg1"/>
+              </a:solidFill>
+            </a:endParaRPr>
+          </a:p>
+          <a:p>
+            <a:pPr algn="ctr">
+              <a:spcAft>
+                <a:spcPts val="300"/>
+              </a:spcAft>
+              <a:buSzPct val="100000"/>
+            </a:pPr>
+            <a:r>
+              <a:rPr lang="en-US" sz="2000" dirty="0">
+                <a:solidFill>
+                  <a:schemeClr val="bg1"/>
+                </a:solidFill>
+              </a:rPr>
+              <a:t>Ex : MLPs</a:t>
+            </a:r>
+          </a:p>
+        </p:txBody>
+      </p:sp>
+      <p:sp>
+        <p:nvSpPr>
+          <p:cNvPr id="9" name="TextBox 8">
+            <a:extLst>
+              <a:ext uri="{FF2B5EF4-FFF2-40B4-BE49-F238E27FC236}">
+                <a16:creationId xmlns:a16="http://schemas.microsoft.com/office/drawing/2014/main" id="{7A401619-96D4-41F8-B65B-B5B1D2A4CABE}"/>
+              </a:ext>
+            </a:extLst>
+          </p:cNvPr>
+          <p:cNvSpPr txBox="1"/>
+          <p:nvPr/>
+        </p:nvSpPr>
+        <p:spPr>
+          <a:xfrm>
+            <a:off x="4447781" y="2759780"/>
+            <a:ext cx="2752165" cy="1764262"/>
+          </a:xfrm>
+          <a:prstGeom prst="rect">
+            <a:avLst/>
+          </a:prstGeom>
+          <a:noFill/>
+        </p:spPr>
+        <p:txBody>
+          <a:bodyPr wrap="none" lIns="72000" tIns="72000" rIns="72000" bIns="72000" rtlCol="0">
+            <a:noAutofit/>
+          </a:bodyPr>
+          <a:lstStyle/>
+          <a:p>
+            <a:pPr algn="ctr">
+              <a:spcAft>
+                <a:spcPts val="300"/>
+              </a:spcAft>
+              <a:buSzPct val="100000"/>
+            </a:pPr>
+            <a:r>
+              <a:rPr lang="en-US" sz="2400" dirty="0">
+                <a:solidFill>
+                  <a:schemeClr val="bg1"/>
+                </a:solidFill>
+              </a:rPr>
+              <a:t>Representation </a:t>
+            </a:r>
+          </a:p>
+          <a:p>
+            <a:pPr algn="ctr">
+              <a:spcAft>
+                <a:spcPts val="300"/>
+              </a:spcAft>
+              <a:buSzPct val="100000"/>
+            </a:pPr>
+            <a:r>
+              <a:rPr lang="en-US" sz="2400" dirty="0">
+                <a:solidFill>
+                  <a:schemeClr val="bg1"/>
+                </a:solidFill>
+              </a:rPr>
+              <a:t>learning</a:t>
+            </a:r>
+          </a:p>
+          <a:p>
+            <a:pPr algn="ctr">
+              <a:spcAft>
+                <a:spcPts val="300"/>
+              </a:spcAft>
+              <a:buSzPct val="100000"/>
+            </a:pPr>
+            <a:endParaRPr lang="en-US" sz="800" dirty="0">
+              <a:solidFill>
+                <a:schemeClr val="bg1"/>
+              </a:solidFill>
+            </a:endParaRPr>
+          </a:p>
+          <a:p>
+            <a:pPr algn="ctr">
+              <a:spcAft>
+                <a:spcPts val="300"/>
+              </a:spcAft>
+              <a:buSzPct val="100000"/>
+            </a:pPr>
+            <a:r>
+              <a:rPr lang="en-US" sz="2000" dirty="0">
+                <a:solidFill>
+                  <a:schemeClr val="bg1"/>
+                </a:solidFill>
+              </a:rPr>
+              <a:t>Ex : Shallow </a:t>
+            </a:r>
+          </a:p>
+          <a:p>
+            <a:pPr algn="ctr">
+              <a:spcAft>
+                <a:spcPts val="300"/>
+              </a:spcAft>
+              <a:buSzPct val="100000"/>
+            </a:pPr>
+            <a:r>
+              <a:rPr lang="en-US" sz="2000" dirty="0">
+                <a:solidFill>
+                  <a:schemeClr val="bg1"/>
+                </a:solidFill>
+              </a:rPr>
+              <a:t>autoencoder</a:t>
+            </a:r>
+          </a:p>
+        </p:txBody>
+      </p:sp>
+      <p:sp>
+        <p:nvSpPr>
+          <p:cNvPr id="10" name="TextBox 9">
+            <a:extLst>
+              <a:ext uri="{FF2B5EF4-FFF2-40B4-BE49-F238E27FC236}">
+                <a16:creationId xmlns:a16="http://schemas.microsoft.com/office/drawing/2014/main" id="{A2A202CE-DDD3-4547-B66D-3FE880B4C767}"/>
+              </a:ext>
+            </a:extLst>
+          </p:cNvPr>
+          <p:cNvSpPr txBox="1"/>
+          <p:nvPr/>
+        </p:nvSpPr>
+        <p:spPr>
+          <a:xfrm>
+            <a:off x="6825000" y="2723110"/>
+            <a:ext cx="2752165" cy="1764262"/>
+          </a:xfrm>
+          <a:prstGeom prst="rect">
+            <a:avLst/>
+          </a:prstGeom>
+          <a:noFill/>
+        </p:spPr>
+        <p:txBody>
+          <a:bodyPr wrap="none" lIns="72000" tIns="72000" rIns="72000" bIns="72000" rtlCol="0">
+            <a:noAutofit/>
+          </a:bodyPr>
+          <a:lstStyle/>
+          <a:p>
+            <a:pPr algn="ctr">
+              <a:spcAft>
+                <a:spcPts val="300"/>
+              </a:spcAft>
+              <a:buSzPct val="100000"/>
+            </a:pPr>
+            <a:r>
+              <a:rPr lang="en-US" sz="2400" dirty="0">
+                <a:solidFill>
+                  <a:schemeClr val="bg1"/>
+                </a:solidFill>
+              </a:rPr>
+              <a:t>Machine</a:t>
+            </a:r>
+          </a:p>
+          <a:p>
+            <a:pPr algn="ctr">
+              <a:spcAft>
+                <a:spcPts val="300"/>
+              </a:spcAft>
+              <a:buSzPct val="100000"/>
+            </a:pPr>
+            <a:r>
+              <a:rPr lang="en-US" sz="2400" dirty="0">
+                <a:solidFill>
+                  <a:schemeClr val="bg1"/>
+                </a:solidFill>
+              </a:rPr>
+              <a:t>learning</a:t>
+            </a:r>
+          </a:p>
+          <a:p>
+            <a:pPr algn="ctr">
+              <a:spcAft>
+                <a:spcPts val="300"/>
+              </a:spcAft>
+              <a:buSzPct val="100000"/>
+            </a:pPr>
+            <a:endParaRPr lang="en-US" sz="800" dirty="0">
+              <a:solidFill>
+                <a:schemeClr val="bg1"/>
+              </a:solidFill>
+            </a:endParaRPr>
+          </a:p>
+          <a:p>
+            <a:pPr algn="ctr">
+              <a:spcAft>
+                <a:spcPts val="300"/>
+              </a:spcAft>
+              <a:buSzPct val="100000"/>
+            </a:pPr>
+            <a:r>
+              <a:rPr lang="en-US" sz="2000" dirty="0">
+                <a:solidFill>
+                  <a:schemeClr val="bg1"/>
+                </a:solidFill>
+              </a:rPr>
+              <a:t>Ex : Logistic</a:t>
+            </a:r>
+          </a:p>
+          <a:p>
+            <a:pPr algn="ctr">
+              <a:spcAft>
+                <a:spcPts val="300"/>
+              </a:spcAft>
+              <a:buSzPct val="100000"/>
+            </a:pPr>
+            <a:r>
+              <a:rPr lang="en-US" sz="2000" dirty="0">
+                <a:solidFill>
+                  <a:schemeClr val="bg1"/>
+                </a:solidFill>
+              </a:rPr>
+              <a:t>Regression</a:t>
+            </a:r>
+          </a:p>
+        </p:txBody>
+      </p:sp>
+      <p:sp>
+        <p:nvSpPr>
+          <p:cNvPr id="11" name="TextBox 10">
+            <a:extLst>
+              <a:ext uri="{FF2B5EF4-FFF2-40B4-BE49-F238E27FC236}">
+                <a16:creationId xmlns:a16="http://schemas.microsoft.com/office/drawing/2014/main" id="{F037D26D-2125-478B-9AF6-E8361277409C}"/>
+              </a:ext>
+            </a:extLst>
+          </p:cNvPr>
+          <p:cNvSpPr txBox="1"/>
+          <p:nvPr/>
+        </p:nvSpPr>
+        <p:spPr>
+          <a:xfrm>
+            <a:off x="9251290" y="2951687"/>
+            <a:ext cx="2752165" cy="1764262"/>
+          </a:xfrm>
+          <a:prstGeom prst="rect">
+            <a:avLst/>
+          </a:prstGeom>
+          <a:noFill/>
+        </p:spPr>
+        <p:txBody>
+          <a:bodyPr wrap="none" lIns="72000" tIns="72000" rIns="72000" bIns="72000" rtlCol="0">
+            <a:noAutofit/>
+          </a:bodyPr>
+          <a:lstStyle/>
+          <a:p>
+            <a:pPr algn="ctr">
+              <a:spcAft>
+                <a:spcPts val="300"/>
+              </a:spcAft>
+              <a:buSzPct val="100000"/>
+            </a:pPr>
+            <a:r>
+              <a:rPr lang="en-US" sz="2400" dirty="0"/>
+              <a:t>AI</a:t>
+            </a:r>
+          </a:p>
+          <a:p>
+            <a:pPr algn="ctr">
+              <a:spcAft>
+                <a:spcPts val="300"/>
+              </a:spcAft>
+              <a:buSzPct val="100000"/>
+            </a:pPr>
+            <a:endParaRPr lang="en-US" sz="800" dirty="0"/>
+          </a:p>
+          <a:p>
+            <a:pPr algn="ctr">
+              <a:spcAft>
+                <a:spcPts val="300"/>
+              </a:spcAft>
+              <a:buSzPct val="100000"/>
+            </a:pPr>
+            <a:r>
+              <a:rPr lang="en-US" sz="2000" dirty="0"/>
+              <a:t>Ex : Knowledge</a:t>
+            </a:r>
+          </a:p>
+          <a:p>
+            <a:pPr algn="ctr">
+              <a:spcAft>
+                <a:spcPts val="300"/>
+              </a:spcAft>
+              <a:buSzPct val="100000"/>
+            </a:pPr>
+            <a:r>
+              <a:rPr lang="en-US" sz="2000" dirty="0"/>
+              <a:t>base</a:t>
+            </a:r>
+          </a:p>
+        </p:txBody>
+      </p:sp>
+    </p:spTree>
+    <p:extLst>
+      <p:ext uri="{BB962C8B-B14F-4D97-AF65-F5344CB8AC3E}">
+        <p14:creationId xmlns:p14="http://schemas.microsoft.com/office/powerpoint/2010/main" val="1130529890"/>
+      </p:ext>
+    </p:extLst>
+  </p:cSld>
+  <p:clrMapOvr>
+    <a:masterClrMapping/>
+  </p:clrMapOvr>
+</p:sld>
+</file>
+
+<file path=ppt/slides/slide4.xml><?xml version="1.0" encoding="utf-8"?>
+<p:sld xmlns:a="http://schemas.openxmlformats.org/drawingml/2006/main" xmlns:r="http://schemas.openxmlformats.org/officeDocument/2006/relationships" xmlns:p="http://schemas.openxmlformats.org/presentationml/2006/main">
+  <p:cSld>
+    <p:spTree>
+      <p:nvGrpSpPr>
+        <p:cNvPr id="1" name=""/>
+        <p:cNvGrpSpPr/>
+        <p:nvPr/>
+      </p:nvGrpSpPr>
+      <p:grpSpPr>
+        <a:xfrm>
+          <a:off x="0" y="0"/>
+          <a:ext cx="0" cy="0"/>
+          <a:chOff x="0" y="0"/>
+          <a:chExt cx="0" cy="0"/>
+        </a:xfrm>
+      </p:grpSpPr>
+      <p:sp>
+        <p:nvSpPr>
+          <p:cNvPr id="3" name="Text Placeholder 2">
+            <a:extLst>
+              <a:ext uri="{FF2B5EF4-FFF2-40B4-BE49-F238E27FC236}">
+                <a16:creationId xmlns:a16="http://schemas.microsoft.com/office/drawing/2014/main" id="{3A02FC7B-89F4-47A4-82F7-23AE74151938}"/>
+              </a:ext>
+            </a:extLst>
+          </p:cNvPr>
+          <p:cNvSpPr>
+            <a:spLocks noGrp="1"/>
+          </p:cNvSpPr>
+          <p:nvPr>
+            <p:ph type="body" sz="quarter" idx="12"/>
+          </p:nvPr>
+        </p:nvSpPr>
+        <p:spPr>
+          <a:xfrm>
+            <a:off x="833718" y="507916"/>
+            <a:ext cx="6743693" cy="300664"/>
+          </a:xfrm>
+          <a:prstGeom prst="rect">
+            <a:avLst/>
+          </a:prstGeom>
+        </p:spPr>
+        <p:txBody>
+          <a:bodyPr/>
+          <a:lstStyle/>
+          <a:p>
+            <a:r>
+              <a:rPr lang="en-US" sz="3200" dirty="0"/>
+              <a:t>1. Introduction to Deep Learning</a:t>
+            </a:r>
+          </a:p>
+        </p:txBody>
+      </p:sp>
       <p:pic>
         <p:nvPicPr>
           <p:cNvPr id="6" name="Picture 5">
@@ -10252,7 +11797,7 @@
 </p:sld>
 </file>
 
-<file path=ppt/slides/slide4.xml><?xml version="1.0" encoding="utf-8"?>
+<file path=ppt/slides/slide5.xml><?xml version="1.0" encoding="utf-8"?>
 <p:sld xmlns:a="http://schemas.openxmlformats.org/drawingml/2006/main" xmlns:r="http://schemas.openxmlformats.org/officeDocument/2006/relationships" xmlns:p="http://schemas.openxmlformats.org/presentationml/2006/main">
   <p:cSld>
     <p:spTree>
@@ -10695,7 +12240,7 @@
 </p:sld>
 </file>
 
-<file path=ppt/slides/slide5.xml><?xml version="1.0" encoding="utf-8"?>
+<file path=ppt/slides/slide6.xml><?xml version="1.0" encoding="utf-8"?>
 <p:sld xmlns:a="http://schemas.openxmlformats.org/drawingml/2006/main" xmlns:r="http://schemas.openxmlformats.org/officeDocument/2006/relationships" xmlns:p="http://schemas.openxmlformats.org/presentationml/2006/main">
   <p:cSld>
     <p:spTree>
@@ -12263,7 +13808,7 @@
 </p:sld>
 </file>
 
-<file path=ppt/slides/slide6.xml><?xml version="1.0" encoding="utf-8"?>
+<file path=ppt/slides/slide7.xml><?xml version="1.0" encoding="utf-8"?>
 <p:sld xmlns:a="http://schemas.openxmlformats.org/drawingml/2006/main" xmlns:r="http://schemas.openxmlformats.org/officeDocument/2006/relationships" xmlns:p="http://schemas.openxmlformats.org/presentationml/2006/main">
   <p:cSld>
     <p:spTree>
@@ -13129,7 +14674,7 @@
 </p:sld>
 </file>
 
-<file path=ppt/slides/slide7.xml><?xml version="1.0" encoding="utf-8"?>
+<file path=ppt/slides/slide8.xml><?xml version="1.0" encoding="utf-8"?>
 <p:sld xmlns:a="http://schemas.openxmlformats.org/drawingml/2006/main" xmlns:r="http://schemas.openxmlformats.org/officeDocument/2006/relationships" xmlns:p="http://schemas.openxmlformats.org/presentationml/2006/main">
   <p:cSld>
     <p:spTree>
@@ -17693,7 +19238,7 @@
 </p:sld>
 </file>
 
-<file path=ppt/slides/slide8.xml><?xml version="1.0" encoding="utf-8"?>
+<file path=ppt/slides/slide9.xml><?xml version="1.0" encoding="utf-8"?>
 <p:sld xmlns:a="http://schemas.openxmlformats.org/drawingml/2006/main" xmlns:r="http://schemas.openxmlformats.org/officeDocument/2006/relationships" xmlns:p="http://schemas.openxmlformats.org/presentationml/2006/main">
   <p:cSld>
     <p:spTree>
@@ -18798,1361 +20343,6 @@
     <p:extLst>
       <p:ext uri="{BB962C8B-B14F-4D97-AF65-F5344CB8AC3E}">
         <p14:creationId xmlns:p14="http://schemas.microsoft.com/office/powerpoint/2010/main" val="904728767"/>
-      </p:ext>
-    </p:extLst>
-  </p:cSld>
-  <p:clrMapOvr>
-    <a:masterClrMapping/>
-  </p:clrMapOvr>
-</p:sld>
-</file>
-
-<file path=ppt/slides/slide9.xml><?xml version="1.0" encoding="utf-8"?>
-<p:sld xmlns:a="http://schemas.openxmlformats.org/drawingml/2006/main" xmlns:r="http://schemas.openxmlformats.org/officeDocument/2006/relationships" xmlns:p="http://schemas.openxmlformats.org/presentationml/2006/main">
-  <p:cSld>
-    <p:spTree>
-      <p:nvGrpSpPr>
-        <p:cNvPr id="1" name=""/>
-        <p:cNvGrpSpPr/>
-        <p:nvPr/>
-      </p:nvGrpSpPr>
-      <p:grpSpPr>
-        <a:xfrm>
-          <a:off x="0" y="0"/>
-          <a:ext cx="0" cy="0"/>
-          <a:chOff x="0" y="0"/>
-          <a:chExt cx="0" cy="0"/>
-        </a:xfrm>
-      </p:grpSpPr>
-      <p:sp>
-        <p:nvSpPr>
-          <p:cNvPr id="3" name="Text Placeholder 2">
-            <a:extLst>
-              <a:ext uri="{FF2B5EF4-FFF2-40B4-BE49-F238E27FC236}">
-                <a16:creationId xmlns:a16="http://schemas.microsoft.com/office/drawing/2014/main" id="{3A02FC7B-89F4-47A4-82F7-23AE74151938}"/>
-              </a:ext>
-            </a:extLst>
-          </p:cNvPr>
-          <p:cNvSpPr>
-            <a:spLocks noGrp="1"/>
-          </p:cNvSpPr>
-          <p:nvPr>
-            <p:ph type="body" sz="quarter" idx="12"/>
-          </p:nvPr>
-        </p:nvSpPr>
-        <p:spPr>
-          <a:xfrm>
-            <a:off x="833718" y="507916"/>
-            <a:ext cx="6743693" cy="300664"/>
-          </a:xfrm>
-          <a:prstGeom prst="rect">
-            <a:avLst/>
-          </a:prstGeom>
-        </p:spPr>
-        <p:txBody>
-          <a:bodyPr/>
-          <a:lstStyle/>
-          <a:p>
-            <a:r>
-              <a:rPr lang="en-US" sz="3200" dirty="0"/>
-              <a:t>1. Introduction to Deep Learning</a:t>
-            </a:r>
-          </a:p>
-        </p:txBody>
-      </p:sp>
-      <p:sp>
-        <p:nvSpPr>
-          <p:cNvPr id="7" name="TextBox 6">
-            <a:extLst>
-              <a:ext uri="{FF2B5EF4-FFF2-40B4-BE49-F238E27FC236}">
-                <a16:creationId xmlns:a16="http://schemas.microsoft.com/office/drawing/2014/main" id="{37CC6108-E9D2-4B2A-AB79-97FA8B9CBF5B}"/>
-              </a:ext>
-            </a:extLst>
-          </p:cNvPr>
-          <p:cNvSpPr txBox="1"/>
-          <p:nvPr/>
-        </p:nvSpPr>
-        <p:spPr>
-          <a:xfrm>
-            <a:off x="833718" y="985940"/>
-            <a:ext cx="10236359" cy="667549"/>
-          </a:xfrm>
-          <a:prstGeom prst="rect">
-            <a:avLst/>
-          </a:prstGeom>
-          <a:noFill/>
-        </p:spPr>
-        <p:txBody>
-          <a:bodyPr wrap="none" lIns="72000" tIns="72000" rIns="72000" bIns="72000" rtlCol="0">
-            <a:noAutofit/>
-          </a:bodyPr>
-          <a:lstStyle/>
-          <a:p>
-            <a:pPr algn="l">
-              <a:spcAft>
-                <a:spcPts val="300"/>
-              </a:spcAft>
-              <a:buSzPct val="100000"/>
-            </a:pPr>
-            <a:r>
-              <a:rPr lang="en-US" sz="2400" dirty="0"/>
-              <a:t>Training is done by Stochastic Gradient Descent (</a:t>
-            </a:r>
-            <a:r>
-              <a:rPr lang="en-US" sz="2400" b="1" dirty="0"/>
-              <a:t>SGD</a:t>
-            </a:r>
-            <a:r>
-              <a:rPr lang="en-US" sz="2400" dirty="0"/>
-              <a:t>) or a variant</a:t>
-            </a:r>
-            <a:endParaRPr lang="en-US" sz="2400" b="1" dirty="0"/>
-          </a:p>
-        </p:txBody>
-      </p:sp>
-      <p:pic>
-        <p:nvPicPr>
-          <p:cNvPr id="4102" name="Picture 6" descr="Résultat de recherche d'images pour &quot;stochastic gradient descent&quot;&quot;">
-            <a:extLst>
-              <a:ext uri="{FF2B5EF4-FFF2-40B4-BE49-F238E27FC236}">
-                <a16:creationId xmlns:a16="http://schemas.microsoft.com/office/drawing/2014/main" id="{8C87160D-2AB5-470B-9C39-935FCAB9D2B4}"/>
-              </a:ext>
-            </a:extLst>
-          </p:cNvPr>
-          <p:cNvPicPr>
-            <a:picLocks noChangeAspect="1" noChangeArrowheads="1"/>
-          </p:cNvPicPr>
-          <p:nvPr/>
-        </p:nvPicPr>
-        <p:blipFill rotWithShape="1">
-          <a:blip r:embed="rId2">
-            <a:extLst>
-              <a:ext uri="{28A0092B-C50C-407E-A947-70E740481C1C}">
-                <a14:useLocalDpi xmlns:a14="http://schemas.microsoft.com/office/drawing/2010/main" val="0"/>
-              </a:ext>
-            </a:extLst>
-          </a:blip>
-          <a:srcRect l="5441" t="10261" r="12215" b="1970"/>
-          <a:stretch/>
-        </p:blipFill>
-        <p:spPr bwMode="auto">
-          <a:xfrm>
-            <a:off x="6699001" y="1830849"/>
-            <a:ext cx="5363296" cy="3022949"/>
-          </a:xfrm>
-          <a:prstGeom prst="rect">
-            <a:avLst/>
-          </a:prstGeom>
-          <a:noFill/>
-          <a:extLst>
-            <a:ext uri="{909E8E84-426E-40DD-AFC4-6F175D3DCCD1}">
-              <a14:hiddenFill xmlns:a14="http://schemas.microsoft.com/office/drawing/2010/main">
-                <a:solidFill>
-                  <a:srgbClr val="FFFFFF"/>
-                </a:solidFill>
-              </a14:hiddenFill>
-            </a:ext>
-          </a:extLst>
-        </p:spPr>
-      </p:pic>
-      <p:sp>
-        <p:nvSpPr>
-          <p:cNvPr id="2" name="TextBox 1">
-            <a:extLst>
-              <a:ext uri="{FF2B5EF4-FFF2-40B4-BE49-F238E27FC236}">
-                <a16:creationId xmlns:a16="http://schemas.microsoft.com/office/drawing/2014/main" id="{E4DCAE6A-65BF-432C-83B1-E8D67D2E256A}"/>
-              </a:ext>
-            </a:extLst>
-          </p:cNvPr>
-          <p:cNvSpPr txBox="1"/>
-          <p:nvPr/>
-        </p:nvSpPr>
-        <p:spPr>
-          <a:xfrm>
-            <a:off x="6789905" y="2947149"/>
-            <a:ext cx="515567" cy="790347"/>
-          </a:xfrm>
-          <a:prstGeom prst="rect">
-            <a:avLst/>
-          </a:prstGeom>
-          <a:solidFill>
-            <a:schemeClr val="bg1"/>
-          </a:solidFill>
-        </p:spPr>
-        <p:txBody>
-          <a:bodyPr vert="vert270" wrap="none" lIns="72000" tIns="72000" rIns="72000" bIns="72000" rtlCol="0">
-            <a:noAutofit/>
-          </a:bodyPr>
-          <a:lstStyle/>
-          <a:p>
-            <a:pPr algn="l">
-              <a:spcAft>
-                <a:spcPts val="300"/>
-              </a:spcAft>
-              <a:buSzPct val="100000"/>
-            </a:pPr>
-            <a:r>
-              <a:rPr lang="en-US" sz="2000" dirty="0"/>
-              <a:t>Loss</a:t>
-            </a:r>
-          </a:p>
-        </p:txBody>
-      </p:sp>
-      <mc:AlternateContent xmlns:mc="http://schemas.openxmlformats.org/markup-compatibility/2006" xmlns:a14="http://schemas.microsoft.com/office/drawing/2010/main">
-        <mc:Choice Requires="a14">
-          <p:sp>
-            <p:nvSpPr>
-              <p:cNvPr id="8" name="TextBox 7">
-                <a:extLst>
-                  <a:ext uri="{FF2B5EF4-FFF2-40B4-BE49-F238E27FC236}">
-                    <a16:creationId xmlns:a16="http://schemas.microsoft.com/office/drawing/2014/main" id="{4E4E6276-60F1-49C0-8739-DD0A528B677C}"/>
-                  </a:ext>
-                </a:extLst>
-              </p:cNvPr>
-              <p:cNvSpPr txBox="1"/>
-              <p:nvPr/>
-            </p:nvSpPr>
-            <p:spPr>
-              <a:xfrm>
-                <a:off x="8075710" y="4284730"/>
-                <a:ext cx="656616" cy="457200"/>
-              </a:xfrm>
-              <a:prstGeom prst="rect">
-                <a:avLst/>
-              </a:prstGeom>
-              <a:solidFill>
-                <a:schemeClr val="bg1"/>
-              </a:solidFill>
-            </p:spPr>
-            <p:txBody>
-              <a:bodyPr wrap="none" lIns="0" tIns="0" rIns="0" bIns="0" rtlCol="0">
-                <a:noAutofit/>
-              </a:bodyPr>
-              <a:lstStyle/>
-              <a:p>
-                <a:pPr algn="l">
-                  <a:spcAft>
-                    <a:spcPts val="300"/>
-                  </a:spcAft>
-                  <a:buSzPct val="100000"/>
-                </a:pPr>
-                <a14:m>
-                  <m:oMathPara xmlns:m="http://schemas.openxmlformats.org/officeDocument/2006/math">
-                    <m:oMathParaPr>
-                      <m:jc m:val="centerGroup"/>
-                    </m:oMathParaPr>
-                    <m:oMath xmlns:m="http://schemas.openxmlformats.org/officeDocument/2006/math">
-                      <m:sSub>
-                        <m:sSubPr>
-                          <m:ctrlPr>
-                            <a:rPr lang="en-US" sz="2000" b="0" i="1" smtClean="0">
-                              <a:solidFill>
-                                <a:schemeClr val="tx1"/>
-                              </a:solidFill>
-                              <a:latin typeface="Cambria Math" panose="02040503050406030204" pitchFamily="18" charset="0"/>
-                            </a:rPr>
-                          </m:ctrlPr>
-                        </m:sSubPr>
-                        <m:e>
-                          <m:r>
-                            <a:rPr lang="en-US" sz="2000" b="0" i="1" smtClean="0">
-                              <a:solidFill>
-                                <a:schemeClr val="tx1"/>
-                              </a:solidFill>
-                              <a:latin typeface="Cambria Math" panose="02040503050406030204" pitchFamily="18" charset="0"/>
-                            </a:rPr>
-                            <m:t>𝜃</m:t>
-                          </m:r>
-                        </m:e>
-                        <m:sub>
-                          <m:r>
-                            <a:rPr lang="en-US" sz="2000" b="0" i="1" smtClean="0">
-                              <a:solidFill>
-                                <a:schemeClr val="tx1"/>
-                              </a:solidFill>
-                              <a:latin typeface="Cambria Math" panose="02040503050406030204" pitchFamily="18" charset="0"/>
-                            </a:rPr>
-                            <m:t>1</m:t>
-                          </m:r>
-                        </m:sub>
-                      </m:sSub>
-                    </m:oMath>
-                  </m:oMathPara>
-                </a14:m>
-                <a:endParaRPr lang="en-US" sz="2000" dirty="0">
-                  <a:solidFill>
-                    <a:schemeClr val="tx1"/>
-                  </a:solidFill>
-                </a:endParaRPr>
-              </a:p>
-            </p:txBody>
-          </p:sp>
-        </mc:Choice>
-        <mc:Fallback xmlns="">
-          <p:sp>
-            <p:nvSpPr>
-              <p:cNvPr id="8" name="TextBox 7">
-                <a:extLst>
-                  <a:ext uri="{FF2B5EF4-FFF2-40B4-BE49-F238E27FC236}">
-                    <a16:creationId xmlns:a16="http://schemas.microsoft.com/office/drawing/2014/main" id="{4E4E6276-60F1-49C0-8739-DD0A528B677C}"/>
-                  </a:ext>
-                </a:extLst>
-              </p:cNvPr>
-              <p:cNvSpPr txBox="1">
-                <a:spLocks noRot="1" noChangeAspect="1" noMove="1" noResize="1" noEditPoints="1" noAdjustHandles="1" noChangeArrowheads="1" noChangeShapeType="1" noTextEdit="1"/>
-              </p:cNvSpPr>
-              <p:nvPr/>
-            </p:nvSpPr>
-            <p:spPr>
-              <a:xfrm>
-                <a:off x="8075710" y="4284730"/>
-                <a:ext cx="656616" cy="457200"/>
-              </a:xfrm>
-              <a:prstGeom prst="rect">
-                <a:avLst/>
-              </a:prstGeom>
-              <a:blipFill>
-                <a:blip r:embed="rId3"/>
-                <a:stretch>
-                  <a:fillRect/>
-                </a:stretch>
-              </a:blipFill>
-            </p:spPr>
-            <p:txBody>
-              <a:bodyPr/>
-              <a:lstStyle/>
-              <a:p>
-                <a:r>
-                  <a:rPr lang="en-US">
-                    <a:noFill/>
-                  </a:rPr>
-                  <a:t> </a:t>
-                </a:r>
-              </a:p>
-            </p:txBody>
-          </p:sp>
-        </mc:Fallback>
-      </mc:AlternateContent>
-      <mc:AlternateContent xmlns:mc="http://schemas.openxmlformats.org/markup-compatibility/2006" xmlns:a14="http://schemas.microsoft.com/office/drawing/2010/main">
-        <mc:Choice Requires="a14">
-          <p:sp>
-            <p:nvSpPr>
-              <p:cNvPr id="27" name="TextBox 26">
-                <a:extLst>
-                  <a:ext uri="{FF2B5EF4-FFF2-40B4-BE49-F238E27FC236}">
-                    <a16:creationId xmlns:a16="http://schemas.microsoft.com/office/drawing/2014/main" id="{87335A88-0052-415C-B5FC-0D9B942E8BA0}"/>
-                  </a:ext>
-                </a:extLst>
-              </p:cNvPr>
-              <p:cNvSpPr txBox="1"/>
-              <p:nvPr/>
-            </p:nvSpPr>
-            <p:spPr>
-              <a:xfrm>
-                <a:off x="11068587" y="4145300"/>
-                <a:ext cx="656616" cy="457200"/>
-              </a:xfrm>
-              <a:prstGeom prst="rect">
-                <a:avLst/>
-              </a:prstGeom>
-              <a:solidFill>
-                <a:schemeClr val="bg1"/>
-              </a:solidFill>
-            </p:spPr>
-            <p:txBody>
-              <a:bodyPr wrap="none" lIns="0" tIns="0" rIns="0" bIns="0" rtlCol="0">
-                <a:noAutofit/>
-              </a:bodyPr>
-              <a:lstStyle/>
-              <a:p>
-                <a:pPr algn="l">
-                  <a:spcAft>
-                    <a:spcPts val="300"/>
-                  </a:spcAft>
-                  <a:buSzPct val="100000"/>
-                </a:pPr>
-                <a14:m>
-                  <m:oMathPara xmlns:m="http://schemas.openxmlformats.org/officeDocument/2006/math">
-                    <m:oMathParaPr>
-                      <m:jc m:val="centerGroup"/>
-                    </m:oMathParaPr>
-                    <m:oMath xmlns:m="http://schemas.openxmlformats.org/officeDocument/2006/math">
-                      <m:sSub>
-                        <m:sSubPr>
-                          <m:ctrlPr>
-                            <a:rPr lang="en-US" sz="2000" b="0" i="1" smtClean="0">
-                              <a:solidFill>
-                                <a:schemeClr val="tx1"/>
-                              </a:solidFill>
-                              <a:latin typeface="Cambria Math" panose="02040503050406030204" pitchFamily="18" charset="0"/>
-                            </a:rPr>
-                          </m:ctrlPr>
-                        </m:sSubPr>
-                        <m:e>
-                          <m:r>
-                            <a:rPr lang="en-US" sz="2000" b="0" i="1" smtClean="0">
-                              <a:solidFill>
-                                <a:schemeClr val="tx1"/>
-                              </a:solidFill>
-                              <a:latin typeface="Cambria Math" panose="02040503050406030204" pitchFamily="18" charset="0"/>
-                            </a:rPr>
-                            <m:t>𝜃</m:t>
-                          </m:r>
-                        </m:e>
-                        <m:sub>
-                          <m:r>
-                            <a:rPr lang="en-US" sz="2000" b="0" i="1" smtClean="0">
-                              <a:solidFill>
-                                <a:schemeClr val="tx1"/>
-                              </a:solidFill>
-                              <a:latin typeface="Cambria Math" panose="02040503050406030204" pitchFamily="18" charset="0"/>
-                            </a:rPr>
-                            <m:t>2</m:t>
-                          </m:r>
-                        </m:sub>
-                      </m:sSub>
-                    </m:oMath>
-                  </m:oMathPara>
-                </a14:m>
-                <a:endParaRPr lang="en-US" sz="2000" dirty="0">
-                  <a:solidFill>
-                    <a:schemeClr val="tx1"/>
-                  </a:solidFill>
-                </a:endParaRPr>
-              </a:p>
-            </p:txBody>
-          </p:sp>
-        </mc:Choice>
-        <mc:Fallback xmlns="">
-          <p:sp>
-            <p:nvSpPr>
-              <p:cNvPr id="27" name="TextBox 26">
-                <a:extLst>
-                  <a:ext uri="{FF2B5EF4-FFF2-40B4-BE49-F238E27FC236}">
-                    <a16:creationId xmlns:a16="http://schemas.microsoft.com/office/drawing/2014/main" id="{87335A88-0052-415C-B5FC-0D9B942E8BA0}"/>
-                  </a:ext>
-                </a:extLst>
-              </p:cNvPr>
-              <p:cNvSpPr txBox="1">
-                <a:spLocks noRot="1" noChangeAspect="1" noMove="1" noResize="1" noEditPoints="1" noAdjustHandles="1" noChangeArrowheads="1" noChangeShapeType="1" noTextEdit="1"/>
-              </p:cNvSpPr>
-              <p:nvPr/>
-            </p:nvSpPr>
-            <p:spPr>
-              <a:xfrm>
-                <a:off x="11068587" y="4145300"/>
-                <a:ext cx="656616" cy="457200"/>
-              </a:xfrm>
-              <a:prstGeom prst="rect">
-                <a:avLst/>
-              </a:prstGeom>
-              <a:blipFill>
-                <a:blip r:embed="rId4"/>
-                <a:stretch>
-                  <a:fillRect/>
-                </a:stretch>
-              </a:blipFill>
-            </p:spPr>
-            <p:txBody>
-              <a:bodyPr/>
-              <a:lstStyle/>
-              <a:p>
-                <a:r>
-                  <a:rPr lang="en-US">
-                    <a:noFill/>
-                  </a:rPr>
-                  <a:t> </a:t>
-                </a:r>
-              </a:p>
-            </p:txBody>
-          </p:sp>
-        </mc:Fallback>
-      </mc:AlternateContent>
-      <p:sp>
-        <p:nvSpPr>
-          <p:cNvPr id="9" name="TextBox 8">
-            <a:extLst>
-              <a:ext uri="{FF2B5EF4-FFF2-40B4-BE49-F238E27FC236}">
-                <a16:creationId xmlns:a16="http://schemas.microsoft.com/office/drawing/2014/main" id="{CCBC7777-5A37-4A54-9126-D448A46E4EE8}"/>
-              </a:ext>
-            </a:extLst>
-          </p:cNvPr>
-          <p:cNvSpPr txBox="1"/>
-          <p:nvPr/>
-        </p:nvSpPr>
-        <p:spPr>
-          <a:xfrm>
-            <a:off x="833718" y="1471215"/>
-            <a:ext cx="9367737" cy="476416"/>
-          </a:xfrm>
-          <a:prstGeom prst="rect">
-            <a:avLst/>
-          </a:prstGeom>
-          <a:noFill/>
-        </p:spPr>
-        <p:txBody>
-          <a:bodyPr wrap="square" lIns="72000" tIns="72000" rIns="72000" bIns="72000" rtlCol="0">
-            <a:noAutofit/>
-          </a:bodyPr>
-          <a:lstStyle/>
-          <a:p>
-            <a:pPr algn="l">
-              <a:spcAft>
-                <a:spcPts val="300"/>
-              </a:spcAft>
-              <a:buSzPct val="100000"/>
-            </a:pPr>
-            <a:r>
-              <a:rPr lang="en-US" dirty="0"/>
-              <a:t>(for a batch: compute forward path </a:t>
-            </a:r>
-            <a:r>
-              <a:rPr lang="en-US" dirty="0">
-                <a:sym typeface="Wingdings" panose="05000000000000000000" pitchFamily="2" charset="2"/>
-              </a:rPr>
-              <a:t> </a:t>
-            </a:r>
-            <a:r>
-              <a:rPr lang="en-US" dirty="0"/>
-              <a:t>compute loss &amp; gradients </a:t>
-            </a:r>
-            <a:r>
-              <a:rPr lang="en-US" dirty="0">
-                <a:sym typeface="Wingdings" panose="05000000000000000000" pitchFamily="2" charset="2"/>
-              </a:rPr>
-              <a:t> apply </a:t>
-            </a:r>
-            <a:r>
-              <a:rPr lang="en-US" b="1" dirty="0">
-                <a:sym typeface="Wingdings" panose="05000000000000000000" pitchFamily="2" charset="2"/>
-              </a:rPr>
-              <a:t>optimizer</a:t>
-            </a:r>
-            <a:r>
-              <a:rPr lang="en-US" dirty="0">
-                <a:sym typeface="Wingdings" panose="05000000000000000000" pitchFamily="2" charset="2"/>
-              </a:rPr>
-              <a:t>)</a:t>
-            </a:r>
-            <a:endParaRPr lang="en-US" dirty="0"/>
-          </a:p>
-        </p:txBody>
-      </p:sp>
-      <mc:AlternateContent xmlns:mc="http://schemas.openxmlformats.org/markup-compatibility/2006" xmlns:a14="http://schemas.microsoft.com/office/drawing/2010/main">
-        <mc:Choice Requires="a14">
-          <p:sp>
-            <p:nvSpPr>
-              <p:cNvPr id="10" name="TextBox 9">
-                <a:extLst>
-                  <a:ext uri="{FF2B5EF4-FFF2-40B4-BE49-F238E27FC236}">
-                    <a16:creationId xmlns:a16="http://schemas.microsoft.com/office/drawing/2014/main" id="{D6E9D2CA-0727-4F54-96EE-75DE4C28EC18}"/>
-                  </a:ext>
-                </a:extLst>
-              </p:cNvPr>
-              <p:cNvSpPr txBox="1"/>
-              <p:nvPr/>
-            </p:nvSpPr>
-            <p:spPr>
-              <a:xfrm>
-                <a:off x="982494" y="2996496"/>
-                <a:ext cx="4066162" cy="617919"/>
-              </a:xfrm>
-              <a:prstGeom prst="rect">
-                <a:avLst/>
-              </a:prstGeom>
-              <a:noFill/>
-            </p:spPr>
-            <p:txBody>
-              <a:bodyPr wrap="none" lIns="0" tIns="0" rIns="0" bIns="0" rtlCol="0">
-                <a:noAutofit/>
-              </a:bodyPr>
-              <a:lstStyle/>
-              <a:p>
-                <a:pPr algn="l">
-                  <a:spcAft>
-                    <a:spcPts val="300"/>
-                  </a:spcAft>
-                  <a:buSzPct val="100000"/>
-                </a:pPr>
-                <a14:m>
-                  <m:oMath xmlns:m="http://schemas.openxmlformats.org/officeDocument/2006/math">
-                    <m:sSub>
-                      <m:sSubPr>
-                        <m:ctrlPr>
-                          <a:rPr lang="en-US" sz="2800" b="0" i="1" smtClean="0">
-                            <a:solidFill>
-                              <a:schemeClr val="tx2"/>
-                            </a:solidFill>
-                            <a:latin typeface="Cambria Math" panose="02040503050406030204" pitchFamily="18" charset="0"/>
-                          </a:rPr>
-                        </m:ctrlPr>
-                      </m:sSubPr>
-                      <m:e>
-                        <m:r>
-                          <a:rPr lang="en-US" sz="2800" b="0" i="1" smtClean="0">
-                            <a:solidFill>
-                              <a:schemeClr val="tx2"/>
-                            </a:solidFill>
-                            <a:latin typeface="Cambria Math" panose="02040503050406030204" pitchFamily="18" charset="0"/>
-                          </a:rPr>
-                          <m:t>𝜃</m:t>
-                        </m:r>
-                      </m:e>
-                      <m:sub>
-                        <m:r>
-                          <a:rPr lang="en-US" sz="2800" b="0" i="1" smtClean="0">
-                            <a:solidFill>
-                              <a:schemeClr val="tx2"/>
-                            </a:solidFill>
-                            <a:latin typeface="Cambria Math" panose="02040503050406030204" pitchFamily="18" charset="0"/>
-                          </a:rPr>
-                          <m:t>𝑡</m:t>
-                        </m:r>
-                        <m:r>
-                          <a:rPr lang="en-US" sz="2800" b="0" i="1" smtClean="0">
-                            <a:solidFill>
-                              <a:schemeClr val="tx2"/>
-                            </a:solidFill>
-                            <a:latin typeface="Cambria Math" panose="02040503050406030204" pitchFamily="18" charset="0"/>
-                          </a:rPr>
-                          <m:t>+1</m:t>
-                        </m:r>
-                      </m:sub>
-                    </m:sSub>
-                    <m:r>
-                      <a:rPr lang="en-US" sz="2800" b="0" i="1" smtClean="0">
-                        <a:solidFill>
-                          <a:schemeClr val="tx2"/>
-                        </a:solidFill>
-                        <a:latin typeface="Cambria Math" panose="02040503050406030204" pitchFamily="18" charset="0"/>
-                      </a:rPr>
-                      <m:t>=</m:t>
-                    </m:r>
-                    <m:sSub>
-                      <m:sSubPr>
-                        <m:ctrlPr>
-                          <a:rPr lang="en-US" sz="2800" b="0" i="1" smtClean="0">
-                            <a:solidFill>
-                              <a:schemeClr val="tx2"/>
-                            </a:solidFill>
-                            <a:latin typeface="Cambria Math" panose="02040503050406030204" pitchFamily="18" charset="0"/>
-                          </a:rPr>
-                        </m:ctrlPr>
-                      </m:sSubPr>
-                      <m:e>
-                        <m:r>
-                          <a:rPr lang="en-US" sz="2800" b="0" i="1" smtClean="0">
-                            <a:solidFill>
-                              <a:schemeClr val="tx2"/>
-                            </a:solidFill>
-                            <a:latin typeface="Cambria Math" panose="02040503050406030204" pitchFamily="18" charset="0"/>
-                          </a:rPr>
-                          <m:t>𝜃</m:t>
-                        </m:r>
-                      </m:e>
-                      <m:sub>
-                        <m:r>
-                          <a:rPr lang="en-US" sz="2800" b="0" i="1" smtClean="0">
-                            <a:solidFill>
-                              <a:schemeClr val="tx2"/>
-                            </a:solidFill>
-                            <a:latin typeface="Cambria Math" panose="02040503050406030204" pitchFamily="18" charset="0"/>
-                          </a:rPr>
-                          <m:t>𝑡</m:t>
-                        </m:r>
-                      </m:sub>
-                    </m:sSub>
-                    <m:r>
-                      <a:rPr lang="en-US" sz="2800" b="0" i="1" smtClean="0">
-                        <a:solidFill>
-                          <a:schemeClr val="tx2"/>
-                        </a:solidFill>
-                        <a:latin typeface="Cambria Math" panose="02040503050406030204" pitchFamily="18" charset="0"/>
-                      </a:rPr>
-                      <m:t>−</m:t>
-                    </m:r>
-                    <m:r>
-                      <a:rPr lang="en-US" sz="2800" b="0" i="1" smtClean="0">
-                        <a:solidFill>
-                          <a:schemeClr val="tx2"/>
-                        </a:solidFill>
-                        <a:latin typeface="Cambria Math" panose="02040503050406030204" pitchFamily="18" charset="0"/>
-                      </a:rPr>
-                      <m:t>𝜂</m:t>
-                    </m:r>
-                    <m:r>
-                      <m:rPr>
-                        <m:sty m:val="p"/>
-                      </m:rPr>
-                      <a:rPr lang="en-US" sz="2800" b="0" i="0" smtClean="0">
-                        <a:solidFill>
-                          <a:schemeClr val="tx2"/>
-                        </a:solidFill>
-                        <a:latin typeface="Cambria Math" panose="02040503050406030204" pitchFamily="18" charset="0"/>
-                      </a:rPr>
-                      <m:t>∇</m:t>
-                    </m:r>
-                    <m:r>
-                      <a:rPr lang="en-US" sz="2800" b="0" i="1" smtClean="0">
-                        <a:solidFill>
-                          <a:schemeClr val="tx2"/>
-                        </a:solidFill>
-                        <a:latin typeface="Cambria Math" panose="02040503050406030204" pitchFamily="18" charset="0"/>
-                      </a:rPr>
-                      <m:t>𝐿</m:t>
-                    </m:r>
-                    <m:r>
-                      <a:rPr lang="en-US" sz="2800" b="0" i="1" smtClean="0">
-                        <a:solidFill>
-                          <a:schemeClr val="tx2"/>
-                        </a:solidFill>
-                        <a:latin typeface="Cambria Math" panose="02040503050406030204" pitchFamily="18" charset="0"/>
-                      </a:rPr>
-                      <m:t>(</m:t>
-                    </m:r>
-                    <m:sSub>
-                      <m:sSubPr>
-                        <m:ctrlPr>
-                          <a:rPr lang="en-US" sz="2800" b="0" i="1" smtClean="0">
-                            <a:solidFill>
-                              <a:schemeClr val="tx2"/>
-                            </a:solidFill>
-                            <a:latin typeface="Cambria Math" panose="02040503050406030204" pitchFamily="18" charset="0"/>
-                          </a:rPr>
-                        </m:ctrlPr>
-                      </m:sSubPr>
-                      <m:e>
-                        <m:r>
-                          <a:rPr lang="en-US" sz="2800" b="0" i="1" smtClean="0">
-                            <a:solidFill>
-                              <a:schemeClr val="tx2"/>
-                            </a:solidFill>
-                            <a:latin typeface="Cambria Math" panose="02040503050406030204" pitchFamily="18" charset="0"/>
-                          </a:rPr>
-                          <m:t>𝜃</m:t>
-                        </m:r>
-                      </m:e>
-                      <m:sub>
-                        <m:r>
-                          <a:rPr lang="en-US" sz="2800" b="0" i="1" smtClean="0">
-                            <a:solidFill>
-                              <a:schemeClr val="tx2"/>
-                            </a:solidFill>
-                            <a:latin typeface="Cambria Math" panose="02040503050406030204" pitchFamily="18" charset="0"/>
-                          </a:rPr>
-                          <m:t>𝑡</m:t>
-                        </m:r>
-                      </m:sub>
-                    </m:sSub>
-                    <m:r>
-                      <a:rPr lang="en-US" sz="2800" b="0" i="1" smtClean="0">
-                        <a:solidFill>
-                          <a:schemeClr val="tx2"/>
-                        </a:solidFill>
-                        <a:latin typeface="Cambria Math" panose="02040503050406030204" pitchFamily="18" charset="0"/>
-                      </a:rPr>
-                      <m:t>;</m:t>
-                    </m:r>
-                    <m:acc>
-                      <m:accPr>
-                        <m:chr m:val="̂"/>
-                        <m:ctrlPr>
-                          <a:rPr lang="en-US" sz="2800" b="0" i="1" smtClean="0">
-                            <a:solidFill>
-                              <a:schemeClr val="tx2"/>
-                            </a:solidFill>
-                            <a:latin typeface="Cambria Math" panose="02040503050406030204" pitchFamily="18" charset="0"/>
-                          </a:rPr>
-                        </m:ctrlPr>
-                      </m:accPr>
-                      <m:e>
-                        <m:r>
-                          <a:rPr lang="en-US" sz="2800" b="0" i="1" smtClean="0">
-                            <a:solidFill>
-                              <a:schemeClr val="tx2"/>
-                            </a:solidFill>
-                            <a:latin typeface="Cambria Math" panose="02040503050406030204" pitchFamily="18" charset="0"/>
-                          </a:rPr>
-                          <m:t>𝑦</m:t>
-                        </m:r>
-                      </m:e>
-                    </m:acc>
-                    <m:r>
-                      <a:rPr lang="en-US" sz="2800" b="0" i="1" smtClean="0">
-                        <a:solidFill>
-                          <a:schemeClr val="tx2"/>
-                        </a:solidFill>
-                        <a:latin typeface="Cambria Math" panose="02040503050406030204" pitchFamily="18" charset="0"/>
-                      </a:rPr>
-                      <m:t>, </m:t>
-                    </m:r>
-                    <m:r>
-                      <a:rPr lang="en-US" sz="2800" b="0" i="1" smtClean="0">
-                        <a:solidFill>
-                          <a:schemeClr val="tx2"/>
-                        </a:solidFill>
-                        <a:latin typeface="Cambria Math" panose="02040503050406030204" pitchFamily="18" charset="0"/>
-                      </a:rPr>
-                      <m:t>𝑦</m:t>
-                    </m:r>
-                    <m:r>
-                      <a:rPr lang="en-US" sz="2800" b="0" i="1" smtClean="0">
-                        <a:solidFill>
-                          <a:schemeClr val="tx2"/>
-                        </a:solidFill>
-                        <a:latin typeface="Cambria Math" panose="02040503050406030204" pitchFamily="18" charset="0"/>
-                      </a:rPr>
-                      <m:t>) </m:t>
-                    </m:r>
-                  </m:oMath>
-                </a14:m>
-                <a:r>
-                  <a:rPr lang="en-US" sz="2800" dirty="0">
-                    <a:solidFill>
-                      <a:schemeClr val="tx2"/>
-                    </a:solidFill>
-                  </a:rPr>
-                  <a:t> </a:t>
-                </a:r>
-              </a:p>
-            </p:txBody>
-          </p:sp>
-        </mc:Choice>
-        <mc:Fallback xmlns="">
-          <p:sp>
-            <p:nvSpPr>
-              <p:cNvPr id="10" name="TextBox 9">
-                <a:extLst>
-                  <a:ext uri="{FF2B5EF4-FFF2-40B4-BE49-F238E27FC236}">
-                    <a16:creationId xmlns:a16="http://schemas.microsoft.com/office/drawing/2014/main" id="{D6E9D2CA-0727-4F54-96EE-75DE4C28EC18}"/>
-                  </a:ext>
-                </a:extLst>
-              </p:cNvPr>
-              <p:cNvSpPr txBox="1">
-                <a:spLocks noRot="1" noChangeAspect="1" noMove="1" noResize="1" noEditPoints="1" noAdjustHandles="1" noChangeArrowheads="1" noChangeShapeType="1" noTextEdit="1"/>
-              </p:cNvSpPr>
-              <p:nvPr/>
-            </p:nvSpPr>
-            <p:spPr>
-              <a:xfrm>
-                <a:off x="982494" y="2996496"/>
-                <a:ext cx="4066162" cy="617919"/>
-              </a:xfrm>
-              <a:prstGeom prst="rect">
-                <a:avLst/>
-              </a:prstGeom>
-              <a:blipFill>
-                <a:blip r:embed="rId5"/>
-                <a:stretch>
-                  <a:fillRect/>
-                </a:stretch>
-              </a:blipFill>
-            </p:spPr>
-            <p:txBody>
-              <a:bodyPr/>
-              <a:lstStyle/>
-              <a:p>
-                <a:r>
-                  <a:rPr lang="en-US">
-                    <a:noFill/>
-                  </a:rPr>
-                  <a:t> </a:t>
-                </a:r>
-              </a:p>
-            </p:txBody>
-          </p:sp>
-        </mc:Fallback>
-      </mc:AlternateContent>
-      <p:sp>
-        <p:nvSpPr>
-          <p:cNvPr id="11" name="TextBox 10">
-            <a:extLst>
-              <a:ext uri="{FF2B5EF4-FFF2-40B4-BE49-F238E27FC236}">
-                <a16:creationId xmlns:a16="http://schemas.microsoft.com/office/drawing/2014/main" id="{E8379920-8507-4FCD-937D-D94CA0FCAED0}"/>
-              </a:ext>
-            </a:extLst>
-          </p:cNvPr>
-          <p:cNvSpPr txBox="1"/>
-          <p:nvPr/>
-        </p:nvSpPr>
-        <p:spPr>
-          <a:xfrm>
-            <a:off x="833718" y="2157695"/>
-            <a:ext cx="4513635" cy="880353"/>
-          </a:xfrm>
-          <a:prstGeom prst="rect">
-            <a:avLst/>
-          </a:prstGeom>
-          <a:noFill/>
-        </p:spPr>
-        <p:txBody>
-          <a:bodyPr wrap="none" lIns="72000" tIns="72000" rIns="72000" bIns="72000" rtlCol="0">
-            <a:noAutofit/>
-          </a:bodyPr>
-          <a:lstStyle/>
-          <a:p>
-            <a:pPr algn="l">
-              <a:spcAft>
-                <a:spcPts val="300"/>
-              </a:spcAft>
-              <a:buSzPct val="100000"/>
-            </a:pPr>
-            <a:r>
-              <a:rPr lang="en-US" sz="2000" dirty="0"/>
-              <a:t>SGD updates the weights in the </a:t>
-            </a:r>
-          </a:p>
-          <a:p>
-            <a:pPr algn="l">
-              <a:spcAft>
-                <a:spcPts val="300"/>
-              </a:spcAft>
-              <a:buSzPct val="100000"/>
-            </a:pPr>
-            <a:r>
-              <a:rPr lang="en-US" sz="2000" dirty="0"/>
-              <a:t>negative gradient direction</a:t>
-            </a:r>
-          </a:p>
-        </p:txBody>
-      </p:sp>
-      <p:sp>
-        <p:nvSpPr>
-          <p:cNvPr id="12" name="TextBox 11">
-            <a:extLst>
-              <a:ext uri="{FF2B5EF4-FFF2-40B4-BE49-F238E27FC236}">
-                <a16:creationId xmlns:a16="http://schemas.microsoft.com/office/drawing/2014/main" id="{9444F9CE-9863-442B-B4CD-88F9C997DB9C}"/>
-              </a:ext>
-            </a:extLst>
-          </p:cNvPr>
-          <p:cNvSpPr txBox="1"/>
-          <p:nvPr/>
-        </p:nvSpPr>
-        <p:spPr>
-          <a:xfrm>
-            <a:off x="1527243" y="3593825"/>
-            <a:ext cx="1488332" cy="505838"/>
-          </a:xfrm>
-          <a:prstGeom prst="rect">
-            <a:avLst/>
-          </a:prstGeom>
-          <a:noFill/>
-        </p:spPr>
-        <p:txBody>
-          <a:bodyPr wrap="none" lIns="72000" tIns="72000" rIns="72000" bIns="72000" rtlCol="0">
-            <a:noAutofit/>
-          </a:bodyPr>
-          <a:lstStyle/>
-          <a:p>
-            <a:pPr algn="l">
-              <a:spcAft>
-                <a:spcPts val="300"/>
-              </a:spcAft>
-              <a:buSzPct val="100000"/>
-            </a:pPr>
-            <a:r>
-              <a:rPr lang="en-US" sz="1600" dirty="0"/>
-              <a:t>Learning rate</a:t>
-            </a:r>
-          </a:p>
-        </p:txBody>
-      </p:sp>
-      <p:sp>
-        <p:nvSpPr>
-          <p:cNvPr id="30" name="TextBox 29">
-            <a:extLst>
-              <a:ext uri="{FF2B5EF4-FFF2-40B4-BE49-F238E27FC236}">
-                <a16:creationId xmlns:a16="http://schemas.microsoft.com/office/drawing/2014/main" id="{4A5D6095-DF21-4254-B532-94FEEAD10B8E}"/>
-              </a:ext>
-            </a:extLst>
-          </p:cNvPr>
-          <p:cNvSpPr txBox="1"/>
-          <p:nvPr/>
-        </p:nvSpPr>
-        <p:spPr>
-          <a:xfrm>
-            <a:off x="2522204" y="3958121"/>
-            <a:ext cx="1488332" cy="505838"/>
-          </a:xfrm>
-          <a:prstGeom prst="rect">
-            <a:avLst/>
-          </a:prstGeom>
-          <a:noFill/>
-        </p:spPr>
-        <p:txBody>
-          <a:bodyPr wrap="none" lIns="72000" tIns="72000" rIns="72000" bIns="72000" rtlCol="0">
-            <a:noAutofit/>
-          </a:bodyPr>
-          <a:lstStyle/>
-          <a:p>
-            <a:pPr algn="ctr">
-              <a:spcAft>
-                <a:spcPts val="300"/>
-              </a:spcAft>
-              <a:buSzPct val="100000"/>
-            </a:pPr>
-            <a:r>
-              <a:rPr lang="en-US" sz="1600" dirty="0"/>
-              <a:t>Gradient of the</a:t>
-            </a:r>
-          </a:p>
-          <a:p>
-            <a:pPr algn="ctr">
-              <a:spcAft>
-                <a:spcPts val="300"/>
-              </a:spcAft>
-              <a:buSzPct val="100000"/>
-            </a:pPr>
-            <a:r>
-              <a:rPr lang="en-US" sz="1600" dirty="0"/>
-              <a:t>Loss function</a:t>
-            </a:r>
-          </a:p>
-        </p:txBody>
-      </p:sp>
-      <p:sp>
-        <p:nvSpPr>
-          <p:cNvPr id="37" name="TextBox 36">
-            <a:extLst>
-              <a:ext uri="{FF2B5EF4-FFF2-40B4-BE49-F238E27FC236}">
-                <a16:creationId xmlns:a16="http://schemas.microsoft.com/office/drawing/2014/main" id="{D834B949-CB2E-4F07-BBDE-A10B260D7FD8}"/>
-              </a:ext>
-            </a:extLst>
-          </p:cNvPr>
-          <p:cNvSpPr txBox="1"/>
-          <p:nvPr/>
-        </p:nvSpPr>
-        <p:spPr>
-          <a:xfrm>
-            <a:off x="3421316" y="3751854"/>
-            <a:ext cx="1488332" cy="505838"/>
-          </a:xfrm>
-          <a:prstGeom prst="rect">
-            <a:avLst/>
-          </a:prstGeom>
-          <a:noFill/>
-        </p:spPr>
-        <p:txBody>
-          <a:bodyPr wrap="none" lIns="72000" tIns="72000" rIns="72000" bIns="72000" rtlCol="0">
-            <a:noAutofit/>
-          </a:bodyPr>
-          <a:lstStyle/>
-          <a:p>
-            <a:pPr algn="ctr">
-              <a:spcAft>
-                <a:spcPts val="300"/>
-              </a:spcAft>
-              <a:buSzPct val="100000"/>
-            </a:pPr>
-            <a:r>
-              <a:rPr lang="en-US" sz="1600" dirty="0"/>
-              <a:t>Predictions</a:t>
-            </a:r>
-          </a:p>
-        </p:txBody>
-      </p:sp>
-      <p:sp>
-        <p:nvSpPr>
-          <p:cNvPr id="38" name="TextBox 37">
-            <a:extLst>
-              <a:ext uri="{FF2B5EF4-FFF2-40B4-BE49-F238E27FC236}">
-                <a16:creationId xmlns:a16="http://schemas.microsoft.com/office/drawing/2014/main" id="{3B230C07-1796-4A9A-84F9-F14295E75812}"/>
-              </a:ext>
-            </a:extLst>
-          </p:cNvPr>
-          <p:cNvSpPr txBox="1"/>
-          <p:nvPr/>
-        </p:nvSpPr>
-        <p:spPr>
-          <a:xfrm>
-            <a:off x="4133443" y="3573235"/>
-            <a:ext cx="1488332" cy="505838"/>
-          </a:xfrm>
-          <a:prstGeom prst="rect">
-            <a:avLst/>
-          </a:prstGeom>
-          <a:noFill/>
-        </p:spPr>
-        <p:txBody>
-          <a:bodyPr wrap="none" lIns="72000" tIns="72000" rIns="72000" bIns="72000" rtlCol="0">
-            <a:noAutofit/>
-          </a:bodyPr>
-          <a:lstStyle/>
-          <a:p>
-            <a:pPr algn="ctr">
-              <a:spcAft>
-                <a:spcPts val="300"/>
-              </a:spcAft>
-              <a:buSzPct val="100000"/>
-            </a:pPr>
-            <a:r>
-              <a:rPr lang="en-US" sz="1600" dirty="0"/>
-              <a:t>Labels</a:t>
-            </a:r>
-          </a:p>
-        </p:txBody>
-      </p:sp>
-      <p:cxnSp>
-        <p:nvCxnSpPr>
-          <p:cNvPr id="14" name="Straight Arrow Connector 13">
-            <a:extLst>
-              <a:ext uri="{FF2B5EF4-FFF2-40B4-BE49-F238E27FC236}">
-                <a16:creationId xmlns:a16="http://schemas.microsoft.com/office/drawing/2014/main" id="{78210A86-14B9-4F0C-9D82-6F3D60DCD83C}"/>
-              </a:ext>
-            </a:extLst>
-          </p:cNvPr>
-          <p:cNvCxnSpPr>
-            <a:stCxn id="12" idx="0"/>
-          </p:cNvCxnSpPr>
-          <p:nvPr/>
-        </p:nvCxnSpPr>
-        <p:spPr>
-          <a:xfrm flipV="1">
-            <a:off x="2271409" y="3350881"/>
-            <a:ext cx="501591" cy="242944"/>
-          </a:xfrm>
-          <a:prstGeom prst="straightConnector1">
-            <a:avLst/>
-          </a:prstGeom>
-          <a:ln>
-            <a:tailEnd type="triangle"/>
-          </a:ln>
-        </p:spPr>
-        <p:style>
-          <a:lnRef idx="1">
-            <a:schemeClr val="dk1"/>
-          </a:lnRef>
-          <a:fillRef idx="0">
-            <a:schemeClr val="dk1"/>
-          </a:fillRef>
-          <a:effectRef idx="0">
-            <a:schemeClr val="dk1"/>
-          </a:effectRef>
-          <a:fontRef idx="minor">
-            <a:schemeClr val="tx1"/>
-          </a:fontRef>
-        </p:style>
-      </p:cxnSp>
-      <p:cxnSp>
-        <p:nvCxnSpPr>
-          <p:cNvPr id="39" name="Straight Arrow Connector 38">
-            <a:extLst>
-              <a:ext uri="{FF2B5EF4-FFF2-40B4-BE49-F238E27FC236}">
-                <a16:creationId xmlns:a16="http://schemas.microsoft.com/office/drawing/2014/main" id="{A2668BF0-08FD-4EA9-AF71-6DE536DFF6BC}"/>
-              </a:ext>
-            </a:extLst>
-          </p:cNvPr>
-          <p:cNvCxnSpPr>
-            <a:cxnSpLocks/>
-            <a:stCxn id="30" idx="0"/>
-          </p:cNvCxnSpPr>
-          <p:nvPr/>
-        </p:nvCxnSpPr>
-        <p:spPr>
-          <a:xfrm flipV="1">
-            <a:off x="3266370" y="3433861"/>
-            <a:ext cx="0" cy="524260"/>
-          </a:xfrm>
-          <a:prstGeom prst="straightConnector1">
-            <a:avLst/>
-          </a:prstGeom>
-          <a:ln>
-            <a:tailEnd type="triangle"/>
-          </a:ln>
-        </p:spPr>
-        <p:style>
-          <a:lnRef idx="1">
-            <a:schemeClr val="dk1"/>
-          </a:lnRef>
-          <a:fillRef idx="0">
-            <a:schemeClr val="dk1"/>
-          </a:fillRef>
-          <a:effectRef idx="0">
-            <a:schemeClr val="dk1"/>
-          </a:effectRef>
-          <a:fontRef idx="minor">
-            <a:schemeClr val="tx1"/>
-          </a:fontRef>
-        </p:style>
-      </p:cxnSp>
-      <p:cxnSp>
-        <p:nvCxnSpPr>
-          <p:cNvPr id="40" name="Straight Arrow Connector 39">
-            <a:extLst>
-              <a:ext uri="{FF2B5EF4-FFF2-40B4-BE49-F238E27FC236}">
-                <a16:creationId xmlns:a16="http://schemas.microsoft.com/office/drawing/2014/main" id="{83A1F217-E1A0-4172-991B-A3F57074F873}"/>
-              </a:ext>
-            </a:extLst>
-          </p:cNvPr>
-          <p:cNvCxnSpPr>
-            <a:cxnSpLocks/>
-            <a:stCxn id="37" idx="0"/>
-          </p:cNvCxnSpPr>
-          <p:nvPr/>
-        </p:nvCxnSpPr>
-        <p:spPr>
-          <a:xfrm flipV="1">
-            <a:off x="4165482" y="3459571"/>
-            <a:ext cx="0" cy="292283"/>
-          </a:xfrm>
-          <a:prstGeom prst="straightConnector1">
-            <a:avLst/>
-          </a:prstGeom>
-          <a:ln>
-            <a:tailEnd type="triangle"/>
-          </a:ln>
-        </p:spPr>
-        <p:style>
-          <a:lnRef idx="1">
-            <a:schemeClr val="dk1"/>
-          </a:lnRef>
-          <a:fillRef idx="0">
-            <a:schemeClr val="dk1"/>
-          </a:fillRef>
-          <a:effectRef idx="0">
-            <a:schemeClr val="dk1"/>
-          </a:effectRef>
-          <a:fontRef idx="minor">
-            <a:schemeClr val="tx1"/>
-          </a:fontRef>
-        </p:style>
-      </p:cxnSp>
-      <p:cxnSp>
-        <p:nvCxnSpPr>
-          <p:cNvPr id="41" name="Straight Arrow Connector 40">
-            <a:extLst>
-              <a:ext uri="{FF2B5EF4-FFF2-40B4-BE49-F238E27FC236}">
-                <a16:creationId xmlns:a16="http://schemas.microsoft.com/office/drawing/2014/main" id="{FA8FF257-F740-4BA2-A959-3FAE43B9556D}"/>
-              </a:ext>
-            </a:extLst>
-          </p:cNvPr>
-          <p:cNvCxnSpPr>
-            <a:cxnSpLocks/>
-          </p:cNvCxnSpPr>
-          <p:nvPr/>
-        </p:nvCxnSpPr>
-        <p:spPr>
-          <a:xfrm flipH="1" flipV="1">
-            <a:off x="4523117" y="3459571"/>
-            <a:ext cx="207035" cy="175157"/>
-          </a:xfrm>
-          <a:prstGeom prst="straightConnector1">
-            <a:avLst/>
-          </a:prstGeom>
-          <a:ln>
-            <a:tailEnd type="triangle"/>
-          </a:ln>
-        </p:spPr>
-        <p:style>
-          <a:lnRef idx="1">
-            <a:schemeClr val="dk1"/>
-          </a:lnRef>
-          <a:fillRef idx="0">
-            <a:schemeClr val="dk1"/>
-          </a:fillRef>
-          <a:effectRef idx="0">
-            <a:schemeClr val="dk1"/>
-          </a:effectRef>
-          <a:fontRef idx="minor">
-            <a:schemeClr val="tx1"/>
-          </a:fontRef>
-        </p:style>
-      </p:cxnSp>
-      <p:sp>
-        <p:nvSpPr>
-          <p:cNvPr id="43" name="TextBox 42">
-            <a:extLst>
-              <a:ext uri="{FF2B5EF4-FFF2-40B4-BE49-F238E27FC236}">
-                <a16:creationId xmlns:a16="http://schemas.microsoft.com/office/drawing/2014/main" id="{B01BB230-9F1B-47F3-8B6A-8448252A2000}"/>
-              </a:ext>
-            </a:extLst>
-          </p:cNvPr>
-          <p:cNvSpPr txBox="1"/>
-          <p:nvPr/>
-        </p:nvSpPr>
-        <p:spPr>
-          <a:xfrm>
-            <a:off x="833718" y="4827913"/>
-            <a:ext cx="9144000" cy="729702"/>
-          </a:xfrm>
-          <a:prstGeom prst="rect">
-            <a:avLst/>
-          </a:prstGeom>
-          <a:noFill/>
-        </p:spPr>
-        <p:txBody>
-          <a:bodyPr wrap="none" lIns="72000" tIns="72000" rIns="72000" bIns="72000" rtlCol="0">
-            <a:noAutofit/>
-          </a:bodyPr>
-          <a:lstStyle/>
-          <a:p>
-            <a:pPr algn="l">
-              <a:spcAft>
-                <a:spcPts val="300"/>
-              </a:spcAft>
-              <a:buSzPct val="100000"/>
-            </a:pPr>
-            <a:r>
-              <a:rPr lang="en-US" sz="2000" dirty="0"/>
-              <a:t>The most used variant is </a:t>
-            </a:r>
-            <a:r>
-              <a:rPr lang="en-US" sz="2000" b="1" dirty="0"/>
-              <a:t>Adam</a:t>
-            </a:r>
-            <a:r>
-              <a:rPr lang="en-US" sz="2000" dirty="0"/>
-              <a:t>:</a:t>
-            </a:r>
-          </a:p>
-          <a:p>
-            <a:pPr marL="342900" indent="-342900" algn="l">
-              <a:spcAft>
-                <a:spcPts val="300"/>
-              </a:spcAft>
-              <a:buSzPct val="100000"/>
-              <a:buFontTx/>
-              <a:buChar char="-"/>
-            </a:pPr>
-            <a:r>
-              <a:rPr lang="en-US" sz="2000" dirty="0"/>
-              <a:t>Individual adaptive learning rate for each parameters</a:t>
-            </a:r>
-          </a:p>
-          <a:p>
-            <a:pPr marL="342900" indent="-342900" algn="l">
-              <a:spcAft>
-                <a:spcPts val="300"/>
-              </a:spcAft>
-              <a:buSzPct val="100000"/>
-              <a:buFontTx/>
-              <a:buChar char="-"/>
-            </a:pPr>
-            <a:r>
-              <a:rPr lang="en-US" sz="2000" dirty="0"/>
-              <a:t>Exponential moving average of gradients</a:t>
-            </a:r>
-          </a:p>
-          <a:p>
-            <a:pPr marL="342900" indent="-342900" algn="l">
-              <a:spcAft>
-                <a:spcPts val="300"/>
-              </a:spcAft>
-              <a:buSzPct val="100000"/>
-              <a:buFontTx/>
-              <a:buChar char="-"/>
-            </a:pPr>
-            <a:r>
-              <a:rPr lang="en-US" sz="2000" dirty="0"/>
-              <a:t>Computationally efficient  </a:t>
-            </a:r>
-          </a:p>
-        </p:txBody>
-      </p:sp>
-    </p:spTree>
-    <p:extLst>
-      <p:ext uri="{BB962C8B-B14F-4D97-AF65-F5344CB8AC3E}">
-        <p14:creationId xmlns:p14="http://schemas.microsoft.com/office/powerpoint/2010/main" val="2995992005"/>
       </p:ext>
     </p:extLst>
   </p:cSld>

--- a/DL_course_1.pptx
+++ b/DL_course_1.pptx
@@ -493,7 +493,7 @@
           <a:p>
             <a:fld id="{5BA66907-C9CB-4193-9834-58A345F7872F}" type="datetimeFigureOut">
               <a:rPr lang="en-US" smtClean="0"/>
-              <a:t>2/13/2020</a:t>
+              <a:t>3/20/2020</a:t>
             </a:fld>
             <a:endParaRPr lang="en-US"/>
           </a:p>
@@ -19407,99 +19407,200 @@
           </a:p>
         </p:txBody>
       </p:sp>
-      <p:sp>
-        <p:nvSpPr>
-          <p:cNvPr id="44" name="TextBox 43">
-            <a:extLst>
-              <a:ext uri="{FF2B5EF4-FFF2-40B4-BE49-F238E27FC236}">
-                <a16:creationId xmlns:a16="http://schemas.microsoft.com/office/drawing/2014/main" id="{D97783C1-0390-40DC-9CD6-92F709234326}"/>
-              </a:ext>
-            </a:extLst>
-          </p:cNvPr>
-          <p:cNvSpPr txBox="1"/>
-          <p:nvPr/>
-        </p:nvSpPr>
-        <p:spPr>
-          <a:xfrm>
-            <a:off x="816056" y="2432906"/>
-            <a:ext cx="6423609" cy="925975"/>
-          </a:xfrm>
-          <a:prstGeom prst="rect">
-            <a:avLst/>
-          </a:prstGeom>
-          <a:noFill/>
-        </p:spPr>
-        <p:txBody>
-          <a:bodyPr wrap="none" lIns="72000" tIns="72000" rIns="72000" bIns="72000" rtlCol="0">
-            <a:noAutofit/>
-          </a:bodyPr>
-          <a:lstStyle/>
-          <a:p>
-            <a:pPr marL="342900" indent="-342900" algn="l">
-              <a:spcAft>
-                <a:spcPts val="300"/>
-              </a:spcAft>
-              <a:buSzPct val="100000"/>
-              <a:buFont typeface="Arial" panose="020B0604020202020204" pitchFamily="34" charset="0"/>
-              <a:buChar char="•"/>
-            </a:pPr>
-            <a:r>
-              <a:rPr lang="en-US" sz="2000" dirty="0"/>
-              <a:t>For a regression problem: Mean Squared Error, etc.</a:t>
-            </a:r>
-          </a:p>
-          <a:p>
-            <a:pPr algn="l">
-              <a:spcAft>
-                <a:spcPts val="300"/>
-              </a:spcAft>
-              <a:buSzPct val="100000"/>
-            </a:pPr>
-            <a:endParaRPr lang="en-US" sz="2000" dirty="0"/>
-          </a:p>
-          <a:p>
-            <a:pPr algn="l">
-              <a:spcAft>
-                <a:spcPts val="300"/>
-              </a:spcAft>
-              <a:buSzPct val="100000"/>
-            </a:pPr>
-            <a:endParaRPr lang="en-US" sz="2000" dirty="0"/>
-          </a:p>
-          <a:p>
-            <a:pPr algn="l">
-              <a:spcAft>
-                <a:spcPts val="300"/>
-              </a:spcAft>
-              <a:buSzPct val="100000"/>
-            </a:pPr>
-            <a:endParaRPr lang="en-US" sz="2000" dirty="0"/>
-          </a:p>
-          <a:p>
-            <a:pPr algn="l">
-              <a:spcAft>
-                <a:spcPts val="300"/>
-              </a:spcAft>
-              <a:buSzPct val="100000"/>
-            </a:pPr>
-            <a:endParaRPr lang="en-US" sz="2000" dirty="0"/>
-          </a:p>
-          <a:p>
-            <a:pPr marL="342900" indent="-342900" algn="l">
-              <a:spcAft>
-                <a:spcPts val="300"/>
-              </a:spcAft>
-              <a:buSzPct val="100000"/>
-              <a:buFont typeface="Arial" panose="020B0604020202020204" pitchFamily="34" charset="0"/>
-              <a:buChar char="•"/>
-            </a:pPr>
-            <a:r>
-              <a:rPr lang="en-US" sz="2000" dirty="0"/>
-              <a:t>For a classification problem : Cross Entropy, etc.</a:t>
-            </a:r>
-          </a:p>
-        </p:txBody>
-      </p:sp>
+      <mc:AlternateContent xmlns:mc="http://schemas.openxmlformats.org/markup-compatibility/2006" xmlns:a14="http://schemas.microsoft.com/office/drawing/2010/main">
+        <mc:Choice Requires="a14">
+          <p:sp>
+            <p:nvSpPr>
+              <p:cNvPr id="44" name="TextBox 43">
+                <a:extLst>
+                  <a:ext uri="{FF2B5EF4-FFF2-40B4-BE49-F238E27FC236}">
+                    <a16:creationId xmlns:a16="http://schemas.microsoft.com/office/drawing/2014/main" id="{D97783C1-0390-40DC-9CD6-92F709234326}"/>
+                  </a:ext>
+                </a:extLst>
+              </p:cNvPr>
+              <p:cNvSpPr txBox="1"/>
+              <p:nvPr/>
+            </p:nvSpPr>
+            <p:spPr>
+              <a:xfrm>
+                <a:off x="816056" y="2432906"/>
+                <a:ext cx="6423609" cy="925975"/>
+              </a:xfrm>
+              <a:prstGeom prst="rect">
+                <a:avLst/>
+              </a:prstGeom>
+              <a:noFill/>
+            </p:spPr>
+            <p:txBody>
+              <a:bodyPr wrap="none" lIns="72000" tIns="72000" rIns="72000" bIns="72000" rtlCol="0">
+                <a:noAutofit/>
+              </a:bodyPr>
+              <a:lstStyle/>
+              <a:p>
+                <a:pPr marL="342900" indent="-342900" algn="l">
+                  <a:spcAft>
+                    <a:spcPts val="300"/>
+                  </a:spcAft>
+                  <a:buSzPct val="100000"/>
+                  <a:buFont typeface="Arial" panose="020B0604020202020204" pitchFamily="34" charset="0"/>
+                  <a:buChar char="•"/>
+                </a:pPr>
+                <a:r>
+                  <a:rPr lang="en-US" sz="2000" dirty="0"/>
+                  <a:t>For a regression problem: Mean Squared Error, etc.</a:t>
+                </a:r>
+              </a:p>
+              <a:p>
+                <a:pPr algn="l">
+                  <a:spcAft>
+                    <a:spcPts val="300"/>
+                  </a:spcAft>
+                  <a:buSzPct val="100000"/>
+                </a:pPr>
+                <a:endParaRPr lang="en-US" sz="2000" dirty="0"/>
+              </a:p>
+              <a:p>
+                <a:pPr algn="l">
+                  <a:spcAft>
+                    <a:spcPts val="300"/>
+                  </a:spcAft>
+                  <a:buSzPct val="100000"/>
+                </a:pPr>
+                <a:endParaRPr lang="en-US" sz="2000" dirty="0"/>
+              </a:p>
+              <a:p>
+                <a:pPr algn="l">
+                  <a:spcAft>
+                    <a:spcPts val="300"/>
+                  </a:spcAft>
+                  <a:buSzPct val="100000"/>
+                </a:pPr>
+                <a:endParaRPr lang="en-US" sz="2000" dirty="0"/>
+              </a:p>
+              <a:p>
+                <a:pPr algn="l">
+                  <a:spcAft>
+                    <a:spcPts val="300"/>
+                  </a:spcAft>
+                  <a:buSzPct val="100000"/>
+                </a:pPr>
+                <a:endParaRPr lang="en-US" sz="2000" dirty="0"/>
+              </a:p>
+              <a:p>
+                <a:pPr marL="342900" indent="-342900" algn="l">
+                  <a:spcAft>
+                    <a:spcPts val="300"/>
+                  </a:spcAft>
+                  <a:buSzPct val="100000"/>
+                  <a:buFont typeface="Arial" panose="020B0604020202020204" pitchFamily="34" charset="0"/>
+                  <a:buChar char="•"/>
+                </a:pPr>
+                <a:r>
+                  <a:rPr lang="en-US" sz="2000" dirty="0"/>
+                  <a:t>For a classification problem : Cross Entropy, etc.</a:t>
+                </a:r>
+              </a:p>
+              <a:p>
+                <a:pPr>
+                  <a:spcAft>
+                    <a:spcPts val="300"/>
+                  </a:spcAft>
+                  <a:buSzPct val="100000"/>
+                </a:pPr>
+                <a:r>
+                  <a:rPr lang="en-US" dirty="0"/>
+                  <a:t>Cross-entropy is a measure of the difference between two probability distributions </a:t>
+                </a:r>
+                <a14:m>
+                  <m:oMath xmlns:m="http://schemas.openxmlformats.org/officeDocument/2006/math">
+                    <m:r>
+                      <a:rPr lang="en-US" sz="2000" b="0" i="1" smtClean="0">
+                        <a:latin typeface="Cambria Math" panose="02040503050406030204" pitchFamily="18" charset="0"/>
+                      </a:rPr>
+                      <m:t>𝑝</m:t>
+                    </m:r>
+                  </m:oMath>
+                </a14:m>
+                <a:r>
+                  <a:rPr lang="en-US" sz="2400" dirty="0"/>
+                  <a:t> </a:t>
+                </a:r>
+                <a:r>
+                  <a:rPr lang="en-US" sz="2000" dirty="0"/>
+                  <a:t>and </a:t>
+                </a:r>
+                <a14:m>
+                  <m:oMath xmlns:m="http://schemas.openxmlformats.org/officeDocument/2006/math">
+                    <m:acc>
+                      <m:accPr>
+                        <m:chr m:val="̂"/>
+                        <m:ctrlPr>
+                          <a:rPr lang="en-US" sz="2000" b="0" i="1" smtClean="0">
+                            <a:latin typeface="Cambria Math" panose="02040503050406030204" pitchFamily="18" charset="0"/>
+                          </a:rPr>
+                        </m:ctrlPr>
+                      </m:accPr>
+                      <m:e>
+                        <m:r>
+                          <a:rPr lang="en-US" sz="2000" b="0" i="1" smtClean="0">
+                            <a:latin typeface="Cambria Math" panose="02040503050406030204" pitchFamily="18" charset="0"/>
+                          </a:rPr>
+                          <m:t>𝑝</m:t>
+                        </m:r>
+                      </m:e>
+                    </m:acc>
+                  </m:oMath>
+                </a14:m>
+                <a:endParaRPr lang="en-US" sz="2000" dirty="0"/>
+              </a:p>
+            </p:txBody>
+          </p:sp>
+        </mc:Choice>
+        <mc:Fallback xmlns="">
+          <p:sp>
+            <p:nvSpPr>
+              <p:cNvPr id="44" name="TextBox 43">
+                <a:extLst>
+                  <a:ext uri="{FF2B5EF4-FFF2-40B4-BE49-F238E27FC236}">
+                    <a16:creationId xmlns:a16="http://schemas.microsoft.com/office/drawing/2014/main" id="{D97783C1-0390-40DC-9CD6-92F709234326}"/>
+                  </a:ext>
+                </a:extLst>
+              </p:cNvPr>
+              <p:cNvSpPr txBox="1">
+                <a:spLocks noRot="1" noChangeAspect="1" noMove="1" noResize="1" noEditPoints="1" noAdjustHandles="1" noChangeArrowheads="1" noChangeShapeType="1" noTextEdit="1"/>
+              </p:cNvSpPr>
+              <p:nvPr/>
+            </p:nvSpPr>
+            <p:spPr>
+              <a:xfrm>
+                <a:off x="816056" y="2432906"/>
+                <a:ext cx="6423609" cy="925975"/>
+              </a:xfrm>
+              <a:prstGeom prst="rect">
+                <a:avLst/>
+              </a:prstGeom>
+              <a:blipFill>
+                <a:blip r:embed="rId2"/>
+                <a:stretch>
+                  <a:fillRect l="-1139" t="-658" r="-52751" b="-184211"/>
+                </a:stretch>
+              </a:blipFill>
+            </p:spPr>
+            <p:txBody>
+              <a:bodyPr/>
+              <a:lstStyle/>
+              <a:p>
+                <a:r>
+                  <a:rPr lang="en-US">
+                    <a:noFill/>
+                  </a:rPr>
+                  <a:t> </a:t>
+                </a:r>
+              </a:p>
+            </p:txBody>
+          </p:sp>
+        </mc:Fallback>
+      </mc:AlternateContent>
       <mc:AlternateContent xmlns:mc="http://schemas.openxmlformats.org/markup-compatibility/2006" xmlns:a14="http://schemas.microsoft.com/office/drawing/2010/main">
         <mc:Choice Requires="a14">
           <p:sp>
@@ -19841,7 +19942,7 @@
                 <a:avLst/>
               </a:prstGeom>
               <a:blipFill>
-                <a:blip r:embed="rId2"/>
+                <a:blip r:embed="rId3"/>
                 <a:stretch>
                   <a:fillRect/>
                 </a:stretch>
@@ -19878,7 +19979,7 @@
             </p:nvSpPr>
             <p:spPr>
               <a:xfrm>
-                <a:off x="4124239" y="4778121"/>
+                <a:off x="4141656" y="5091629"/>
                 <a:ext cx="3270447" cy="904158"/>
               </a:xfrm>
               <a:prstGeom prst="rect">
@@ -20311,14 +20412,14 @@
             </p:nvSpPr>
             <p:spPr>
               <a:xfrm>
-                <a:off x="4124239" y="4778121"/>
+                <a:off x="4141656" y="5091629"/>
                 <a:ext cx="3270447" cy="904158"/>
               </a:xfrm>
               <a:prstGeom prst="rect">
                 <a:avLst/>
               </a:prstGeom>
               <a:blipFill>
-                <a:blip r:embed="rId3"/>
+                <a:blip r:embed="rId4"/>
                 <a:stretch>
                   <a:fillRect/>
                 </a:stretch>

--- a/DL_course_1.pptx
+++ b/DL_course_1.pptx
@@ -493,7 +493,7 @@
           <a:p>
             <a:fld id="{5BA66907-C9CB-4193-9834-58A345F7872F}" type="datetimeFigureOut">
               <a:rPr lang="en-US" smtClean="0"/>
-              <a:t>3/20/2020</a:t>
+              <a:t>3/16/2021</a:t>
             </a:fld>
             <a:endParaRPr lang="en-US"/>
           </a:p>
@@ -7483,8 +7483,8 @@
           </a:p>
         </p:txBody>
       </p:sp>
-      <mc:AlternateContent xmlns:mc="http://schemas.openxmlformats.org/markup-compatibility/2006" xmlns:a14="http://schemas.microsoft.com/office/drawing/2010/main">
-        <mc:Choice Requires="a14">
+      <mc:AlternateContent xmlns:mc="http://schemas.openxmlformats.org/markup-compatibility/2006">
+        <mc:Choice xmlns:a14="http://schemas.microsoft.com/office/drawing/2010/main" Requires="a14">
           <p:sp>
             <p:nvSpPr>
               <p:cNvPr id="8" name="TextBox 7">
@@ -7546,7 +7546,7 @@
                               </a:solidFill>
                               <a:latin typeface="Cambria Math" panose="02040503050406030204" pitchFamily="18" charset="0"/>
                             </a:rPr>
-                            <m:t>𝜃</m:t>
+                            <m:t>𝑤</m:t>
                           </m:r>
                         </m:e>
                         <m:sub>
@@ -7573,7 +7573,7 @@
             </p:txBody>
           </p:sp>
         </mc:Choice>
-        <mc:Fallback xmlns="">
+        <mc:Fallback>
           <p:sp>
             <p:nvSpPr>
               <p:cNvPr id="8" name="TextBox 7">
@@ -7618,8 +7618,8 @@
           </p:sp>
         </mc:Fallback>
       </mc:AlternateContent>
-      <mc:AlternateContent xmlns:mc="http://schemas.openxmlformats.org/markup-compatibility/2006" xmlns:a14="http://schemas.microsoft.com/office/drawing/2010/main">
-        <mc:Choice Requires="a14">
+      <mc:AlternateContent xmlns:mc="http://schemas.openxmlformats.org/markup-compatibility/2006">
+        <mc:Choice xmlns:a14="http://schemas.microsoft.com/office/drawing/2010/main" Requires="a14">
           <p:sp>
             <p:nvSpPr>
               <p:cNvPr id="27" name="TextBox 26">
@@ -7681,7 +7681,7 @@
                               </a:solidFill>
                               <a:latin typeface="Cambria Math" panose="02040503050406030204" pitchFamily="18" charset="0"/>
                             </a:rPr>
-                            <m:t>𝜃</m:t>
+                            <m:t>𝑤</m:t>
                           </m:r>
                         </m:e>
                         <m:sub>
@@ -7708,7 +7708,7 @@
             </p:txBody>
           </p:sp>
         </mc:Choice>
-        <mc:Fallback xmlns="">
+        <mc:Fallback>
           <p:sp>
             <p:nvSpPr>
               <p:cNvPr id="27" name="TextBox 26">
@@ -7823,8 +7823,8 @@
           </a:p>
         </p:txBody>
       </p:sp>
-      <mc:AlternateContent xmlns:mc="http://schemas.openxmlformats.org/markup-compatibility/2006" xmlns:a14="http://schemas.microsoft.com/office/drawing/2010/main">
-        <mc:Choice Requires="a14">
+      <mc:AlternateContent xmlns:mc="http://schemas.openxmlformats.org/markup-compatibility/2006">
+        <mc:Choice xmlns:a14="http://schemas.microsoft.com/office/drawing/2010/main" Requires="a14">
           <p:sp>
             <p:nvSpPr>
               <p:cNvPr id="10" name="TextBox 9">
@@ -7880,7 +7880,7 @@
                             </a:solidFill>
                             <a:latin typeface="Cambria Math" panose="02040503050406030204" pitchFamily="18" charset="0"/>
                           </a:rPr>
-                          <m:t>𝜃</m:t>
+                          <m:t>𝑤</m:t>
                         </m:r>
                       </m:e>
                       <m:sub>
@@ -7932,7 +7932,7 @@
                             </a:solidFill>
                             <a:latin typeface="Cambria Math" panose="02040503050406030204" pitchFamily="18" charset="0"/>
                           </a:rPr>
-                          <m:t>𝜃</m:t>
+                          <m:t>𝑤</m:t>
                         </m:r>
                       </m:e>
                       <m:sub>
@@ -8014,7 +8014,7 @@
                             </a:solidFill>
                             <a:latin typeface="Cambria Math" panose="02040503050406030204" pitchFamily="18" charset="0"/>
                           </a:rPr>
-                          <m:t>𝜃</m:t>
+                          <m:t>𝑤</m:t>
                         </m:r>
                       </m:e>
                       <m:sub>
@@ -8103,7 +8103,7 @@
             </p:txBody>
           </p:sp>
         </mc:Choice>
-        <mc:Fallback xmlns="">
+        <mc:Fallback>
           <p:sp>
             <p:nvSpPr>
               <p:cNvPr id="10" name="TextBox 9">
@@ -12227,6 +12227,53 @@
           </p:sp>
         </mc:Fallback>
       </mc:AlternateContent>
+      <p:pic>
+        <p:nvPicPr>
+          <p:cNvPr id="4" name="Picture 2" descr="ReLU — Most popular Activation Function for Deep Neural Networks | by  Sonish Sivarajkumar | Medium">
+            <a:extLst>
+              <a:ext uri="{FF2B5EF4-FFF2-40B4-BE49-F238E27FC236}">
+                <a16:creationId xmlns:a16="http://schemas.microsoft.com/office/drawing/2014/main" id="{BB53EA53-F4CF-4176-A9D8-39F3FA02BE4B}"/>
+              </a:ext>
+            </a:extLst>
+          </p:cNvPr>
+          <p:cNvPicPr>
+            <a:picLocks noChangeAspect="1" noChangeArrowheads="1"/>
+          </p:cNvPicPr>
+          <p:nvPr/>
+        </p:nvPicPr>
+        <p:blipFill>
+          <a:blip r:embed="rId4">
+            <a:extLst>
+              <a:ext uri="{28A0092B-C50C-407E-A947-70E740481C1C}">
+                <a14:useLocalDpi xmlns:a14="http://schemas.microsoft.com/office/drawing/2010/main" val="0"/>
+              </a:ext>
+            </a:extLst>
+          </a:blip>
+          <a:srcRect/>
+          <a:stretch>
+            <a:fillRect/>
+          </a:stretch>
+        </p:blipFill>
+        <p:spPr bwMode="auto">
+          <a:xfrm>
+            <a:off x="5216664" y="1525349"/>
+            <a:ext cx="2036895" cy="927125"/>
+          </a:xfrm>
+          <a:prstGeom prst="rect">
+            <a:avLst/>
+          </a:prstGeom>
+          <a:noFill/>
+          <a:extLst>
+            <a:ext uri="{909E8E84-426E-40DD-AFC4-6F175D3DCCD1}">
+              <a14:hiddenFill xmlns:a14="http://schemas.microsoft.com/office/drawing/2010/main">
+                <a:solidFill>
+                  <a:srgbClr val="FFFFFF"/>
+                </a:solidFill>
+              </a14:hiddenFill>
+            </a:ext>
+          </a:extLst>
+        </p:spPr>
+      </p:pic>
     </p:spTree>
     <p:extLst>
       <p:ext uri="{BB962C8B-B14F-4D97-AF65-F5344CB8AC3E}">
